--- a/Présentation.pptx
+++ b/Présentation.pptx
@@ -8,6 +8,10 @@
     <p:sldId id="256" r:id="rId2"/>
     <p:sldId id="257" r:id="rId3"/>
     <p:sldId id="258" r:id="rId4"/>
+    <p:sldId id="259" r:id="rId5"/>
+    <p:sldId id="260" r:id="rId6"/>
+    <p:sldId id="263" r:id="rId7"/>
+    <p:sldId id="262" r:id="rId8"/>
   </p:sldIdLst>
   <p:sldSz cx="12192000" cy="6858000"/>
   <p:notesSz cx="6858000" cy="9144000"/>
@@ -4226,13 +4230,8 @@
             </a:r>
             <a:r>
               <a:rPr lang="fr-FR" dirty="0"/>
-              <a:t> </a:t>
-            </a:r>
-            <a:r>
-              <a:rPr lang="fr-FR"/>
-              <a:t>41 promotion</a:t>
-            </a:r>
-            <a:endParaRPr lang="fr-FR" dirty="0"/>
+              <a:t> 41 promotion</a:t>
+            </a:r>
           </a:p>
           <a:p>
             <a:endParaRPr lang="fr-FR" dirty="0"/>
@@ -4265,6 +4264,1994 @@
     <p:extLst>
       <p:ext uri="{BB962C8B-B14F-4D97-AF65-F5344CB8AC3E}">
         <p14:creationId xmlns:p14="http://schemas.microsoft.com/office/powerpoint/2010/main" val="464539086"/>
+      </p:ext>
+    </p:extLst>
+  </p:cSld>
+  <p:clrMapOvr>
+    <a:masterClrMapping/>
+  </p:clrMapOvr>
+</p:sld>
+</file>
+
+<file path=ppt/slides/slide4.xml><?xml version="1.0" encoding="utf-8"?>
+<p:sld xmlns:a="http://schemas.openxmlformats.org/drawingml/2006/main" xmlns:r="http://schemas.openxmlformats.org/officeDocument/2006/relationships" xmlns:p="http://schemas.openxmlformats.org/presentationml/2006/main">
+  <p:cSld>
+    <p:spTree>
+      <p:nvGrpSpPr>
+        <p:cNvPr id="1" name=""/>
+        <p:cNvGrpSpPr/>
+        <p:nvPr/>
+      </p:nvGrpSpPr>
+      <p:grpSpPr>
+        <a:xfrm>
+          <a:off x="0" y="0"/>
+          <a:ext cx="0" cy="0"/>
+          <a:chOff x="0" y="0"/>
+          <a:chExt cx="0" cy="0"/>
+        </a:xfrm>
+      </p:grpSpPr>
+      <p:sp>
+        <p:nvSpPr>
+          <p:cNvPr id="2" name="Titre 1">
+            <a:extLst>
+              <a:ext uri="{FF2B5EF4-FFF2-40B4-BE49-F238E27FC236}">
+                <a16:creationId xmlns:a16="http://schemas.microsoft.com/office/drawing/2014/main" id="{C0C609A9-9600-A6C0-5428-3D349D9884D0}"/>
+              </a:ext>
+            </a:extLst>
+          </p:cNvPr>
+          <p:cNvSpPr>
+            <a:spLocks noGrp="1"/>
+          </p:cNvSpPr>
+          <p:nvPr>
+            <p:ph type="title"/>
+          </p:nvPr>
+        </p:nvSpPr>
+        <p:spPr/>
+        <p:txBody>
+          <a:bodyPr/>
+          <a:lstStyle/>
+          <a:p>
+            <a:r>
+              <a:rPr lang="fr-FR" dirty="0" err="1"/>
+              <a:t>Fairness</a:t>
+            </a:r>
+            <a:r>
+              <a:rPr lang="fr-FR" dirty="0"/>
+              <a:t> </a:t>
+            </a:r>
+            <a:r>
+              <a:rPr lang="fr-FR" dirty="0" err="1"/>
+              <a:t>Metrics</a:t>
+            </a:r>
+            <a:endParaRPr lang="fr-FR" dirty="0"/>
+          </a:p>
+        </p:txBody>
+      </p:sp>
+      <p:sp>
+        <p:nvSpPr>
+          <p:cNvPr id="3" name="Espace réservé du contenu 2">
+            <a:extLst>
+              <a:ext uri="{FF2B5EF4-FFF2-40B4-BE49-F238E27FC236}">
+                <a16:creationId xmlns:a16="http://schemas.microsoft.com/office/drawing/2014/main" id="{050A4AB1-4CC2-8496-8412-F446D999D8B6}"/>
+              </a:ext>
+            </a:extLst>
+          </p:cNvPr>
+          <p:cNvSpPr>
+            <a:spLocks noGrp="1"/>
+          </p:cNvSpPr>
+          <p:nvPr>
+            <p:ph idx="1"/>
+          </p:nvPr>
+        </p:nvSpPr>
+        <p:spPr>
+          <a:xfrm>
+            <a:off x="1371600" y="2286000"/>
+            <a:ext cx="9761220" cy="3581400"/>
+          </a:xfrm>
+        </p:spPr>
+        <p:txBody>
+          <a:bodyPr/>
+          <a:lstStyle/>
+          <a:p>
+            <a:r>
+              <a:rPr lang="fr-FR" b="0" i="0" dirty="0" err="1">
+                <a:solidFill>
+                  <a:schemeClr val="tx1"/>
+                </a:solidFill>
+                <a:effectLst/>
+              </a:rPr>
+              <a:t>Mean</a:t>
+            </a:r>
+            <a:r>
+              <a:rPr lang="fr-FR" b="0" i="0" dirty="0">
+                <a:solidFill>
+                  <a:schemeClr val="tx1"/>
+                </a:solidFill>
+                <a:effectLst/>
+              </a:rPr>
+              <a:t> </a:t>
+            </a:r>
+            <a:r>
+              <a:rPr lang="fr-FR" b="0" i="0" dirty="0" err="1">
+                <a:solidFill>
+                  <a:schemeClr val="tx1"/>
+                </a:solidFill>
+                <a:effectLst/>
+              </a:rPr>
+              <a:t>difference</a:t>
+            </a:r>
+            <a:r>
+              <a:rPr lang="fr-FR" b="0" i="0" dirty="0">
+                <a:solidFill>
+                  <a:schemeClr val="tx1"/>
+                </a:solidFill>
+                <a:effectLst/>
+              </a:rPr>
+              <a:t> </a:t>
+            </a:r>
+            <a:r>
+              <a:rPr lang="fr-FR" b="0" i="0" dirty="0" err="1">
+                <a:solidFill>
+                  <a:schemeClr val="tx1"/>
+                </a:solidFill>
+                <a:effectLst/>
+              </a:rPr>
+              <a:t>between</a:t>
+            </a:r>
+            <a:r>
+              <a:rPr lang="fr-FR" b="0" i="0" dirty="0">
+                <a:solidFill>
+                  <a:schemeClr val="tx1"/>
+                </a:solidFill>
+                <a:effectLst/>
+              </a:rPr>
+              <a:t> </a:t>
+            </a:r>
+            <a:r>
+              <a:rPr lang="fr-FR" b="0" i="0" dirty="0" err="1">
+                <a:solidFill>
+                  <a:schemeClr val="tx1"/>
+                </a:solidFill>
+                <a:effectLst/>
+              </a:rPr>
+              <a:t>privileged</a:t>
+            </a:r>
+            <a:r>
+              <a:rPr lang="fr-FR" dirty="0">
+                <a:solidFill>
+                  <a:schemeClr val="tx1"/>
+                </a:solidFill>
+              </a:rPr>
+              <a:t> </a:t>
+            </a:r>
+            <a:r>
+              <a:rPr lang="fr-FR" b="0" i="0" dirty="0">
+                <a:solidFill>
+                  <a:schemeClr val="tx1"/>
+                </a:solidFill>
+                <a:effectLst/>
+              </a:rPr>
+              <a:t>and </a:t>
+            </a:r>
+            <a:r>
+              <a:rPr lang="fr-FR" b="0" i="0" dirty="0" err="1">
+                <a:solidFill>
+                  <a:schemeClr val="tx1"/>
+                </a:solidFill>
+                <a:effectLst/>
+              </a:rPr>
+              <a:t>unpriviliged</a:t>
+            </a:r>
+            <a:r>
+              <a:rPr lang="fr-FR" b="0" i="0" dirty="0">
+                <a:solidFill>
+                  <a:schemeClr val="tx1"/>
+                </a:solidFill>
+                <a:effectLst/>
+              </a:rPr>
+              <a:t> group  show the fraction of </a:t>
+            </a:r>
+            <a:r>
+              <a:rPr lang="fr-FR" b="0" i="0" dirty="0" err="1">
+                <a:solidFill>
+                  <a:schemeClr val="tx1"/>
+                </a:solidFill>
+                <a:effectLst/>
+              </a:rPr>
+              <a:t>privileged</a:t>
+            </a:r>
+            <a:r>
+              <a:rPr lang="fr-FR" b="0" i="0" dirty="0">
+                <a:solidFill>
+                  <a:schemeClr val="tx1"/>
+                </a:solidFill>
+                <a:effectLst/>
+              </a:rPr>
+              <a:t> people </a:t>
+            </a:r>
+            <a:r>
+              <a:rPr lang="fr-FR" b="0" i="0" dirty="0" err="1">
+                <a:solidFill>
+                  <a:schemeClr val="tx1"/>
+                </a:solidFill>
+                <a:effectLst/>
+              </a:rPr>
+              <a:t>which</a:t>
+            </a:r>
+            <a:r>
+              <a:rPr lang="fr-FR" b="0" i="0" dirty="0">
+                <a:solidFill>
+                  <a:schemeClr val="tx1"/>
+                </a:solidFill>
+                <a:effectLst/>
+              </a:rPr>
+              <a:t> have more positive </a:t>
+            </a:r>
+            <a:r>
+              <a:rPr lang="fr-FR" b="0" i="0" dirty="0" err="1">
+                <a:solidFill>
+                  <a:schemeClr val="tx1"/>
+                </a:solidFill>
+                <a:effectLst/>
+              </a:rPr>
+              <a:t>outocomes</a:t>
+            </a:r>
+            <a:r>
+              <a:rPr lang="fr-FR" dirty="0">
+                <a:solidFill>
+                  <a:schemeClr val="tx1"/>
+                </a:solidFill>
+              </a:rPr>
+              <a:t>, </a:t>
+            </a:r>
+            <a:r>
+              <a:rPr lang="fr-FR" dirty="0" err="1">
+                <a:solidFill>
+                  <a:schemeClr val="tx1"/>
+                </a:solidFill>
+              </a:rPr>
+              <a:t>We</a:t>
+            </a:r>
+            <a:r>
+              <a:rPr lang="fr-FR" dirty="0">
+                <a:solidFill>
+                  <a:schemeClr val="tx1"/>
+                </a:solidFill>
+              </a:rPr>
+              <a:t> </a:t>
+            </a:r>
+            <a:r>
+              <a:rPr lang="fr-FR" dirty="0" err="1">
+                <a:solidFill>
+                  <a:schemeClr val="tx1"/>
+                </a:solidFill>
+              </a:rPr>
+              <a:t>want</a:t>
+            </a:r>
+            <a:r>
+              <a:rPr lang="fr-FR" dirty="0">
+                <a:solidFill>
+                  <a:schemeClr val="tx1"/>
+                </a:solidFill>
+              </a:rPr>
+              <a:t> </a:t>
+            </a:r>
+            <a:r>
+              <a:rPr lang="fr-FR" dirty="0" err="1">
+                <a:solidFill>
+                  <a:schemeClr val="tx1"/>
+                </a:solidFill>
+              </a:rPr>
+              <a:t>him</a:t>
+            </a:r>
+            <a:r>
+              <a:rPr lang="fr-FR" dirty="0">
+                <a:solidFill>
+                  <a:schemeClr val="tx1"/>
+                </a:solidFill>
+              </a:rPr>
+              <a:t> </a:t>
+            </a:r>
+            <a:r>
+              <a:rPr lang="fr-FR" dirty="0" err="1">
+                <a:solidFill>
+                  <a:schemeClr val="tx1"/>
+                </a:solidFill>
+              </a:rPr>
+              <a:t>around</a:t>
+            </a:r>
+            <a:r>
+              <a:rPr lang="fr-FR" dirty="0">
+                <a:solidFill>
+                  <a:schemeClr val="tx1"/>
+                </a:solidFill>
+              </a:rPr>
+              <a:t> 0</a:t>
+            </a:r>
+          </a:p>
+          <a:p>
+            <a:r>
+              <a:rPr lang="fr-FR" b="0" i="0" dirty="0">
+                <a:solidFill>
+                  <a:schemeClr val="tx1"/>
+                </a:solidFill>
+                <a:effectLst/>
+              </a:rPr>
+              <a:t>For the original test set : 0.1</a:t>
+            </a:r>
+          </a:p>
+          <a:p>
+            <a:r>
+              <a:rPr lang="fr-FR" dirty="0" err="1">
+                <a:solidFill>
+                  <a:schemeClr val="tx1"/>
+                </a:solidFill>
+              </a:rPr>
+              <a:t>Disparity</a:t>
+            </a:r>
+            <a:r>
+              <a:rPr lang="fr-FR" dirty="0">
+                <a:solidFill>
+                  <a:schemeClr val="tx1"/>
+                </a:solidFill>
+              </a:rPr>
+              <a:t> impact show the rate of positive </a:t>
+            </a:r>
+            <a:r>
+              <a:rPr lang="fr-FR" dirty="0" err="1">
+                <a:solidFill>
+                  <a:schemeClr val="tx1"/>
+                </a:solidFill>
+              </a:rPr>
+              <a:t>outcomes</a:t>
+            </a:r>
+            <a:r>
+              <a:rPr lang="fr-FR" dirty="0">
+                <a:solidFill>
+                  <a:schemeClr val="tx1"/>
+                </a:solidFill>
+              </a:rPr>
+              <a:t> over the </a:t>
+            </a:r>
+            <a:r>
+              <a:rPr lang="fr-FR" dirty="0" err="1">
+                <a:solidFill>
+                  <a:schemeClr val="tx1"/>
+                </a:solidFill>
+              </a:rPr>
+              <a:t>unprivileged</a:t>
+            </a:r>
+            <a:r>
+              <a:rPr lang="fr-FR" dirty="0">
+                <a:solidFill>
+                  <a:schemeClr val="tx1"/>
+                </a:solidFill>
+              </a:rPr>
+              <a:t> group </a:t>
+            </a:r>
+            <a:r>
+              <a:rPr lang="fr-FR" dirty="0" err="1">
+                <a:solidFill>
+                  <a:schemeClr val="tx1"/>
+                </a:solidFill>
+              </a:rPr>
+              <a:t>divide</a:t>
+            </a:r>
+            <a:r>
+              <a:rPr lang="fr-FR" dirty="0">
+                <a:solidFill>
+                  <a:schemeClr val="tx1"/>
+                </a:solidFill>
+              </a:rPr>
+              <a:t> by the rate of positive </a:t>
+            </a:r>
+            <a:r>
+              <a:rPr lang="fr-FR" dirty="0" err="1">
+                <a:solidFill>
+                  <a:schemeClr val="tx1"/>
+                </a:solidFill>
+              </a:rPr>
+              <a:t>outcomes</a:t>
+            </a:r>
+            <a:r>
+              <a:rPr lang="fr-FR" dirty="0">
+                <a:solidFill>
+                  <a:schemeClr val="tx1"/>
+                </a:solidFill>
+              </a:rPr>
+              <a:t> over the </a:t>
+            </a:r>
+            <a:r>
+              <a:rPr lang="fr-FR" dirty="0" err="1">
+                <a:solidFill>
+                  <a:schemeClr val="tx1"/>
+                </a:solidFill>
+              </a:rPr>
+              <a:t>privileged</a:t>
+            </a:r>
+            <a:r>
+              <a:rPr lang="fr-FR" dirty="0">
+                <a:solidFill>
+                  <a:schemeClr val="tx1"/>
+                </a:solidFill>
+              </a:rPr>
+              <a:t> group. </a:t>
+            </a:r>
+            <a:r>
+              <a:rPr lang="fr-FR" dirty="0" err="1">
+                <a:solidFill>
+                  <a:schemeClr val="tx1"/>
+                </a:solidFill>
+              </a:rPr>
+              <a:t>We</a:t>
+            </a:r>
+            <a:r>
+              <a:rPr lang="fr-FR" dirty="0">
+                <a:solidFill>
+                  <a:schemeClr val="tx1"/>
+                </a:solidFill>
+              </a:rPr>
+              <a:t> </a:t>
+            </a:r>
+            <a:r>
+              <a:rPr lang="fr-FR" dirty="0" err="1">
+                <a:solidFill>
+                  <a:schemeClr val="tx1"/>
+                </a:solidFill>
+              </a:rPr>
+              <a:t>want</a:t>
+            </a:r>
+            <a:r>
+              <a:rPr lang="fr-FR" dirty="0">
+                <a:solidFill>
+                  <a:schemeClr val="tx1"/>
+                </a:solidFill>
+              </a:rPr>
+              <a:t> </a:t>
+            </a:r>
+            <a:r>
+              <a:rPr lang="fr-FR" dirty="0" err="1">
+                <a:solidFill>
+                  <a:schemeClr val="tx1"/>
+                </a:solidFill>
+              </a:rPr>
+              <a:t>it</a:t>
+            </a:r>
+            <a:r>
+              <a:rPr lang="fr-FR" dirty="0">
+                <a:solidFill>
+                  <a:schemeClr val="tx1"/>
+                </a:solidFill>
+              </a:rPr>
+              <a:t> </a:t>
+            </a:r>
+            <a:r>
+              <a:rPr lang="fr-FR" dirty="0" err="1">
+                <a:solidFill>
+                  <a:schemeClr val="tx1"/>
+                </a:solidFill>
+              </a:rPr>
+              <a:t>around</a:t>
+            </a:r>
+            <a:r>
+              <a:rPr lang="fr-FR" dirty="0">
+                <a:solidFill>
+                  <a:schemeClr val="tx1"/>
+                </a:solidFill>
+              </a:rPr>
+              <a:t> 1</a:t>
+            </a:r>
+          </a:p>
+          <a:p>
+            <a:r>
+              <a:rPr lang="fr-FR" b="0" i="0" dirty="0">
+                <a:solidFill>
+                  <a:schemeClr val="tx1"/>
+                </a:solidFill>
+                <a:effectLst/>
+              </a:rPr>
+              <a:t>For the original test set : </a:t>
+            </a:r>
+            <a:r>
+              <a:rPr lang="fr-FR" sz="2000" b="0" i="0" kern="1200" dirty="0">
+                <a:solidFill>
+                  <a:schemeClr val="tx1"/>
+                </a:solidFill>
+                <a:effectLst/>
+                <a:latin typeface="+mn-lt"/>
+                <a:ea typeface="+mn-ea"/>
+                <a:cs typeface="+mn-cs"/>
+              </a:rPr>
+              <a:t>0.78</a:t>
+            </a:r>
+            <a:endParaRPr lang="fr-FR" b="0" i="0" dirty="0">
+              <a:solidFill>
+                <a:schemeClr val="tx1"/>
+              </a:solidFill>
+              <a:effectLst/>
+            </a:endParaRPr>
+          </a:p>
+          <a:p>
+            <a:pPr marL="0" indent="0">
+              <a:buNone/>
+            </a:pPr>
+            <a:endParaRPr lang="fr-FR" dirty="0">
+              <a:solidFill>
+                <a:schemeClr val="tx1"/>
+              </a:solidFill>
+            </a:endParaRPr>
+          </a:p>
+        </p:txBody>
+      </p:sp>
+    </p:spTree>
+    <p:extLst>
+      <p:ext uri="{BB962C8B-B14F-4D97-AF65-F5344CB8AC3E}">
+        <p14:creationId xmlns:p14="http://schemas.microsoft.com/office/powerpoint/2010/main" val="2523044892"/>
+      </p:ext>
+    </p:extLst>
+  </p:cSld>
+  <p:clrMapOvr>
+    <a:masterClrMapping/>
+  </p:clrMapOvr>
+</p:sld>
+</file>
+
+<file path=ppt/slides/slide5.xml><?xml version="1.0" encoding="utf-8"?>
+<p:sld xmlns:a="http://schemas.openxmlformats.org/drawingml/2006/main" xmlns:r="http://schemas.openxmlformats.org/officeDocument/2006/relationships" xmlns:p="http://schemas.openxmlformats.org/presentationml/2006/main">
+  <p:cSld>
+    <p:spTree>
+      <p:nvGrpSpPr>
+        <p:cNvPr id="1" name=""/>
+        <p:cNvGrpSpPr/>
+        <p:nvPr/>
+      </p:nvGrpSpPr>
+      <p:grpSpPr>
+        <a:xfrm>
+          <a:off x="0" y="0"/>
+          <a:ext cx="0" cy="0"/>
+          <a:chOff x="0" y="0"/>
+          <a:chExt cx="0" cy="0"/>
+        </a:xfrm>
+      </p:grpSpPr>
+      <p:sp>
+        <p:nvSpPr>
+          <p:cNvPr id="2" name="Titre 1">
+            <a:extLst>
+              <a:ext uri="{FF2B5EF4-FFF2-40B4-BE49-F238E27FC236}">
+                <a16:creationId xmlns:a16="http://schemas.microsoft.com/office/drawing/2014/main" id="{F6E4165C-5122-BD15-DEF8-140940D04B5A}"/>
+              </a:ext>
+            </a:extLst>
+          </p:cNvPr>
+          <p:cNvSpPr>
+            <a:spLocks noGrp="1"/>
+          </p:cNvSpPr>
+          <p:nvPr>
+            <p:ph type="title"/>
+          </p:nvPr>
+        </p:nvSpPr>
+        <p:spPr/>
+        <p:txBody>
+          <a:bodyPr/>
+          <a:lstStyle/>
+          <a:p>
+            <a:r>
+              <a:rPr lang="fr-FR" dirty="0" err="1"/>
+              <a:t>Reweight</a:t>
+            </a:r>
+            <a:r>
+              <a:rPr lang="fr-FR" dirty="0"/>
+              <a:t> + Classifier</a:t>
+            </a:r>
+          </a:p>
+        </p:txBody>
+      </p:sp>
+      <p:sp>
+        <p:nvSpPr>
+          <p:cNvPr id="3" name="Espace réservé du contenu 2">
+            <a:extLst>
+              <a:ext uri="{FF2B5EF4-FFF2-40B4-BE49-F238E27FC236}">
+                <a16:creationId xmlns:a16="http://schemas.microsoft.com/office/drawing/2014/main" id="{A3ED6CC6-34DC-9697-6CB1-9FCC1D194DB7}"/>
+              </a:ext>
+            </a:extLst>
+          </p:cNvPr>
+          <p:cNvSpPr>
+            <a:spLocks noGrp="1"/>
+          </p:cNvSpPr>
+          <p:nvPr>
+            <p:ph idx="1"/>
+          </p:nvPr>
+        </p:nvSpPr>
+        <p:spPr>
+          <a:xfrm>
+            <a:off x="1371600" y="2286000"/>
+            <a:ext cx="9601200" cy="3886200"/>
+          </a:xfrm>
+        </p:spPr>
+        <p:txBody>
+          <a:bodyPr>
+            <a:normAutofit/>
+          </a:bodyPr>
+          <a:lstStyle/>
+          <a:p>
+            <a:r>
+              <a:rPr lang="fr-FR" dirty="0" err="1">
+                <a:solidFill>
+                  <a:schemeClr val="tx1"/>
+                </a:solidFill>
+              </a:rPr>
+              <a:t>Reweighing</a:t>
+            </a:r>
+            <a:r>
+              <a:rPr lang="fr-FR" dirty="0">
+                <a:solidFill>
+                  <a:schemeClr val="tx1"/>
+                </a:solidFill>
+              </a:rPr>
+              <a:t> </a:t>
+            </a:r>
+            <a:r>
+              <a:rPr lang="fr-FR" dirty="0" err="1">
+                <a:solidFill>
+                  <a:schemeClr val="tx1"/>
+                </a:solidFill>
+              </a:rPr>
+              <a:t>transforms</a:t>
+            </a:r>
+            <a:r>
+              <a:rPr lang="fr-FR" dirty="0">
+                <a:solidFill>
+                  <a:schemeClr val="tx1"/>
+                </a:solidFill>
+              </a:rPr>
+              <a:t> the </a:t>
+            </a:r>
+            <a:r>
+              <a:rPr lang="fr-FR" dirty="0" err="1">
+                <a:solidFill>
+                  <a:schemeClr val="tx1"/>
+                </a:solidFill>
+              </a:rPr>
+              <a:t>dataset</a:t>
+            </a:r>
+            <a:r>
+              <a:rPr lang="fr-FR" dirty="0">
+                <a:solidFill>
+                  <a:schemeClr val="tx1"/>
+                </a:solidFill>
+              </a:rPr>
+              <a:t> to have more </a:t>
+            </a:r>
+            <a:r>
+              <a:rPr lang="fr-FR" dirty="0" err="1">
+                <a:solidFill>
+                  <a:schemeClr val="tx1"/>
+                </a:solidFill>
+              </a:rPr>
+              <a:t>equity</a:t>
+            </a:r>
+            <a:r>
+              <a:rPr lang="fr-FR" dirty="0">
+                <a:solidFill>
+                  <a:schemeClr val="tx1"/>
+                </a:solidFill>
+              </a:rPr>
+              <a:t> </a:t>
+            </a:r>
+            <a:r>
+              <a:rPr lang="fr-FR" dirty="0" err="1">
+                <a:solidFill>
+                  <a:schemeClr val="tx1"/>
+                </a:solidFill>
+              </a:rPr>
+              <a:t>between</a:t>
+            </a:r>
+            <a:r>
+              <a:rPr lang="fr-FR" dirty="0">
+                <a:solidFill>
+                  <a:schemeClr val="tx1"/>
+                </a:solidFill>
+              </a:rPr>
+              <a:t> the </a:t>
+            </a:r>
+            <a:r>
+              <a:rPr lang="fr-FR" dirty="0" err="1">
+                <a:solidFill>
+                  <a:schemeClr val="tx1"/>
+                </a:solidFill>
+              </a:rPr>
+              <a:t>privileged</a:t>
+            </a:r>
+            <a:r>
+              <a:rPr lang="fr-FR" dirty="0">
+                <a:solidFill>
+                  <a:schemeClr val="tx1"/>
+                </a:solidFill>
+              </a:rPr>
+              <a:t> and </a:t>
+            </a:r>
+            <a:r>
+              <a:rPr lang="fr-FR" dirty="0" err="1">
+                <a:solidFill>
+                  <a:schemeClr val="tx1"/>
+                </a:solidFill>
+              </a:rPr>
+              <a:t>unpivileged</a:t>
+            </a:r>
+            <a:r>
+              <a:rPr lang="fr-FR" dirty="0">
+                <a:solidFill>
+                  <a:schemeClr val="tx1"/>
+                </a:solidFill>
+              </a:rPr>
+              <a:t> groups</a:t>
+            </a:r>
+          </a:p>
+          <a:p>
+            <a:r>
+              <a:rPr lang="fr-FR" dirty="0">
+                <a:solidFill>
+                  <a:schemeClr val="tx1"/>
+                </a:solidFill>
+              </a:rPr>
+              <a:t>Pre </a:t>
+            </a:r>
+            <a:r>
+              <a:rPr lang="fr-FR" dirty="0" err="1">
+                <a:solidFill>
+                  <a:schemeClr val="tx1"/>
+                </a:solidFill>
+              </a:rPr>
+              <a:t>processing</a:t>
+            </a:r>
+            <a:r>
+              <a:rPr lang="fr-FR" dirty="0">
+                <a:solidFill>
+                  <a:schemeClr val="tx1"/>
+                </a:solidFill>
+              </a:rPr>
+              <a:t> technique : </a:t>
+            </a:r>
+            <a:r>
+              <a:rPr lang="fr-FR" dirty="0" err="1">
+                <a:solidFill>
+                  <a:schemeClr val="tx1"/>
+                </a:solidFill>
+              </a:rPr>
+              <a:t>we</a:t>
+            </a:r>
+            <a:r>
+              <a:rPr lang="fr-FR" dirty="0">
+                <a:solidFill>
+                  <a:schemeClr val="tx1"/>
+                </a:solidFill>
+              </a:rPr>
+              <a:t> </a:t>
+            </a:r>
+            <a:r>
+              <a:rPr lang="fr-FR" dirty="0" err="1">
+                <a:solidFill>
+                  <a:schemeClr val="tx1"/>
+                </a:solidFill>
+              </a:rPr>
+              <a:t>need</a:t>
+            </a:r>
+            <a:r>
+              <a:rPr lang="fr-FR" dirty="0">
+                <a:solidFill>
+                  <a:schemeClr val="tx1"/>
+                </a:solidFill>
+              </a:rPr>
+              <a:t> a classifier </a:t>
+            </a:r>
+            <a:r>
+              <a:rPr lang="fr-FR" dirty="0" err="1">
+                <a:solidFill>
+                  <a:schemeClr val="tx1"/>
+                </a:solidFill>
+              </a:rPr>
+              <a:t>after</a:t>
+            </a:r>
+            <a:r>
+              <a:rPr lang="fr-FR" dirty="0">
+                <a:solidFill>
+                  <a:schemeClr val="tx1"/>
+                </a:solidFill>
+              </a:rPr>
+              <a:t> </a:t>
+            </a:r>
+            <a:r>
+              <a:rPr lang="fr-FR" dirty="0" err="1">
+                <a:solidFill>
+                  <a:schemeClr val="tx1"/>
+                </a:solidFill>
+              </a:rPr>
+              <a:t>reweighting</a:t>
+            </a:r>
+            <a:r>
+              <a:rPr lang="fr-FR" dirty="0">
+                <a:solidFill>
+                  <a:schemeClr val="tx1"/>
+                </a:solidFill>
+              </a:rPr>
+              <a:t> the </a:t>
+            </a:r>
+            <a:r>
+              <a:rPr lang="fr-FR" dirty="0" err="1">
+                <a:solidFill>
+                  <a:schemeClr val="tx1"/>
+                </a:solidFill>
+              </a:rPr>
+              <a:t>dataset</a:t>
+            </a:r>
+            <a:endParaRPr lang="fr-FR" dirty="0">
+              <a:solidFill>
+                <a:schemeClr val="tx1"/>
+              </a:solidFill>
+            </a:endParaRPr>
+          </a:p>
+          <a:p>
+            <a:r>
+              <a:rPr lang="fr-FR" dirty="0" err="1">
+                <a:solidFill>
+                  <a:schemeClr val="tx1"/>
+                </a:solidFill>
+              </a:rPr>
+              <a:t>With</a:t>
+            </a:r>
+            <a:r>
+              <a:rPr lang="fr-FR" dirty="0">
+                <a:solidFill>
+                  <a:schemeClr val="tx1"/>
+                </a:solidFill>
+              </a:rPr>
+              <a:t> </a:t>
+            </a:r>
+            <a:r>
+              <a:rPr lang="fr-FR" dirty="0" err="1">
+                <a:solidFill>
+                  <a:schemeClr val="tx1"/>
+                </a:solidFill>
+              </a:rPr>
+              <a:t>Logistic</a:t>
+            </a:r>
+            <a:r>
+              <a:rPr lang="fr-FR" dirty="0">
+                <a:solidFill>
+                  <a:schemeClr val="tx1"/>
+                </a:solidFill>
+              </a:rPr>
+              <a:t> </a:t>
+            </a:r>
+            <a:r>
+              <a:rPr lang="fr-FR" dirty="0" err="1">
+                <a:solidFill>
+                  <a:schemeClr val="tx1"/>
+                </a:solidFill>
+              </a:rPr>
+              <a:t>regression</a:t>
+            </a:r>
+            <a:r>
+              <a:rPr lang="fr-FR" dirty="0">
+                <a:solidFill>
+                  <a:schemeClr val="tx1"/>
+                </a:solidFill>
+              </a:rPr>
+              <a:t>:</a:t>
+            </a:r>
+          </a:p>
+          <a:p>
+            <a:pPr lvl="1"/>
+            <a:r>
+              <a:rPr lang="fr-FR" dirty="0" err="1">
+                <a:solidFill>
+                  <a:schemeClr val="tx1"/>
+                </a:solidFill>
+              </a:rPr>
+              <a:t>Mean</a:t>
+            </a:r>
+            <a:r>
+              <a:rPr lang="fr-FR" dirty="0">
+                <a:solidFill>
+                  <a:schemeClr val="tx1"/>
+                </a:solidFill>
+              </a:rPr>
+              <a:t> </a:t>
+            </a:r>
+            <a:r>
+              <a:rPr lang="fr-FR" dirty="0" err="1">
+                <a:solidFill>
+                  <a:schemeClr val="tx1"/>
+                </a:solidFill>
+              </a:rPr>
+              <a:t>difference</a:t>
+            </a:r>
+            <a:r>
+              <a:rPr lang="fr-FR" dirty="0">
+                <a:solidFill>
+                  <a:schemeClr val="tx1"/>
+                </a:solidFill>
+              </a:rPr>
+              <a:t> =</a:t>
+            </a:r>
+            <a:r>
+              <a:rPr lang="fr-FR" sz="2000" b="0" i="0" kern="1200" dirty="0">
+                <a:effectLst/>
+                <a:latin typeface="+mn-lt"/>
+                <a:ea typeface="+mn-ea"/>
+                <a:cs typeface="+mn-cs"/>
+              </a:rPr>
+              <a:t> 0.025</a:t>
+            </a:r>
+            <a:endParaRPr lang="fr-FR" dirty="0">
+              <a:solidFill>
+                <a:schemeClr val="tx1"/>
+              </a:solidFill>
+            </a:endParaRPr>
+          </a:p>
+          <a:p>
+            <a:pPr lvl="1"/>
+            <a:r>
+              <a:rPr lang="fr-FR" dirty="0">
+                <a:solidFill>
+                  <a:schemeClr val="tx1"/>
+                </a:solidFill>
+              </a:rPr>
+              <a:t>Disparate impact =1.06</a:t>
+            </a:r>
+          </a:p>
+          <a:p>
+            <a:r>
+              <a:rPr lang="fr-FR" dirty="0" err="1">
+                <a:solidFill>
+                  <a:schemeClr val="tx1"/>
+                </a:solidFill>
+              </a:rPr>
+              <a:t>With</a:t>
+            </a:r>
+            <a:r>
+              <a:rPr lang="fr-FR" dirty="0">
+                <a:solidFill>
+                  <a:schemeClr val="tx1"/>
+                </a:solidFill>
+              </a:rPr>
+              <a:t> </a:t>
+            </a:r>
+            <a:r>
+              <a:rPr lang="fr-FR" dirty="0" err="1">
+                <a:solidFill>
+                  <a:schemeClr val="tx1"/>
+                </a:solidFill>
+              </a:rPr>
+              <a:t>Random</a:t>
+            </a:r>
+            <a:r>
+              <a:rPr lang="fr-FR" dirty="0">
+                <a:solidFill>
+                  <a:schemeClr val="tx1"/>
+                </a:solidFill>
+              </a:rPr>
+              <a:t> Forest:</a:t>
+            </a:r>
+          </a:p>
+          <a:p>
+            <a:pPr lvl="1"/>
+            <a:r>
+              <a:rPr lang="fr-FR" dirty="0" err="1">
+                <a:solidFill>
+                  <a:schemeClr val="tx1"/>
+                </a:solidFill>
+              </a:rPr>
+              <a:t>Mean</a:t>
+            </a:r>
+            <a:r>
+              <a:rPr lang="fr-FR" dirty="0">
+                <a:solidFill>
+                  <a:schemeClr val="tx1"/>
+                </a:solidFill>
+              </a:rPr>
+              <a:t> </a:t>
+            </a:r>
+            <a:r>
+              <a:rPr lang="fr-FR" dirty="0" err="1">
+                <a:solidFill>
+                  <a:schemeClr val="tx1"/>
+                </a:solidFill>
+              </a:rPr>
+              <a:t>difference</a:t>
+            </a:r>
+            <a:r>
+              <a:rPr lang="fr-FR" dirty="0">
+                <a:solidFill>
+                  <a:schemeClr val="tx1"/>
+                </a:solidFill>
+              </a:rPr>
+              <a:t> =1e-16</a:t>
+            </a:r>
+          </a:p>
+          <a:p>
+            <a:pPr lvl="1"/>
+            <a:r>
+              <a:rPr lang="fr-FR" dirty="0">
+                <a:solidFill>
+                  <a:schemeClr val="tx1"/>
+                </a:solidFill>
+              </a:rPr>
+              <a:t>Disparate impact =1</a:t>
+            </a:r>
+          </a:p>
+          <a:p>
+            <a:pPr marL="530352" lvl="1" indent="0">
+              <a:buNone/>
+            </a:pPr>
+            <a:endParaRPr lang="fr-FR" dirty="0">
+              <a:solidFill>
+                <a:schemeClr val="tx1"/>
+              </a:solidFill>
+            </a:endParaRPr>
+          </a:p>
+        </p:txBody>
+      </p:sp>
+    </p:spTree>
+    <p:extLst>
+      <p:ext uri="{BB962C8B-B14F-4D97-AF65-F5344CB8AC3E}">
+        <p14:creationId xmlns:p14="http://schemas.microsoft.com/office/powerpoint/2010/main" val="2295345733"/>
+      </p:ext>
+    </p:extLst>
+  </p:cSld>
+  <p:clrMapOvr>
+    <a:masterClrMapping/>
+  </p:clrMapOvr>
+</p:sld>
+</file>
+
+<file path=ppt/slides/slide6.xml><?xml version="1.0" encoding="utf-8"?>
+<p:sld xmlns:a="http://schemas.openxmlformats.org/drawingml/2006/main" xmlns:r="http://schemas.openxmlformats.org/officeDocument/2006/relationships" xmlns:p="http://schemas.openxmlformats.org/presentationml/2006/main">
+  <p:cSld>
+    <p:spTree>
+      <p:nvGrpSpPr>
+        <p:cNvPr id="1" name=""/>
+        <p:cNvGrpSpPr/>
+        <p:nvPr/>
+      </p:nvGrpSpPr>
+      <p:grpSpPr>
+        <a:xfrm>
+          <a:off x="0" y="0"/>
+          <a:ext cx="0" cy="0"/>
+          <a:chOff x="0" y="0"/>
+          <a:chExt cx="0" cy="0"/>
+        </a:xfrm>
+      </p:grpSpPr>
+      <p:sp>
+        <p:nvSpPr>
+          <p:cNvPr id="2" name="Titre 1">
+            <a:extLst>
+              <a:ext uri="{FF2B5EF4-FFF2-40B4-BE49-F238E27FC236}">
+                <a16:creationId xmlns:a16="http://schemas.microsoft.com/office/drawing/2014/main" id="{C7C4FDA4-5CE9-9802-16D1-B09080AE3951}"/>
+              </a:ext>
+            </a:extLst>
+          </p:cNvPr>
+          <p:cNvSpPr>
+            <a:spLocks noGrp="1"/>
+          </p:cNvSpPr>
+          <p:nvPr>
+            <p:ph type="title"/>
+          </p:nvPr>
+        </p:nvSpPr>
+        <p:spPr/>
+        <p:txBody>
+          <a:bodyPr/>
+          <a:lstStyle/>
+          <a:p>
+            <a:r>
+              <a:rPr lang="fr-FR" dirty="0" err="1"/>
+              <a:t>Grid</a:t>
+            </a:r>
+            <a:r>
+              <a:rPr lang="fr-FR" dirty="0"/>
+              <a:t> </a:t>
+            </a:r>
+            <a:r>
+              <a:rPr lang="fr-FR" dirty="0" err="1"/>
+              <a:t>Search</a:t>
+            </a:r>
+            <a:r>
+              <a:rPr lang="fr-FR" dirty="0"/>
+              <a:t> Reduction</a:t>
+            </a:r>
+          </a:p>
+        </p:txBody>
+      </p:sp>
+      <p:sp>
+        <p:nvSpPr>
+          <p:cNvPr id="3" name="Espace réservé du contenu 2">
+            <a:extLst>
+              <a:ext uri="{FF2B5EF4-FFF2-40B4-BE49-F238E27FC236}">
+                <a16:creationId xmlns:a16="http://schemas.microsoft.com/office/drawing/2014/main" id="{82E8EAF3-7407-91F1-8B8E-DD3617528521}"/>
+              </a:ext>
+            </a:extLst>
+          </p:cNvPr>
+          <p:cNvSpPr>
+            <a:spLocks noGrp="1"/>
+          </p:cNvSpPr>
+          <p:nvPr>
+            <p:ph idx="1"/>
+          </p:nvPr>
+        </p:nvSpPr>
+        <p:spPr/>
+        <p:txBody>
+          <a:bodyPr/>
+          <a:lstStyle/>
+          <a:p>
+            <a:r>
+              <a:rPr lang="fr-FR" dirty="0">
+                <a:solidFill>
+                  <a:schemeClr val="tx1"/>
+                </a:solidFill>
+                <a:latin typeface="Lato" panose="020F0502020204030204" pitchFamily="34" charset="0"/>
+              </a:rPr>
+              <a:t>I</a:t>
+            </a:r>
+            <a:r>
+              <a:rPr lang="fr-FR" b="0" i="0" u="none" strike="noStrike" dirty="0">
+                <a:solidFill>
+                  <a:schemeClr val="tx1"/>
+                </a:solidFill>
+                <a:effectLst/>
+                <a:latin typeface="Lato" panose="020F0502020204030204" pitchFamily="34" charset="0"/>
+              </a:rPr>
+              <a:t>n-</a:t>
+            </a:r>
+            <a:r>
+              <a:rPr lang="fr-FR" b="0" i="0" u="none" strike="noStrike" dirty="0" err="1">
+                <a:solidFill>
+                  <a:schemeClr val="tx1"/>
+                </a:solidFill>
+                <a:effectLst/>
+                <a:latin typeface="Lato" panose="020F0502020204030204" pitchFamily="34" charset="0"/>
+              </a:rPr>
+              <a:t>processing</a:t>
+            </a:r>
+            <a:r>
+              <a:rPr lang="fr-FR" b="0" i="0" u="none" strike="noStrike" dirty="0">
+                <a:solidFill>
+                  <a:schemeClr val="tx1"/>
+                </a:solidFill>
+                <a:effectLst/>
+                <a:latin typeface="Lato" panose="020F0502020204030204" pitchFamily="34" charset="0"/>
+              </a:rPr>
+              <a:t> technique</a:t>
+            </a:r>
+          </a:p>
+          <a:p>
+            <a:r>
+              <a:rPr lang="fr-FR" dirty="0" err="1">
+                <a:solidFill>
+                  <a:schemeClr val="tx1"/>
+                </a:solidFill>
+                <a:latin typeface="Lato" panose="020F0502020204030203" pitchFamily="34" charset="0"/>
+              </a:rPr>
+              <a:t>R</a:t>
+            </a:r>
+            <a:r>
+              <a:rPr lang="fr-FR" b="0" i="0" u="none" strike="noStrike" dirty="0" err="1">
+                <a:solidFill>
+                  <a:schemeClr val="tx1"/>
+                </a:solidFill>
+                <a:effectLst/>
+                <a:latin typeface="Lato" panose="020F0502020204030203" pitchFamily="34" charset="0"/>
+              </a:rPr>
+              <a:t>eturning</a:t>
+            </a:r>
+            <a:r>
+              <a:rPr lang="fr-FR" b="0" i="0" u="none" strike="noStrike" dirty="0">
+                <a:solidFill>
+                  <a:schemeClr val="tx1"/>
+                </a:solidFill>
+                <a:effectLst/>
+                <a:latin typeface="Lato" panose="020F0502020204030203" pitchFamily="34" charset="0"/>
+              </a:rPr>
+              <a:t> the </a:t>
+            </a:r>
+            <a:r>
+              <a:rPr lang="fr-FR" b="0" i="0" u="none" strike="noStrike" dirty="0" err="1">
+                <a:solidFill>
+                  <a:schemeClr val="tx1"/>
+                </a:solidFill>
+                <a:effectLst/>
+                <a:latin typeface="Lato" panose="020F0502020204030203" pitchFamily="34" charset="0"/>
+              </a:rPr>
+              <a:t>deterministic</a:t>
+            </a:r>
+            <a:r>
+              <a:rPr lang="fr-FR" b="0" i="0" u="none" strike="noStrike" dirty="0">
+                <a:solidFill>
+                  <a:schemeClr val="tx1"/>
+                </a:solidFill>
+                <a:effectLst/>
+                <a:latin typeface="Lato" panose="020F0502020204030203" pitchFamily="34" charset="0"/>
+              </a:rPr>
+              <a:t> classifier </a:t>
+            </a:r>
+            <a:r>
+              <a:rPr lang="fr-FR" b="0" i="0" u="none" strike="noStrike" dirty="0" err="1">
+                <a:solidFill>
+                  <a:schemeClr val="tx1"/>
+                </a:solidFill>
+                <a:effectLst/>
+                <a:latin typeface="Lato" panose="020F0502020204030203" pitchFamily="34" charset="0"/>
+              </a:rPr>
+              <a:t>with</a:t>
+            </a:r>
+            <a:r>
+              <a:rPr lang="fr-FR" b="0" i="0" u="none" strike="noStrike" dirty="0">
+                <a:solidFill>
+                  <a:schemeClr val="tx1"/>
+                </a:solidFill>
+                <a:effectLst/>
+                <a:latin typeface="Lato" panose="020F0502020204030203" pitchFamily="34" charset="0"/>
+              </a:rPr>
+              <a:t> the </a:t>
+            </a:r>
+            <a:r>
+              <a:rPr lang="fr-FR" b="0" i="0" u="none" strike="noStrike" dirty="0" err="1">
+                <a:solidFill>
+                  <a:schemeClr val="tx1"/>
+                </a:solidFill>
+                <a:effectLst/>
+                <a:latin typeface="Lato" panose="020F0502020204030203" pitchFamily="34" charset="0"/>
+              </a:rPr>
+              <a:t>lowest</a:t>
+            </a:r>
+            <a:r>
+              <a:rPr lang="fr-FR" b="0" i="0" u="none" strike="noStrike" dirty="0">
+                <a:solidFill>
+                  <a:schemeClr val="tx1"/>
+                </a:solidFill>
+                <a:effectLst/>
+                <a:latin typeface="Lato" panose="020F0502020204030203" pitchFamily="34" charset="0"/>
+              </a:rPr>
+              <a:t> </a:t>
+            </a:r>
+            <a:r>
+              <a:rPr lang="fr-FR" b="0" i="0" u="none" strike="noStrike" dirty="0" err="1">
+                <a:solidFill>
+                  <a:schemeClr val="tx1"/>
+                </a:solidFill>
+                <a:effectLst/>
+                <a:latin typeface="Lato" panose="020F0502020204030203" pitchFamily="34" charset="0"/>
+              </a:rPr>
+              <a:t>empirical</a:t>
+            </a:r>
+            <a:r>
+              <a:rPr lang="fr-FR" b="0" i="0" u="none" strike="noStrike" dirty="0">
+                <a:solidFill>
+                  <a:schemeClr val="tx1"/>
+                </a:solidFill>
+                <a:effectLst/>
+                <a:latin typeface="Lato" panose="020F0502020204030203" pitchFamily="34" charset="0"/>
+              </a:rPr>
+              <a:t> </a:t>
+            </a:r>
+            <a:r>
+              <a:rPr lang="fr-FR" b="0" i="0" u="none" strike="noStrike" dirty="0" err="1">
+                <a:solidFill>
+                  <a:schemeClr val="tx1"/>
+                </a:solidFill>
+                <a:effectLst/>
+                <a:latin typeface="Lato" panose="020F0502020204030203" pitchFamily="34" charset="0"/>
+              </a:rPr>
+              <a:t>error</a:t>
+            </a:r>
+            <a:r>
+              <a:rPr lang="fr-FR" b="0" i="0" u="none" strike="noStrike" dirty="0">
+                <a:solidFill>
+                  <a:schemeClr val="tx1"/>
+                </a:solidFill>
+                <a:effectLst/>
+                <a:latin typeface="Lato" panose="020F0502020204030203" pitchFamily="34" charset="0"/>
+              </a:rPr>
+              <a:t> </a:t>
+            </a:r>
+            <a:r>
+              <a:rPr lang="fr-FR" b="0" i="0" u="none" strike="noStrike" dirty="0" err="1">
+                <a:solidFill>
+                  <a:schemeClr val="tx1"/>
+                </a:solidFill>
+                <a:effectLst/>
+                <a:latin typeface="Lato" panose="020F0502020204030203" pitchFamily="34" charset="0"/>
+              </a:rPr>
+              <a:t>subject</a:t>
+            </a:r>
+            <a:r>
+              <a:rPr lang="fr-FR" b="0" i="0" u="none" strike="noStrike" dirty="0">
+                <a:solidFill>
+                  <a:schemeClr val="tx1"/>
+                </a:solidFill>
+                <a:effectLst/>
+                <a:latin typeface="Lato" panose="020F0502020204030203" pitchFamily="34" charset="0"/>
+              </a:rPr>
+              <a:t> to </a:t>
+            </a:r>
+            <a:r>
+              <a:rPr lang="fr-FR" b="0" i="0" u="none" strike="noStrike" dirty="0" err="1">
+                <a:solidFill>
+                  <a:schemeClr val="tx1"/>
+                </a:solidFill>
+                <a:effectLst/>
+                <a:latin typeface="Lato" panose="020F0502020204030203" pitchFamily="34" charset="0"/>
+              </a:rPr>
+              <a:t>fair</a:t>
+            </a:r>
+            <a:r>
+              <a:rPr lang="fr-FR" b="0" i="0" u="none" strike="noStrike" dirty="0">
+                <a:solidFill>
+                  <a:schemeClr val="tx1"/>
+                </a:solidFill>
+                <a:effectLst/>
+                <a:latin typeface="Lato" panose="020F0502020204030203" pitchFamily="34" charset="0"/>
+              </a:rPr>
+              <a:t> classification </a:t>
+            </a:r>
+            <a:r>
+              <a:rPr lang="fr-FR" b="0" i="0" u="none" strike="noStrike" dirty="0" err="1">
+                <a:solidFill>
+                  <a:schemeClr val="tx1"/>
+                </a:solidFill>
+                <a:effectLst/>
+                <a:latin typeface="Lato" panose="020F0502020204030203" pitchFamily="34" charset="0"/>
+              </a:rPr>
+              <a:t>constraints</a:t>
+            </a:r>
+            <a:r>
+              <a:rPr lang="fr-FR" b="0" i="0" u="none" strike="noStrike" dirty="0">
+                <a:solidFill>
+                  <a:schemeClr val="tx1"/>
+                </a:solidFill>
+                <a:effectLst/>
+                <a:latin typeface="Lato" panose="020F0502020204030203" pitchFamily="34" charset="0"/>
+              </a:rPr>
+              <a:t> </a:t>
+            </a:r>
+            <a:r>
+              <a:rPr lang="fr-FR" b="0" i="0" u="none" strike="noStrike" dirty="0" err="1">
+                <a:solidFill>
+                  <a:schemeClr val="tx1"/>
+                </a:solidFill>
+                <a:effectLst/>
+                <a:latin typeface="Lato" panose="020F0502020204030203" pitchFamily="34" charset="0"/>
+              </a:rPr>
+              <a:t>among</a:t>
+            </a:r>
+            <a:r>
+              <a:rPr lang="fr-FR" b="0" i="0" u="none" strike="noStrike" dirty="0">
+                <a:solidFill>
+                  <a:schemeClr val="tx1"/>
+                </a:solidFill>
+                <a:effectLst/>
+                <a:latin typeface="Lato" panose="020F0502020204030203" pitchFamily="34" charset="0"/>
+              </a:rPr>
+              <a:t> the candidates </a:t>
+            </a:r>
+            <a:r>
+              <a:rPr lang="fr-FR" b="0" i="0" u="none" strike="noStrike" dirty="0" err="1">
+                <a:solidFill>
+                  <a:schemeClr val="tx1"/>
+                </a:solidFill>
+                <a:effectLst/>
+                <a:latin typeface="Lato" panose="020F0502020204030203" pitchFamily="34" charset="0"/>
+              </a:rPr>
+              <a:t>searched</a:t>
+            </a:r>
+            <a:endParaRPr lang="fr-FR" b="0" i="0" u="none" strike="noStrike" dirty="0">
+              <a:solidFill>
+                <a:schemeClr val="tx1"/>
+              </a:solidFill>
+              <a:effectLst/>
+              <a:latin typeface="Lato" panose="020F0502020204030203" pitchFamily="34" charset="0"/>
+            </a:endParaRPr>
+          </a:p>
+          <a:p>
+            <a:r>
+              <a:rPr lang="fr-FR" dirty="0" err="1">
+                <a:solidFill>
+                  <a:schemeClr val="tx1"/>
+                </a:solidFill>
+                <a:latin typeface="Lato" panose="020F0502020204030203" pitchFamily="34" charset="0"/>
+              </a:rPr>
+              <a:t>Mean</a:t>
+            </a:r>
+            <a:r>
+              <a:rPr lang="fr-FR" dirty="0">
+                <a:solidFill>
+                  <a:schemeClr val="tx1"/>
+                </a:solidFill>
+                <a:latin typeface="Lato" panose="020F0502020204030203" pitchFamily="34" charset="0"/>
+              </a:rPr>
+              <a:t> </a:t>
+            </a:r>
+            <a:r>
+              <a:rPr lang="fr-FR" dirty="0" err="1">
+                <a:solidFill>
+                  <a:schemeClr val="tx1"/>
+                </a:solidFill>
+                <a:latin typeface="Lato" panose="020F0502020204030203" pitchFamily="34" charset="0"/>
+              </a:rPr>
+              <a:t>difference</a:t>
+            </a:r>
+            <a:r>
+              <a:rPr lang="fr-FR" dirty="0">
+                <a:solidFill>
+                  <a:schemeClr val="tx1"/>
+                </a:solidFill>
+                <a:latin typeface="Lato" panose="020F0502020204030203" pitchFamily="34" charset="0"/>
+              </a:rPr>
+              <a:t> =0.08</a:t>
+            </a:r>
+          </a:p>
+          <a:p>
+            <a:r>
+              <a:rPr lang="fr-FR" dirty="0">
+                <a:solidFill>
+                  <a:schemeClr val="tx1"/>
+                </a:solidFill>
+                <a:latin typeface="Lato" panose="020F0502020204030203" pitchFamily="34" charset="0"/>
+              </a:rPr>
+              <a:t>Disparate </a:t>
+            </a:r>
+            <a:r>
+              <a:rPr lang="fr-FR" dirty="0" err="1">
+                <a:solidFill>
+                  <a:schemeClr val="tx1"/>
+                </a:solidFill>
+                <a:latin typeface="Lato" panose="020F0502020204030203" pitchFamily="34" charset="0"/>
+              </a:rPr>
+              <a:t>imapct</a:t>
+            </a:r>
+            <a:r>
+              <a:rPr lang="fr-FR" dirty="0">
+                <a:solidFill>
+                  <a:schemeClr val="tx1"/>
+                </a:solidFill>
+                <a:latin typeface="Lato" panose="020F0502020204030203" pitchFamily="34" charset="0"/>
+              </a:rPr>
+              <a:t> =0.83</a:t>
+            </a:r>
+            <a:endParaRPr lang="fr-FR" dirty="0">
+              <a:solidFill>
+                <a:schemeClr val="tx1"/>
+              </a:solidFill>
+            </a:endParaRPr>
+          </a:p>
+        </p:txBody>
+      </p:sp>
+    </p:spTree>
+    <p:extLst>
+      <p:ext uri="{BB962C8B-B14F-4D97-AF65-F5344CB8AC3E}">
+        <p14:creationId xmlns:p14="http://schemas.microsoft.com/office/powerpoint/2010/main" val="2278623823"/>
+      </p:ext>
+    </p:extLst>
+  </p:cSld>
+  <p:clrMapOvr>
+    <a:masterClrMapping/>
+  </p:clrMapOvr>
+</p:sld>
+</file>
+
+<file path=ppt/slides/slide7.xml><?xml version="1.0" encoding="utf-8"?>
+<p:sld xmlns:a="http://schemas.openxmlformats.org/drawingml/2006/main" xmlns:r="http://schemas.openxmlformats.org/officeDocument/2006/relationships" xmlns:p="http://schemas.openxmlformats.org/presentationml/2006/main">
+  <p:cSld>
+    <p:spTree>
+      <p:nvGrpSpPr>
+        <p:cNvPr id="1" name=""/>
+        <p:cNvGrpSpPr/>
+        <p:nvPr/>
+      </p:nvGrpSpPr>
+      <p:grpSpPr>
+        <a:xfrm>
+          <a:off x="0" y="0"/>
+          <a:ext cx="0" cy="0"/>
+          <a:chOff x="0" y="0"/>
+          <a:chExt cx="0" cy="0"/>
+        </a:xfrm>
+      </p:grpSpPr>
+      <p:sp>
+        <p:nvSpPr>
+          <p:cNvPr id="2" name="Titre 1">
+            <a:extLst>
+              <a:ext uri="{FF2B5EF4-FFF2-40B4-BE49-F238E27FC236}">
+                <a16:creationId xmlns:a16="http://schemas.microsoft.com/office/drawing/2014/main" id="{E935D198-A3BB-3801-EB01-A2F97D3BE01E}"/>
+              </a:ext>
+            </a:extLst>
+          </p:cNvPr>
+          <p:cNvSpPr>
+            <a:spLocks noGrp="1"/>
+          </p:cNvSpPr>
+          <p:nvPr>
+            <p:ph type="title"/>
+          </p:nvPr>
+        </p:nvSpPr>
+        <p:spPr/>
+        <p:txBody>
+          <a:bodyPr/>
+          <a:lstStyle/>
+          <a:p>
+            <a:r>
+              <a:rPr lang="fr-FR" dirty="0" err="1"/>
+              <a:t>Results</a:t>
+            </a:r>
+            <a:endParaRPr lang="fr-FR" dirty="0"/>
+          </a:p>
+        </p:txBody>
+      </p:sp>
+      <p:graphicFrame>
+        <p:nvGraphicFramePr>
+          <p:cNvPr id="5" name="Tableau 7">
+            <a:extLst>
+              <a:ext uri="{FF2B5EF4-FFF2-40B4-BE49-F238E27FC236}">
+                <a16:creationId xmlns:a16="http://schemas.microsoft.com/office/drawing/2014/main" id="{35C085FD-7E1D-CEA4-F19A-DDD2F26F9C62}"/>
+              </a:ext>
+            </a:extLst>
+          </p:cNvPr>
+          <p:cNvGraphicFramePr>
+            <a:graphicFrameLocks noGrp="1"/>
+          </p:cNvGraphicFramePr>
+          <p:nvPr>
+            <p:extLst>
+              <p:ext uri="{D42A27DB-BD31-4B8C-83A1-F6EECF244321}">
+                <p14:modId xmlns:p14="http://schemas.microsoft.com/office/powerpoint/2010/main" val="1433095795"/>
+              </p:ext>
+            </p:extLst>
+          </p:nvPr>
+        </p:nvGraphicFramePr>
+        <p:xfrm>
+          <a:off x="2137410" y="1826260"/>
+          <a:ext cx="7300552" cy="3479800"/>
+        </p:xfrm>
+        <a:graphic>
+          <a:graphicData uri="http://schemas.openxmlformats.org/drawingml/2006/table">
+            <a:tbl>
+              <a:tblPr firstRow="1" bandRow="1">
+                <a:tableStyleId>{5940675A-B579-460E-94D1-54222C63F5DA}</a:tableStyleId>
+              </a:tblPr>
+              <a:tblGrid>
+                <a:gridCol w="2709333">
+                  <a:extLst>
+                    <a:ext uri="{9D8B030D-6E8A-4147-A177-3AD203B41FA5}">
+                      <a16:colId xmlns:a16="http://schemas.microsoft.com/office/drawing/2014/main" val="2799362302"/>
+                    </a:ext>
+                  </a:extLst>
+                </a:gridCol>
+                <a:gridCol w="2709333">
+                  <a:extLst>
+                    <a:ext uri="{9D8B030D-6E8A-4147-A177-3AD203B41FA5}">
+                      <a16:colId xmlns:a16="http://schemas.microsoft.com/office/drawing/2014/main" val="1743836537"/>
+                    </a:ext>
+                  </a:extLst>
+                </a:gridCol>
+                <a:gridCol w="1881886">
+                  <a:extLst>
+                    <a:ext uri="{9D8B030D-6E8A-4147-A177-3AD203B41FA5}">
+                      <a16:colId xmlns:a16="http://schemas.microsoft.com/office/drawing/2014/main" val="1287019472"/>
+                    </a:ext>
+                  </a:extLst>
+                </a:gridCol>
+              </a:tblGrid>
+              <a:tr h="370840">
+                <a:tc>
+                  <a:txBody>
+                    <a:bodyPr/>
+                    <a:lstStyle/>
+                    <a:p>
+                      <a:endParaRPr lang="fr-FR" dirty="0"/>
+                    </a:p>
+                  </a:txBody>
+                  <a:tcPr/>
+                </a:tc>
+                <a:tc>
+                  <a:txBody>
+                    <a:bodyPr/>
+                    <a:lstStyle/>
+                    <a:p>
+                      <a:r>
+                        <a:rPr lang="fr-FR" dirty="0" err="1"/>
+                        <a:t>Mean</a:t>
+                      </a:r>
+                      <a:r>
+                        <a:rPr lang="fr-FR" dirty="0"/>
+                        <a:t> </a:t>
+                      </a:r>
+                      <a:r>
+                        <a:rPr lang="fr-FR" dirty="0" err="1"/>
+                        <a:t>difference</a:t>
+                      </a:r>
+                      <a:endParaRPr lang="fr-FR" dirty="0"/>
+                    </a:p>
+                  </a:txBody>
+                  <a:tcPr/>
+                </a:tc>
+                <a:tc>
+                  <a:txBody>
+                    <a:bodyPr/>
+                    <a:lstStyle/>
+                    <a:p>
+                      <a:r>
+                        <a:rPr lang="fr-FR" dirty="0"/>
+                        <a:t>Disparate impact</a:t>
+                      </a:r>
+                    </a:p>
+                  </a:txBody>
+                  <a:tcPr/>
+                </a:tc>
+                <a:extLst>
+                  <a:ext uri="{0D108BD9-81ED-4DB2-BD59-A6C34878D82A}">
+                    <a16:rowId xmlns:a16="http://schemas.microsoft.com/office/drawing/2014/main" val="667894945"/>
+                  </a:ext>
+                </a:extLst>
+              </a:tr>
+              <a:tr h="370840">
+                <a:tc>
+                  <a:txBody>
+                    <a:bodyPr/>
+                    <a:lstStyle/>
+                    <a:p>
+                      <a:r>
+                        <a:rPr lang="fr-FR" dirty="0"/>
+                        <a:t>Original</a:t>
+                      </a:r>
+                    </a:p>
+                    <a:p>
+                      <a:endParaRPr lang="fr-FR" dirty="0"/>
+                    </a:p>
+                  </a:txBody>
+                  <a:tcPr/>
+                </a:tc>
+                <a:tc>
+                  <a:txBody>
+                    <a:bodyPr/>
+                    <a:lstStyle/>
+                    <a:p>
+                      <a:r>
+                        <a:rPr lang="fr-FR" sz="1800" b="0" i="0" kern="1200" dirty="0">
+                          <a:solidFill>
+                            <a:schemeClr val="tx1"/>
+                          </a:solidFill>
+                          <a:effectLst/>
+                          <a:latin typeface="+mn-lt"/>
+                          <a:ea typeface="+mn-ea"/>
+                          <a:cs typeface="+mn-cs"/>
+                        </a:rPr>
+                        <a:t>1.086957e-01</a:t>
+                      </a:r>
+                      <a:endParaRPr lang="fr-FR" dirty="0"/>
+                    </a:p>
+                  </a:txBody>
+                  <a:tcPr/>
+                </a:tc>
+                <a:tc>
+                  <a:txBody>
+                    <a:bodyPr/>
+                    <a:lstStyle/>
+                    <a:p>
+                      <a:r>
+                        <a:rPr lang="fr-FR" sz="1800" b="0" i="0" kern="1200" dirty="0">
+                          <a:solidFill>
+                            <a:schemeClr val="tx1"/>
+                          </a:solidFill>
+                          <a:effectLst/>
+                          <a:latin typeface="+mn-lt"/>
+                          <a:ea typeface="+mn-ea"/>
+                          <a:cs typeface="+mn-cs"/>
+                        </a:rPr>
+                        <a:t>0.782609</a:t>
+                      </a:r>
+                      <a:endParaRPr lang="fr-FR" dirty="0"/>
+                    </a:p>
+                  </a:txBody>
+                  <a:tcPr/>
+                </a:tc>
+                <a:extLst>
+                  <a:ext uri="{0D108BD9-81ED-4DB2-BD59-A6C34878D82A}">
+                    <a16:rowId xmlns:a16="http://schemas.microsoft.com/office/drawing/2014/main" val="2261861597"/>
+                  </a:ext>
+                </a:extLst>
+              </a:tr>
+              <a:tr h="370840">
+                <a:tc>
+                  <a:txBody>
+                    <a:bodyPr/>
+                    <a:lstStyle/>
+                    <a:p>
+                      <a:pPr marL="0" marR="0" lvl="0" indent="0" algn="l" defTabSz="914400" rtl="0" eaLnBrk="1" fontAlgn="auto" latinLnBrk="0" hangingPunct="1">
+                        <a:lnSpc>
+                          <a:spcPct val="100000"/>
+                        </a:lnSpc>
+                        <a:spcBef>
+                          <a:spcPts val="0"/>
+                        </a:spcBef>
+                        <a:spcAft>
+                          <a:spcPts val="0"/>
+                        </a:spcAft>
+                        <a:buClrTx/>
+                        <a:buSzTx/>
+                        <a:buFontTx/>
+                        <a:buNone/>
+                        <a:tabLst/>
+                        <a:defRPr/>
+                      </a:pPr>
+                      <a:r>
+                        <a:rPr lang="fr-FR" dirty="0" err="1"/>
+                        <a:t>Reweight</a:t>
+                      </a:r>
+                      <a:r>
+                        <a:rPr lang="fr-FR" dirty="0"/>
+                        <a:t> + </a:t>
+                      </a:r>
+                      <a:r>
+                        <a:rPr lang="fr-FR" dirty="0" err="1"/>
+                        <a:t>Logistic</a:t>
+                      </a:r>
+                      <a:r>
+                        <a:rPr lang="fr-FR" dirty="0"/>
+                        <a:t> </a:t>
+                      </a:r>
+                      <a:r>
+                        <a:rPr lang="fr-FR" dirty="0" err="1"/>
+                        <a:t>regression</a:t>
+                      </a:r>
+                      <a:endParaRPr lang="fr-FR" dirty="0"/>
+                    </a:p>
+                    <a:p>
+                      <a:endParaRPr lang="fr-FR" dirty="0"/>
+                    </a:p>
+                  </a:txBody>
+                  <a:tcPr/>
+                </a:tc>
+                <a:tc>
+                  <a:txBody>
+                    <a:bodyPr/>
+                    <a:lstStyle/>
+                    <a:p>
+                      <a:r>
+                        <a:rPr lang="fr-FR" sz="1800" b="0" i="0" kern="1200" dirty="0">
+                          <a:solidFill>
+                            <a:schemeClr val="tx1"/>
+                          </a:solidFill>
+                          <a:effectLst/>
+                          <a:latin typeface="+mn-lt"/>
+                          <a:ea typeface="+mn-ea"/>
+                          <a:cs typeface="+mn-cs"/>
+                        </a:rPr>
+                        <a:t>2.542373e-02</a:t>
+                      </a:r>
+                      <a:endParaRPr lang="fr-FR" dirty="0"/>
+                    </a:p>
+                  </a:txBody>
+                  <a:tcPr/>
+                </a:tc>
+                <a:tc>
+                  <a:txBody>
+                    <a:bodyPr/>
+                    <a:lstStyle/>
+                    <a:p>
+                      <a:r>
+                        <a:rPr lang="fr-FR" sz="1800" b="0" i="0" kern="1200" dirty="0">
+                          <a:solidFill>
+                            <a:schemeClr val="tx1"/>
+                          </a:solidFill>
+                          <a:effectLst/>
+                          <a:latin typeface="+mn-lt"/>
+                          <a:ea typeface="+mn-ea"/>
+                          <a:cs typeface="+mn-cs"/>
+                        </a:rPr>
+                        <a:t>1.058824</a:t>
+                      </a:r>
+                      <a:endParaRPr lang="fr-FR" dirty="0"/>
+                    </a:p>
+                  </a:txBody>
+                  <a:tcPr/>
+                </a:tc>
+                <a:extLst>
+                  <a:ext uri="{0D108BD9-81ED-4DB2-BD59-A6C34878D82A}">
+                    <a16:rowId xmlns:a16="http://schemas.microsoft.com/office/drawing/2014/main" val="3023607116"/>
+                  </a:ext>
+                </a:extLst>
+              </a:tr>
+              <a:tr h="370840">
+                <a:tc>
+                  <a:txBody>
+                    <a:bodyPr/>
+                    <a:lstStyle/>
+                    <a:p>
+                      <a:pPr marL="0" marR="0" lvl="0" indent="0" algn="l" defTabSz="914400" rtl="0" eaLnBrk="1" fontAlgn="auto" latinLnBrk="0" hangingPunct="1">
+                        <a:lnSpc>
+                          <a:spcPct val="100000"/>
+                        </a:lnSpc>
+                        <a:spcBef>
+                          <a:spcPts val="0"/>
+                        </a:spcBef>
+                        <a:spcAft>
+                          <a:spcPts val="0"/>
+                        </a:spcAft>
+                        <a:buClrTx/>
+                        <a:buSzTx/>
+                        <a:buFontTx/>
+                        <a:buNone/>
+                        <a:tabLst/>
+                        <a:defRPr/>
+                      </a:pPr>
+                      <a:r>
+                        <a:rPr lang="fr-FR" dirty="0" err="1"/>
+                        <a:t>Reweight</a:t>
+                      </a:r>
+                      <a:r>
+                        <a:rPr lang="fr-FR" dirty="0"/>
+                        <a:t> + </a:t>
+                      </a:r>
+                      <a:r>
+                        <a:rPr lang="fr-FR" dirty="0" err="1"/>
+                        <a:t>Random</a:t>
+                      </a:r>
+                      <a:r>
+                        <a:rPr lang="fr-FR" dirty="0"/>
+                        <a:t> </a:t>
+                      </a:r>
+                      <a:r>
+                        <a:rPr lang="fr-FR" dirty="0" err="1"/>
+                        <a:t>forest</a:t>
+                      </a:r>
+                      <a:endParaRPr lang="fr-FR" dirty="0"/>
+                    </a:p>
+                    <a:p>
+                      <a:endParaRPr lang="fr-FR" dirty="0"/>
+                    </a:p>
+                  </a:txBody>
+                  <a:tcPr/>
+                </a:tc>
+                <a:tc>
+                  <a:txBody>
+                    <a:bodyPr/>
+                    <a:lstStyle/>
+                    <a:p>
+                      <a:r>
+                        <a:rPr lang="fr-FR" sz="1800" b="0" i="0" kern="1200" dirty="0">
+                          <a:solidFill>
+                            <a:schemeClr val="tx1"/>
+                          </a:solidFill>
+                          <a:effectLst/>
+                          <a:latin typeface="+mn-lt"/>
+                          <a:ea typeface="+mn-ea"/>
+                          <a:cs typeface="+mn-cs"/>
+                        </a:rPr>
+                        <a:t>1.110223e-16</a:t>
+                      </a:r>
+                      <a:endParaRPr lang="fr-FR" dirty="0"/>
+                    </a:p>
+                  </a:txBody>
+                  <a:tcPr/>
+                </a:tc>
+                <a:tc>
+                  <a:txBody>
+                    <a:bodyPr/>
+                    <a:lstStyle/>
+                    <a:p>
+                      <a:r>
+                        <a:rPr lang="fr-FR" dirty="0"/>
+                        <a:t>1</a:t>
+                      </a:r>
+                    </a:p>
+                  </a:txBody>
+                  <a:tcPr/>
+                </a:tc>
+                <a:extLst>
+                  <a:ext uri="{0D108BD9-81ED-4DB2-BD59-A6C34878D82A}">
+                    <a16:rowId xmlns:a16="http://schemas.microsoft.com/office/drawing/2014/main" val="2546406738"/>
+                  </a:ext>
+                </a:extLst>
+              </a:tr>
+              <a:tr h="370840">
+                <a:tc>
+                  <a:txBody>
+                    <a:bodyPr/>
+                    <a:lstStyle/>
+                    <a:p>
+                      <a:pPr marL="0" marR="0" lvl="0" indent="0" algn="l" defTabSz="914400" rtl="0" eaLnBrk="1" fontAlgn="auto" latinLnBrk="0" hangingPunct="1">
+                        <a:lnSpc>
+                          <a:spcPct val="100000"/>
+                        </a:lnSpc>
+                        <a:spcBef>
+                          <a:spcPts val="0"/>
+                        </a:spcBef>
+                        <a:spcAft>
+                          <a:spcPts val="0"/>
+                        </a:spcAft>
+                        <a:buClrTx/>
+                        <a:buSzTx/>
+                        <a:buFontTx/>
+                        <a:buNone/>
+                        <a:tabLst/>
+                        <a:defRPr/>
+                      </a:pPr>
+                      <a:r>
+                        <a:rPr lang="fr-FR" dirty="0" err="1"/>
+                        <a:t>Grid</a:t>
+                      </a:r>
+                      <a:r>
+                        <a:rPr lang="fr-FR" dirty="0"/>
+                        <a:t> </a:t>
+                      </a:r>
+                      <a:r>
+                        <a:rPr lang="fr-FR" dirty="0" err="1"/>
+                        <a:t>Search</a:t>
+                      </a:r>
+                      <a:r>
+                        <a:rPr lang="fr-FR" dirty="0"/>
+                        <a:t> Reduction</a:t>
+                      </a:r>
+                    </a:p>
+                    <a:p>
+                      <a:endParaRPr lang="fr-FR" dirty="0"/>
+                    </a:p>
+                  </a:txBody>
+                  <a:tcPr/>
+                </a:tc>
+                <a:tc>
+                  <a:txBody>
+                    <a:bodyPr/>
+                    <a:lstStyle/>
+                    <a:p>
+                      <a:r>
+                        <a:rPr lang="fr-FR" sz="1800" b="0" i="0" kern="1200" dirty="0">
+                          <a:solidFill>
+                            <a:schemeClr val="tx1"/>
+                          </a:solidFill>
+                          <a:effectLst/>
+                          <a:latin typeface="+mn-lt"/>
+                          <a:ea typeface="+mn-ea"/>
+                          <a:cs typeface="+mn-cs"/>
+                        </a:rPr>
+                        <a:t>8.091787e-02</a:t>
+                      </a:r>
+                      <a:endParaRPr lang="fr-FR" dirty="0"/>
+                    </a:p>
+                  </a:txBody>
+                  <a:tcPr/>
+                </a:tc>
+                <a:tc>
+                  <a:txBody>
+                    <a:bodyPr/>
+                    <a:lstStyle/>
+                    <a:p>
+                      <a:r>
+                        <a:rPr lang="fr-FR" sz="1800" b="0" i="0" kern="1200" dirty="0">
+                          <a:solidFill>
+                            <a:schemeClr val="tx1"/>
+                          </a:solidFill>
+                          <a:effectLst/>
+                          <a:latin typeface="+mn-lt"/>
+                          <a:ea typeface="+mn-ea"/>
+                          <a:cs typeface="+mn-cs"/>
+                        </a:rPr>
+                        <a:t>0.828645</a:t>
+                      </a:r>
+                      <a:endParaRPr lang="fr-FR" dirty="0"/>
+                    </a:p>
+                  </a:txBody>
+                  <a:tcPr/>
+                </a:tc>
+                <a:extLst>
+                  <a:ext uri="{0D108BD9-81ED-4DB2-BD59-A6C34878D82A}">
+                    <a16:rowId xmlns:a16="http://schemas.microsoft.com/office/drawing/2014/main" val="414492432"/>
+                  </a:ext>
+                </a:extLst>
+              </a:tr>
+            </a:tbl>
+          </a:graphicData>
+        </a:graphic>
+      </p:graphicFrame>
+    </p:spTree>
+    <p:extLst>
+      <p:ext uri="{BB962C8B-B14F-4D97-AF65-F5344CB8AC3E}">
+        <p14:creationId xmlns:p14="http://schemas.microsoft.com/office/powerpoint/2010/main" val="262392862"/>
       </p:ext>
     </p:extLst>
   </p:cSld>

--- a/Présentation.pptx
+++ b/Présentation.pptx
@@ -12,6 +12,7 @@
     <p:sldId id="260" r:id="rId6"/>
     <p:sldId id="263" r:id="rId7"/>
     <p:sldId id="262" r:id="rId8"/>
+    <p:sldId id="264" r:id="rId9"/>
   </p:sldIdLst>
   <p:sldSz cx="12192000" cy="6858000"/>
   <p:notesSz cx="6858000" cy="9144000"/>
@@ -110,6 +111,11 @@
       </a:defRPr>
     </a:lvl9pPr>
   </p:defaultTextStyle>
+  <p:extLst>
+    <p:ext uri="{EFAFB233-063F-42B5-8137-9DF3F51BA10A}">
+      <p15:sldGuideLst xmlns:p15="http://schemas.microsoft.com/office/powerpoint/2012/main"/>
+    </p:ext>
+  </p:extLst>
 </p:presentation>
 </file>
 
@@ -283,7 +289,7 @@
             <a:fld id="{87DE6118-2437-4B30-8E3C-4D2BE6020583}" type="datetimeFigureOut">
               <a:rPr lang="en-US" dirty="0"/>
               <a:pPr/>
-              <a:t>2/27/23</a:t>
+              <a:t>3/2/23</a:t>
             </a:fld>
             <a:endParaRPr lang="en-US" dirty="0"/>
           </a:p>
@@ -609,7 +615,7 @@
           <a:p>
             <a:fld id="{87DE6118-2437-4B30-8E3C-4D2BE6020583}" type="datetimeFigureOut">
               <a:rPr lang="en-US" dirty="0"/>
-              <a:t>2/27/23</a:t>
+              <a:t>3/2/23</a:t>
             </a:fld>
             <a:endParaRPr lang="en-US" dirty="0"/>
           </a:p>
@@ -784,7 +790,7 @@
           <a:p>
             <a:fld id="{87DE6118-2437-4B30-8E3C-4D2BE6020583}" type="datetimeFigureOut">
               <a:rPr lang="en-US" dirty="0"/>
-              <a:t>2/27/23</a:t>
+              <a:t>3/2/23</a:t>
             </a:fld>
             <a:endParaRPr lang="en-US" dirty="0"/>
           </a:p>
@@ -949,7 +955,7 @@
           <a:p>
             <a:fld id="{87DE6118-2437-4B30-8E3C-4D2BE6020583}" type="datetimeFigureOut">
               <a:rPr lang="en-US" dirty="0"/>
-              <a:t>2/27/23</a:t>
+              <a:t>3/2/23</a:t>
             </a:fld>
             <a:endParaRPr lang="en-US" dirty="0"/>
           </a:p>
@@ -1222,7 +1228,7 @@
             <a:fld id="{87DE6118-2437-4B30-8E3C-4D2BE6020583}" type="datetimeFigureOut">
               <a:rPr lang="en-US" dirty="0"/>
               <a:pPr/>
-              <a:t>2/27/23</a:t>
+              <a:t>3/2/23</a:t>
             </a:fld>
             <a:endParaRPr lang="en-US" dirty="0"/>
           </a:p>
@@ -1612,7 +1618,7 @@
           <a:p>
             <a:fld id="{87DE6118-2437-4B30-8E3C-4D2BE6020583}" type="datetimeFigureOut">
               <a:rPr lang="en-US" dirty="0"/>
-              <a:t>2/27/23</a:t>
+              <a:t>3/2/23</a:t>
             </a:fld>
             <a:endParaRPr lang="en-US" dirty="0"/>
           </a:p>
@@ -2084,7 +2090,7 @@
           <a:p>
             <a:fld id="{87DE6118-2437-4B30-8E3C-4D2BE6020583}" type="datetimeFigureOut">
               <a:rPr lang="en-US" dirty="0"/>
-              <a:t>2/27/23</a:t>
+              <a:t>3/2/23</a:t>
             </a:fld>
             <a:endParaRPr lang="en-US" dirty="0"/>
           </a:p>
@@ -2197,7 +2203,7 @@
           <a:p>
             <a:fld id="{87DE6118-2437-4B30-8E3C-4D2BE6020583}" type="datetimeFigureOut">
               <a:rPr lang="en-US" dirty="0"/>
-              <a:t>2/27/23</a:t>
+              <a:t>3/2/23</a:t>
             </a:fld>
             <a:endParaRPr lang="en-US" dirty="0"/>
           </a:p>
@@ -2287,7 +2293,7 @@
           <a:p>
             <a:fld id="{87DE6118-2437-4B30-8E3C-4D2BE6020583}" type="datetimeFigureOut">
               <a:rPr lang="en-US" dirty="0"/>
-              <a:t>2/27/23</a:t>
+              <a:t>3/2/23</a:t>
             </a:fld>
             <a:endParaRPr lang="en-US" dirty="0"/>
           </a:p>
@@ -2629,7 +2635,7 @@
             <a:fld id="{87DE6118-2437-4B30-8E3C-4D2BE6020583}" type="datetimeFigureOut">
               <a:rPr lang="en-US" dirty="0"/>
               <a:pPr/>
-              <a:t>2/27/23</a:t>
+              <a:t>3/2/23</a:t>
             </a:fld>
             <a:endParaRPr lang="en-US" dirty="0"/>
           </a:p>
@@ -3014,7 +3020,7 @@
             <a:fld id="{87DE6118-2437-4B30-8E3C-4D2BE6020583}" type="datetimeFigureOut">
               <a:rPr lang="en-US" dirty="0"/>
               <a:pPr/>
-              <a:t>2/27/23</a:t>
+              <a:t>3/2/23</a:t>
             </a:fld>
             <a:endParaRPr lang="en-US" dirty="0"/>
           </a:p>
@@ -3289,7 +3295,7 @@
             <a:fld id="{87DE6118-2437-4B30-8E3C-4D2BE6020583}" type="datetimeFigureOut">
               <a:rPr lang="en-US" dirty="0"/>
               <a:pPr/>
-              <a:t>2/27/23</a:t>
+              <a:t>3/2/23</a:t>
             </a:fld>
             <a:endParaRPr lang="en-US" dirty="0"/>
           </a:p>
@@ -4312,6 +4318,10 @@
           <a:lstStyle/>
           <a:p>
             <a:r>
+              <a:rPr lang="fr-FR" dirty="0"/>
+              <a:t>Main </a:t>
+            </a:r>
+            <a:r>
               <a:rPr lang="fr-FR" dirty="0" err="1"/>
               <a:t>Fairness</a:t>
             </a:r>
@@ -4350,7 +4360,9 @@
           </a:xfrm>
         </p:spPr>
         <p:txBody>
-          <a:bodyPr/>
+          <a:bodyPr>
+            <a:normAutofit lnSpcReduction="10000"/>
+          </a:bodyPr>
           <a:lstStyle/>
           <a:p>
             <a:r>
@@ -4449,7 +4461,7 @@
                 </a:solidFill>
                 <a:effectLst/>
               </a:rPr>
-              <a:t> group  show the fraction of </a:t>
+              <a:t> group  shows the fraction of </a:t>
             </a:r>
             <a:r>
               <a:rPr lang="fr-FR" b="0" i="0" dirty="0" err="1">
@@ -4566,10 +4578,8 @@
                   <a:schemeClr val="tx1"/>
                 </a:solidFill>
               </a:rPr>
-              <a:t> 0</a:t>
-            </a:r>
-          </a:p>
-          <a:p>
+              <a:t> 0 . </a:t>
+            </a:r>
             <a:r>
               <a:rPr lang="fr-FR" b="0" i="0" dirty="0">
                 <a:solidFill>
@@ -4595,7 +4605,7 @@
                   <a:schemeClr val="tx1"/>
                 </a:solidFill>
               </a:rPr>
-              <a:t> impact show the rate of positive </a:t>
+              <a:t> impact shows the rate of positive </a:t>
             </a:r>
             <a:r>
               <a:rPr lang="fr-FR" dirty="0" err="1">
@@ -4739,37 +4749,364 @@
                   <a:schemeClr val="tx1"/>
                 </a:solidFill>
               </a:rPr>
-              <a:t> 1</a:t>
-            </a:r>
-          </a:p>
-          <a:p>
-            <a:r>
-              <a:rPr lang="fr-FR" b="0" i="0" dirty="0">
-                <a:solidFill>
-                  <a:schemeClr val="tx1"/>
-                </a:solidFill>
-                <a:effectLst/>
-              </a:rPr>
-              <a:t>For the original test set : </a:t>
-            </a:r>
-            <a:r>
-              <a:rPr lang="fr-FR" sz="2000" b="0" i="0" kern="1200" dirty="0">
-                <a:solidFill>
-                  <a:schemeClr val="tx1"/>
-                </a:solidFill>
-                <a:effectLst/>
-                <a:latin typeface="+mn-lt"/>
-                <a:ea typeface="+mn-ea"/>
-                <a:cs typeface="+mn-cs"/>
-              </a:rPr>
-              <a:t>0.78</a:t>
-            </a:r>
-            <a:endParaRPr lang="fr-FR" b="0" i="0" dirty="0">
-              <a:solidFill>
-                <a:schemeClr val="tx1"/>
-              </a:solidFill>
-              <a:effectLst/>
-            </a:endParaRPr>
+              <a:t> 1. For the original test set : 0.78</a:t>
+            </a:r>
+          </a:p>
+          <a:p>
+            <a:r>
+              <a:rPr lang="fr-FR" dirty="0" err="1">
+                <a:solidFill>
+                  <a:schemeClr val="tx1"/>
+                </a:solidFill>
+              </a:rPr>
+              <a:t>Average</a:t>
+            </a:r>
+            <a:r>
+              <a:rPr lang="fr-FR" dirty="0">
+                <a:solidFill>
+                  <a:schemeClr val="tx1"/>
+                </a:solidFill>
+              </a:rPr>
+              <a:t> </a:t>
+            </a:r>
+            <a:r>
+              <a:rPr lang="fr-FR" dirty="0" err="1">
+                <a:solidFill>
+                  <a:schemeClr val="tx1"/>
+                </a:solidFill>
+              </a:rPr>
+              <a:t>odd</a:t>
+            </a:r>
+            <a:r>
+              <a:rPr lang="fr-FR" dirty="0">
+                <a:solidFill>
+                  <a:schemeClr val="tx1"/>
+                </a:solidFill>
+              </a:rPr>
+              <a:t> </a:t>
+            </a:r>
+            <a:r>
+              <a:rPr lang="fr-FR" dirty="0" err="1">
+                <a:solidFill>
+                  <a:schemeClr val="tx1"/>
+                </a:solidFill>
+              </a:rPr>
+              <a:t>difference</a:t>
+            </a:r>
+            <a:r>
+              <a:rPr lang="fr-FR" dirty="0">
+                <a:solidFill>
+                  <a:schemeClr val="tx1"/>
+                </a:solidFill>
+              </a:rPr>
+              <a:t> </a:t>
+            </a:r>
+            <a:r>
+              <a:rPr lang="fr-FR" dirty="0" err="1">
+                <a:solidFill>
+                  <a:schemeClr val="tx1"/>
+                </a:solidFill>
+              </a:rPr>
+              <a:t>is</a:t>
+            </a:r>
+            <a:r>
+              <a:rPr lang="fr-FR" dirty="0">
+                <a:solidFill>
+                  <a:schemeClr val="tx1"/>
+                </a:solidFill>
+              </a:rPr>
+              <a:t> the </a:t>
+            </a:r>
+            <a:r>
+              <a:rPr lang="fr-FR" dirty="0" err="1">
+                <a:solidFill>
+                  <a:schemeClr val="tx1"/>
+                </a:solidFill>
+              </a:rPr>
+              <a:t>average</a:t>
+            </a:r>
+            <a:r>
+              <a:rPr lang="fr-FR" dirty="0">
+                <a:solidFill>
+                  <a:schemeClr val="tx1"/>
+                </a:solidFill>
+              </a:rPr>
+              <a:t> of </a:t>
+            </a:r>
+            <a:r>
+              <a:rPr lang="fr-FR" dirty="0" err="1">
+                <a:solidFill>
+                  <a:schemeClr val="tx1"/>
+                </a:solidFill>
+              </a:rPr>
+              <a:t>difference</a:t>
+            </a:r>
+            <a:r>
+              <a:rPr lang="fr-FR" dirty="0">
+                <a:solidFill>
+                  <a:schemeClr val="tx1"/>
+                </a:solidFill>
+              </a:rPr>
+              <a:t> in false positive rates and </a:t>
+            </a:r>
+            <a:r>
+              <a:rPr lang="fr-FR" dirty="0" err="1">
+                <a:solidFill>
+                  <a:schemeClr val="tx1"/>
+                </a:solidFill>
+              </a:rPr>
+              <a:t>true</a:t>
+            </a:r>
+            <a:r>
+              <a:rPr lang="fr-FR" dirty="0">
+                <a:solidFill>
+                  <a:schemeClr val="tx1"/>
+                </a:solidFill>
+              </a:rPr>
+              <a:t> positive rates </a:t>
+            </a:r>
+            <a:r>
+              <a:rPr lang="fr-FR" dirty="0" err="1">
+                <a:solidFill>
+                  <a:schemeClr val="tx1"/>
+                </a:solidFill>
+              </a:rPr>
+              <a:t>between</a:t>
+            </a:r>
+            <a:r>
+              <a:rPr lang="fr-FR" dirty="0">
+                <a:solidFill>
+                  <a:schemeClr val="tx1"/>
+                </a:solidFill>
+              </a:rPr>
+              <a:t> </a:t>
+            </a:r>
+            <a:r>
+              <a:rPr lang="fr-FR" dirty="0" err="1">
+                <a:solidFill>
+                  <a:schemeClr val="tx1"/>
+                </a:solidFill>
+              </a:rPr>
+              <a:t>unprivileged</a:t>
+            </a:r>
+            <a:r>
+              <a:rPr lang="fr-FR" dirty="0">
+                <a:solidFill>
+                  <a:schemeClr val="tx1"/>
+                </a:solidFill>
+              </a:rPr>
+              <a:t> and </a:t>
+            </a:r>
+            <a:r>
+              <a:rPr lang="fr-FR" dirty="0" err="1">
+                <a:solidFill>
+                  <a:schemeClr val="tx1"/>
+                </a:solidFill>
+              </a:rPr>
+              <a:t>privileged</a:t>
+            </a:r>
+            <a:r>
+              <a:rPr lang="fr-FR" dirty="0">
+                <a:solidFill>
+                  <a:schemeClr val="tx1"/>
+                </a:solidFill>
+              </a:rPr>
+              <a:t> groups. </a:t>
+            </a:r>
+            <a:r>
+              <a:rPr lang="fr-FR" dirty="0" err="1">
+                <a:solidFill>
+                  <a:schemeClr val="tx1"/>
+                </a:solidFill>
+              </a:rPr>
+              <a:t>We</a:t>
+            </a:r>
+            <a:r>
+              <a:rPr lang="fr-FR" dirty="0">
+                <a:solidFill>
+                  <a:schemeClr val="tx1"/>
+                </a:solidFill>
+              </a:rPr>
+              <a:t> </a:t>
+            </a:r>
+            <a:r>
+              <a:rPr lang="fr-FR" dirty="0" err="1">
+                <a:solidFill>
+                  <a:schemeClr val="tx1"/>
+                </a:solidFill>
+              </a:rPr>
+              <a:t>want</a:t>
+            </a:r>
+            <a:r>
+              <a:rPr lang="fr-FR" dirty="0">
+                <a:solidFill>
+                  <a:schemeClr val="tx1"/>
+                </a:solidFill>
+              </a:rPr>
+              <a:t> </a:t>
+            </a:r>
+            <a:r>
+              <a:rPr lang="fr-FR" dirty="0" err="1">
+                <a:solidFill>
+                  <a:schemeClr val="tx1"/>
+                </a:solidFill>
+              </a:rPr>
+              <a:t>it</a:t>
+            </a:r>
+            <a:r>
+              <a:rPr lang="fr-FR" dirty="0">
+                <a:solidFill>
+                  <a:schemeClr val="tx1"/>
+                </a:solidFill>
+              </a:rPr>
+              <a:t> </a:t>
+            </a:r>
+            <a:r>
+              <a:rPr lang="fr-FR" dirty="0" err="1">
+                <a:solidFill>
+                  <a:schemeClr val="tx1"/>
+                </a:solidFill>
+              </a:rPr>
+              <a:t>around</a:t>
+            </a:r>
+            <a:r>
+              <a:rPr lang="fr-FR" dirty="0">
+                <a:solidFill>
+                  <a:schemeClr val="tx1"/>
+                </a:solidFill>
+              </a:rPr>
+              <a:t> 0. For the original test set : -0.169444</a:t>
+            </a:r>
+          </a:p>
+          <a:p>
+            <a:r>
+              <a:rPr lang="fr-FR" dirty="0" err="1">
+                <a:solidFill>
+                  <a:schemeClr val="tx1"/>
+                </a:solidFill>
+              </a:rPr>
+              <a:t>Balanced</a:t>
+            </a:r>
+            <a:r>
+              <a:rPr lang="fr-FR" dirty="0">
+                <a:solidFill>
+                  <a:schemeClr val="tx1"/>
+                </a:solidFill>
+              </a:rPr>
+              <a:t> </a:t>
+            </a:r>
+            <a:r>
+              <a:rPr lang="fr-FR" dirty="0" err="1">
+                <a:solidFill>
+                  <a:schemeClr val="tx1"/>
+                </a:solidFill>
+              </a:rPr>
+              <a:t>accuracy</a:t>
+            </a:r>
+            <a:r>
+              <a:rPr lang="fr-FR" dirty="0">
+                <a:solidFill>
+                  <a:schemeClr val="tx1"/>
+                </a:solidFill>
+              </a:rPr>
+              <a:t> </a:t>
+            </a:r>
+            <a:r>
+              <a:rPr lang="fr-FR" dirty="0" err="1">
+                <a:solidFill>
+                  <a:schemeClr val="tx1"/>
+                </a:solidFill>
+              </a:rPr>
+              <a:t>is</a:t>
+            </a:r>
+            <a:r>
+              <a:rPr lang="fr-FR" dirty="0">
+                <a:solidFill>
+                  <a:schemeClr val="tx1"/>
+                </a:solidFill>
+              </a:rPr>
+              <a:t> the </a:t>
+            </a:r>
+            <a:r>
+              <a:rPr lang="fr-FR" dirty="0" err="1">
+                <a:solidFill>
+                  <a:schemeClr val="tx1"/>
+                </a:solidFill>
+              </a:rPr>
+              <a:t>mean</a:t>
+            </a:r>
+            <a:r>
+              <a:rPr lang="fr-FR" dirty="0">
+                <a:solidFill>
+                  <a:schemeClr val="tx1"/>
+                </a:solidFill>
+              </a:rPr>
+              <a:t> </a:t>
+            </a:r>
+            <a:r>
+              <a:rPr lang="fr-FR" dirty="0" err="1">
+                <a:solidFill>
+                  <a:schemeClr val="tx1"/>
+                </a:solidFill>
+              </a:rPr>
+              <a:t>between</a:t>
+            </a:r>
+            <a:r>
+              <a:rPr lang="fr-FR" dirty="0">
+                <a:solidFill>
+                  <a:schemeClr val="tx1"/>
+                </a:solidFill>
+              </a:rPr>
+              <a:t> </a:t>
+            </a:r>
+            <a:r>
+              <a:rPr lang="fr-FR" dirty="0" err="1">
+                <a:solidFill>
+                  <a:schemeClr val="tx1"/>
+                </a:solidFill>
+              </a:rPr>
+              <a:t>true</a:t>
+            </a:r>
+            <a:r>
+              <a:rPr lang="fr-FR" dirty="0">
+                <a:solidFill>
+                  <a:schemeClr val="tx1"/>
+                </a:solidFill>
+              </a:rPr>
+              <a:t> positive rate and </a:t>
+            </a:r>
+            <a:r>
+              <a:rPr lang="fr-FR" dirty="0" err="1">
+                <a:solidFill>
+                  <a:schemeClr val="tx1"/>
+                </a:solidFill>
+              </a:rPr>
+              <a:t>true</a:t>
+            </a:r>
+            <a:r>
+              <a:rPr lang="fr-FR" dirty="0">
+                <a:solidFill>
+                  <a:schemeClr val="tx1"/>
+                </a:solidFill>
+              </a:rPr>
+              <a:t> </a:t>
+            </a:r>
+            <a:r>
+              <a:rPr lang="fr-FR" dirty="0" err="1">
+                <a:solidFill>
+                  <a:schemeClr val="tx1"/>
+                </a:solidFill>
+              </a:rPr>
+              <a:t>negative</a:t>
+            </a:r>
+            <a:r>
+              <a:rPr lang="fr-FR" dirty="0">
+                <a:solidFill>
+                  <a:schemeClr val="tx1"/>
+                </a:solidFill>
+              </a:rPr>
+              <a:t> rate. For the original test set : 0.872340</a:t>
+            </a:r>
           </a:p>
           <a:p>
             <a:pPr marL="0" indent="0">
@@ -5785,10 +6122,10 @@
       </p:sp>
       <p:graphicFrame>
         <p:nvGraphicFramePr>
-          <p:cNvPr id="5" name="Tableau 7">
+          <p:cNvPr id="3" name="Tableau 2">
             <a:extLst>
               <a:ext uri="{FF2B5EF4-FFF2-40B4-BE49-F238E27FC236}">
-                <a16:creationId xmlns:a16="http://schemas.microsoft.com/office/drawing/2014/main" id="{35C085FD-7E1D-CEA4-F19A-DDD2F26F9C62}"/>
+                <a16:creationId xmlns:a16="http://schemas.microsoft.com/office/drawing/2014/main" id="{1B434C0A-6654-F8FE-A727-8D32EC30134D}"/>
               </a:ext>
             </a:extLst>
           </p:cNvPr>
@@ -5798,54 +6135,115 @@
           <p:nvPr>
             <p:extLst>
               <p:ext uri="{D42A27DB-BD31-4B8C-83A1-F6EECF244321}">
-                <p14:modId xmlns:p14="http://schemas.microsoft.com/office/powerpoint/2010/main" val="1433095795"/>
+                <p14:modId xmlns:p14="http://schemas.microsoft.com/office/powerpoint/2010/main" val="1220722964"/>
               </p:ext>
             </p:extLst>
           </p:nvPr>
         </p:nvGraphicFramePr>
         <p:xfrm>
-          <a:off x="2137410" y="1826260"/>
-          <a:ext cx="7300552" cy="3479800"/>
+          <a:off x="1496165" y="1840230"/>
+          <a:ext cx="10299596" cy="3701415"/>
         </p:xfrm>
         <a:graphic>
           <a:graphicData uri="http://schemas.openxmlformats.org/drawingml/2006/table">
             <a:tbl>
-              <a:tblPr firstRow="1" bandRow="1">
-                <a:tableStyleId>{5940675A-B579-460E-94D1-54222C63F5DA}</a:tableStyleId>
-              </a:tblPr>
+              <a:tblPr/>
               <a:tblGrid>
-                <a:gridCol w="2709333">
+                <a:gridCol w="1567075">
                   <a:extLst>
                     <a:ext uri="{9D8B030D-6E8A-4147-A177-3AD203B41FA5}">
-                      <a16:colId xmlns:a16="http://schemas.microsoft.com/office/drawing/2014/main" val="2799362302"/>
+                      <a16:colId xmlns:a16="http://schemas.microsoft.com/office/drawing/2014/main" val="2337335868"/>
                     </a:ext>
                   </a:extLst>
                 </a:gridCol>
-                <a:gridCol w="2709333">
+                <a:gridCol w="2468880">
                   <a:extLst>
                     <a:ext uri="{9D8B030D-6E8A-4147-A177-3AD203B41FA5}">
-                      <a16:colId xmlns:a16="http://schemas.microsoft.com/office/drawing/2014/main" val="1743836537"/>
+                      <a16:colId xmlns:a16="http://schemas.microsoft.com/office/drawing/2014/main" val="850601973"/>
                     </a:ext>
                   </a:extLst>
                 </a:gridCol>
-                <a:gridCol w="1881886">
+                <a:gridCol w="2068830">
                   <a:extLst>
                     <a:ext uri="{9D8B030D-6E8A-4147-A177-3AD203B41FA5}">
-                      <a16:colId xmlns:a16="http://schemas.microsoft.com/office/drawing/2014/main" val="1287019472"/>
+                      <a16:colId xmlns:a16="http://schemas.microsoft.com/office/drawing/2014/main" val="3469373134"/>
+                    </a:ext>
+                  </a:extLst>
+                </a:gridCol>
+                <a:gridCol w="2183130">
+                  <a:extLst>
+                    <a:ext uri="{9D8B030D-6E8A-4147-A177-3AD203B41FA5}">
+                      <a16:colId xmlns:a16="http://schemas.microsoft.com/office/drawing/2014/main" val="1390529335"/>
+                    </a:ext>
+                  </a:extLst>
+                </a:gridCol>
+                <a:gridCol w="2011681">
+                  <a:extLst>
+                    <a:ext uri="{9D8B030D-6E8A-4147-A177-3AD203B41FA5}">
+                      <a16:colId xmlns:a16="http://schemas.microsoft.com/office/drawing/2014/main" val="2891922684"/>
                     </a:ext>
                   </a:extLst>
                 </a:gridCol>
               </a:tblGrid>
-              <a:tr h="370840">
+              <a:tr h="297180">
                 <a:tc>
                   <a:txBody>
                     <a:bodyPr/>
                     <a:lstStyle/>
                     <a:p>
-                      <a:endParaRPr lang="fr-FR" dirty="0"/>
+                      <a:br>
+                        <a:rPr lang="fr-FR" sz="1200" dirty="0">
+                          <a:effectLst/>
+                          <a:latin typeface="Helvetica" pitchFamily="2" charset="0"/>
+                        </a:rPr>
+                      </a:br>
+                      <a:endParaRPr lang="fr-FR" sz="1200" dirty="0">
+                        <a:effectLst/>
+                        <a:latin typeface="Helvetica" pitchFamily="2" charset="0"/>
+                      </a:endParaRPr>
                     </a:p>
                   </a:txBody>
-                  <a:tcPr/>
+                  <a:tcPr marL="24940" marR="24940" marT="24940" marB="24940">
+                    <a:lnL w="9525" cap="flat" cmpd="sng" algn="ctr">
+                      <a:solidFill>
+                        <a:srgbClr val="000000"/>
+                      </a:solidFill>
+                      <a:prstDash val="solid"/>
+                      <a:round/>
+                      <a:headEnd type="none" w="med" len="med"/>
+                      <a:tailEnd type="none" w="med" len="med"/>
+                    </a:lnL>
+                    <a:lnR w="9525" cap="flat" cmpd="sng" algn="ctr">
+                      <a:solidFill>
+                        <a:srgbClr val="000000"/>
+                      </a:solidFill>
+                      <a:prstDash val="solid"/>
+                      <a:round/>
+                      <a:headEnd type="none" w="med" len="med"/>
+                      <a:tailEnd type="none" w="med" len="med"/>
+                    </a:lnR>
+                    <a:lnT w="9525" cap="flat" cmpd="sng" algn="ctr">
+                      <a:solidFill>
+                        <a:srgbClr val="000000"/>
+                      </a:solidFill>
+                      <a:prstDash val="solid"/>
+                      <a:round/>
+                      <a:headEnd type="none" w="med" len="med"/>
+                      <a:tailEnd type="none" w="med" len="med"/>
+                    </a:lnT>
+                    <a:lnB w="9525" cap="flat" cmpd="sng" algn="ctr">
+                      <a:solidFill>
+                        <a:srgbClr val="000000"/>
+                      </a:solidFill>
+                      <a:prstDash val="solid"/>
+                      <a:round/>
+                      <a:headEnd type="none" w="med" len="med"/>
+                      <a:tailEnd type="none" w="med" len="med"/>
+                    </a:lnB>
+                    <a:solidFill>
+                      <a:srgbClr val="B0B3B2"/>
+                    </a:solidFill>
+                  </a:tcPr>
                 </a:tc>
                 <a:tc>
                   <a:txBody>
@@ -5853,21 +6251,81 @@
                     <a:lstStyle/>
                     <a:p>
                       <a:r>
-                        <a:rPr lang="fr-FR" dirty="0" err="1"/>
-                        <a:t>Mean</a:t>
+                        <a:rPr lang="fr-FR" sz="1200" b="1" dirty="0">
+                          <a:solidFill>
+                            <a:srgbClr val="000000"/>
+                          </a:solidFill>
+                          <a:effectLst/>
+                          <a:latin typeface="Helvetica Neue" panose="02000503000000020004" pitchFamily="2" charset="0"/>
+                        </a:rPr>
+                        <a:t>Original (</a:t>
                       </a:r>
                       <a:r>
-                        <a:rPr lang="fr-FR" dirty="0"/>
-                        <a:t> </a:t>
+                        <a:rPr lang="fr-FR" sz="1200" b="1" dirty="0" err="1">
+                          <a:solidFill>
+                            <a:srgbClr val="000000"/>
+                          </a:solidFill>
+                          <a:effectLst/>
+                          <a:latin typeface="Helvetica Neue" panose="02000503000000020004" pitchFamily="2" charset="0"/>
+                        </a:rPr>
+                        <a:t>Random</a:t>
                       </a:r>
                       <a:r>
-                        <a:rPr lang="fr-FR" dirty="0" err="1"/>
-                        <a:t>difference</a:t>
+                        <a:rPr lang="fr-FR" sz="1200" b="1" dirty="0">
+                          <a:solidFill>
+                            <a:srgbClr val="000000"/>
+                          </a:solidFill>
+                          <a:effectLst/>
+                          <a:latin typeface="Helvetica Neue" panose="02000503000000020004" pitchFamily="2" charset="0"/>
+                        </a:rPr>
+                        <a:t> Forest)</a:t>
                       </a:r>
-                      <a:endParaRPr lang="fr-FR" dirty="0"/>
+                      <a:endParaRPr lang="fr-FR" sz="1200" dirty="0">
+                        <a:effectLst/>
+                      </a:endParaRPr>
                     </a:p>
                   </a:txBody>
-                  <a:tcPr/>
+                  <a:tcPr marL="24940" marR="24940" marT="24940" marB="24940">
+                    <a:lnL w="9525" cap="flat" cmpd="sng" algn="ctr">
+                      <a:solidFill>
+                        <a:srgbClr val="000000"/>
+                      </a:solidFill>
+                      <a:prstDash val="solid"/>
+                      <a:round/>
+                      <a:headEnd type="none" w="med" len="med"/>
+                      <a:tailEnd type="none" w="med" len="med"/>
+                    </a:lnL>
+                    <a:lnR w="9525" cap="flat" cmpd="sng" algn="ctr">
+                      <a:solidFill>
+                        <a:srgbClr val="000000"/>
+                      </a:solidFill>
+                      <a:prstDash val="solid"/>
+                      <a:round/>
+                      <a:headEnd type="none" w="med" len="med"/>
+                      <a:tailEnd type="none" w="med" len="med"/>
+                    </a:lnR>
+                    <a:lnT w="9525" cap="flat" cmpd="sng" algn="ctr">
+                      <a:solidFill>
+                        <a:srgbClr val="000000"/>
+                      </a:solidFill>
+                      <a:prstDash val="solid"/>
+                      <a:round/>
+                      <a:headEnd type="none" w="med" len="med"/>
+                      <a:tailEnd type="none" w="med" len="med"/>
+                    </a:lnT>
+                    <a:lnB w="9525" cap="flat" cmpd="sng" algn="ctr">
+                      <a:solidFill>
+                        <a:srgbClr val="000000"/>
+                      </a:solidFill>
+                      <a:prstDash val="solid"/>
+                      <a:round/>
+                      <a:headEnd type="none" w="med" len="med"/>
+                      <a:tailEnd type="none" w="med" len="med"/>
+                    </a:lnB>
+                    <a:solidFill>
+                      <a:srgbClr val="B0B3B2"/>
+                    </a:solidFill>
+                  </a:tcPr>
                 </a:tc>
                 <a:tc>
                   <a:txBody>
@@ -5875,35 +6333,101 @@
                     <a:lstStyle/>
                     <a:p>
                       <a:r>
-                        <a:rPr lang="fr-FR" dirty="0"/>
-                        <a:t>Disparate impact</a:t>
+                        <a:rPr lang="fr-FR" sz="1200" b="1" dirty="0" err="1">
+                          <a:solidFill>
+                            <a:srgbClr val="000000"/>
+                          </a:solidFill>
+                          <a:effectLst/>
+                          <a:latin typeface="Helvetica Neue" panose="02000503000000020004" pitchFamily="2" charset="0"/>
+                        </a:rPr>
+                        <a:t>Reweight</a:t>
                       </a:r>
+                      <a:r>
+                        <a:rPr lang="fr-FR" sz="1200" b="1" dirty="0">
+                          <a:solidFill>
+                            <a:srgbClr val="000000"/>
+                          </a:solidFill>
+                          <a:effectLst/>
+                          <a:latin typeface="Helvetica Neue" panose="02000503000000020004" pitchFamily="2" charset="0"/>
+                        </a:rPr>
+                        <a:t> + </a:t>
+                      </a:r>
+                      <a:r>
+                        <a:rPr lang="fr-FR" sz="1200" b="1" dirty="0" err="1">
+                          <a:solidFill>
+                            <a:srgbClr val="000000"/>
+                          </a:solidFill>
+                          <a:effectLst/>
+                          <a:latin typeface="Helvetica Neue" panose="02000503000000020004" pitchFamily="2" charset="0"/>
+                        </a:rPr>
+                        <a:t>Logistic</a:t>
+                      </a:r>
+                      <a:r>
+                        <a:rPr lang="fr-FR" sz="1200" b="1" dirty="0">
+                          <a:solidFill>
+                            <a:srgbClr val="000000"/>
+                          </a:solidFill>
+                          <a:effectLst/>
+                          <a:latin typeface="Helvetica Neue" panose="02000503000000020004" pitchFamily="2" charset="0"/>
+                        </a:rPr>
+                        <a:t> </a:t>
+                      </a:r>
+                      <a:r>
+                        <a:rPr lang="fr-FR" sz="1200" b="1" dirty="0" err="1">
+                          <a:solidFill>
+                            <a:srgbClr val="000000"/>
+                          </a:solidFill>
+                          <a:effectLst/>
+                          <a:latin typeface="Helvetica Neue" panose="02000503000000020004" pitchFamily="2" charset="0"/>
+                        </a:rPr>
+                        <a:t>Regression</a:t>
+                      </a:r>
+                      <a:endParaRPr lang="fr-FR" sz="1200" dirty="0">
+                        <a:effectLst/>
+                      </a:endParaRPr>
                     </a:p>
                   </a:txBody>
-                  <a:tcPr/>
-                </a:tc>
-                <a:extLst>
-                  <a:ext uri="{0D108BD9-81ED-4DB2-BD59-A6C34878D82A}">
-                    <a16:rowId xmlns:a16="http://schemas.microsoft.com/office/drawing/2014/main" val="667894945"/>
-                  </a:ext>
-                </a:extLst>
-              </a:tr>
-              <a:tr h="370840">
-                <a:tc>
-                  <a:txBody>
-                    <a:bodyPr/>
-                    <a:lstStyle/>
-                    <a:p>
-                      <a:r>
-                        <a:rPr lang="fr-FR" dirty="0"/>
-                        <a:t>Original</a:t>
-                      </a:r>
-                    </a:p>
-                    <a:p>
-                      <a:endParaRPr lang="fr-FR" dirty="0"/>
-                    </a:p>
-                  </a:txBody>
-                  <a:tcPr/>
+                  <a:tcPr marL="24940" marR="24940" marT="24940" marB="24940">
+                    <a:lnL w="9525" cap="flat" cmpd="sng" algn="ctr">
+                      <a:solidFill>
+                        <a:srgbClr val="000000"/>
+                      </a:solidFill>
+                      <a:prstDash val="solid"/>
+                      <a:round/>
+                      <a:headEnd type="none" w="med" len="med"/>
+                      <a:tailEnd type="none" w="med" len="med"/>
+                    </a:lnL>
+                    <a:lnR w="9525" cap="flat" cmpd="sng" algn="ctr">
+                      <a:solidFill>
+                        <a:srgbClr val="000000"/>
+                      </a:solidFill>
+                      <a:prstDash val="solid"/>
+                      <a:round/>
+                      <a:headEnd type="none" w="med" len="med"/>
+                      <a:tailEnd type="none" w="med" len="med"/>
+                    </a:lnR>
+                    <a:lnT w="9525" cap="flat" cmpd="sng" algn="ctr">
+                      <a:solidFill>
+                        <a:srgbClr val="000000"/>
+                      </a:solidFill>
+                      <a:prstDash val="solid"/>
+                      <a:round/>
+                      <a:headEnd type="none" w="med" len="med"/>
+                      <a:tailEnd type="none" w="med" len="med"/>
+                    </a:lnT>
+                    <a:lnB w="9525" cap="flat" cmpd="sng" algn="ctr">
+                      <a:solidFill>
+                        <a:srgbClr val="000000"/>
+                      </a:solidFill>
+                      <a:prstDash val="solid"/>
+                      <a:round/>
+                      <a:headEnd type="none" w="med" len="med"/>
+                      <a:tailEnd type="none" w="med" len="med"/>
+                    </a:lnB>
+                    <a:solidFill>
+                      <a:srgbClr val="B0B3B2"/>
+                    </a:solidFill>
+                  </a:tcPr>
                 </a:tc>
                 <a:tc>
                   <a:txBody>
@@ -5911,21 +6435,91 @@
                     <a:lstStyle/>
                     <a:p>
                       <a:r>
-                        <a:rPr lang="fr-FR" sz="1800" b="0" i="0" kern="1200" dirty="0">
+                        <a:rPr lang="fr-FR" sz="1200" b="1" dirty="0" err="1">
                           <a:solidFill>
-                            <a:schemeClr val="tx1"/>
+                            <a:srgbClr val="000000"/>
                           </a:solidFill>
                           <a:effectLst/>
-                          <a:latin typeface="+mn-lt"/>
-                          <a:ea typeface="+mn-ea"/>
-                          <a:cs typeface="+mn-cs"/>
+                          <a:latin typeface="Helvetica Neue" panose="02000503000000020004" pitchFamily="2" charset="0"/>
                         </a:rPr>
-                        <a:t>1.086957e-01</a:t>
+                        <a:t>Reweight</a:t>
                       </a:r>
-                      <a:endParaRPr lang="fr-FR" dirty="0"/>
+                      <a:r>
+                        <a:rPr lang="fr-FR" sz="1200" b="1" dirty="0">
+                          <a:solidFill>
+                            <a:srgbClr val="000000"/>
+                          </a:solidFill>
+                          <a:effectLst/>
+                          <a:latin typeface="Helvetica Neue" panose="02000503000000020004" pitchFamily="2" charset="0"/>
+                        </a:rPr>
+                        <a:t> +</a:t>
+                      </a:r>
+                      <a:r>
+                        <a:rPr lang="fr-FR" sz="1200" b="1" dirty="0" err="1">
+                          <a:solidFill>
+                            <a:srgbClr val="000000"/>
+                          </a:solidFill>
+                          <a:effectLst/>
+                          <a:latin typeface="Helvetica Neue" panose="02000503000000020004" pitchFamily="2" charset="0"/>
+                        </a:rPr>
+                        <a:t>Random</a:t>
+                      </a:r>
+                      <a:r>
+                        <a:rPr lang="fr-FR" sz="1200" b="1" dirty="0">
+                          <a:solidFill>
+                            <a:srgbClr val="000000"/>
+                          </a:solidFill>
+                          <a:effectLst/>
+                          <a:latin typeface="Helvetica Neue" panose="02000503000000020004" pitchFamily="2" charset="0"/>
+                        </a:rPr>
+                        <a:t> Forest</a:t>
+                      </a:r>
+                      <a:endParaRPr lang="fr-FR" sz="1200" dirty="0">
+                        <a:effectLst/>
+                      </a:endParaRPr>
                     </a:p>
                   </a:txBody>
-                  <a:tcPr/>
+                  <a:tcPr marL="24940" marR="24940" marT="24940" marB="24940">
+                    <a:lnL w="9525" cap="flat" cmpd="sng" algn="ctr">
+                      <a:solidFill>
+                        <a:srgbClr val="000000"/>
+                      </a:solidFill>
+                      <a:prstDash val="solid"/>
+                      <a:round/>
+                      <a:headEnd type="none" w="med" len="med"/>
+                      <a:tailEnd type="none" w="med" len="med"/>
+                    </a:lnL>
+                    <a:lnR w="9525" cap="flat" cmpd="sng" algn="ctr">
+                      <a:solidFill>
+                        <a:srgbClr val="000000"/>
+                      </a:solidFill>
+                      <a:prstDash val="solid"/>
+                      <a:round/>
+                      <a:headEnd type="none" w="med" len="med"/>
+                      <a:tailEnd type="none" w="med" len="med"/>
+                    </a:lnR>
+                    <a:lnT w="9525" cap="flat" cmpd="sng" algn="ctr">
+                      <a:solidFill>
+                        <a:srgbClr val="000000"/>
+                      </a:solidFill>
+                      <a:prstDash val="solid"/>
+                      <a:round/>
+                      <a:headEnd type="none" w="med" len="med"/>
+                      <a:tailEnd type="none" w="med" len="med"/>
+                    </a:lnT>
+                    <a:lnB w="9525" cap="flat" cmpd="sng" algn="ctr">
+                      <a:solidFill>
+                        <a:srgbClr val="000000"/>
+                      </a:solidFill>
+                      <a:prstDash val="solid"/>
+                      <a:round/>
+                      <a:headEnd type="none" w="med" len="med"/>
+                      <a:tailEnd type="none" w="med" len="med"/>
+                    </a:lnB>
+                    <a:solidFill>
+                      <a:srgbClr val="B0B3B2"/>
+                    </a:solidFill>
+                  </a:tcPr>
                 </a:tc>
                 <a:tc>
                   <a:txBody>
@@ -5933,78 +6527,130 @@
                     <a:lstStyle/>
                     <a:p>
                       <a:r>
-                        <a:rPr lang="fr-FR" sz="1800" b="0" i="0" kern="1200" dirty="0">
+                        <a:rPr lang="fr-FR" sz="1200" b="1">
                           <a:solidFill>
-                            <a:schemeClr val="tx1"/>
+                            <a:srgbClr val="000000"/>
                           </a:solidFill>
                           <a:effectLst/>
-                          <a:latin typeface="+mn-lt"/>
-                          <a:ea typeface="+mn-ea"/>
-                          <a:cs typeface="+mn-cs"/>
+                          <a:latin typeface="Helvetica Neue" panose="02000503000000020004" pitchFamily="2" charset="0"/>
                         </a:rPr>
-                        <a:t>0.782609</a:t>
+                        <a:t>GridSearchReduction</a:t>
                       </a:r>
-                      <a:endParaRPr lang="fr-FR" dirty="0"/>
+                      <a:endParaRPr lang="fr-FR" sz="1200">
+                        <a:effectLst/>
+                      </a:endParaRPr>
                     </a:p>
                   </a:txBody>
-                  <a:tcPr/>
+                  <a:tcPr marL="24940" marR="24940" marT="24940" marB="24940">
+                    <a:lnL w="9525" cap="flat" cmpd="sng" algn="ctr">
+                      <a:solidFill>
+                        <a:srgbClr val="000000"/>
+                      </a:solidFill>
+                      <a:prstDash val="solid"/>
+                      <a:round/>
+                      <a:headEnd type="none" w="med" len="med"/>
+                      <a:tailEnd type="none" w="med" len="med"/>
+                    </a:lnL>
+                    <a:lnR w="9525" cap="flat" cmpd="sng" algn="ctr">
+                      <a:solidFill>
+                        <a:srgbClr val="000000"/>
+                      </a:solidFill>
+                      <a:prstDash val="solid"/>
+                      <a:round/>
+                      <a:headEnd type="none" w="med" len="med"/>
+                      <a:tailEnd type="none" w="med" len="med"/>
+                    </a:lnR>
+                    <a:lnT w="9525" cap="flat" cmpd="sng" algn="ctr">
+                      <a:solidFill>
+                        <a:srgbClr val="000000"/>
+                      </a:solidFill>
+                      <a:prstDash val="solid"/>
+                      <a:round/>
+                      <a:headEnd type="none" w="med" len="med"/>
+                      <a:tailEnd type="none" w="med" len="med"/>
+                    </a:lnT>
+                    <a:lnB w="9525" cap="flat" cmpd="sng" algn="ctr">
+                      <a:solidFill>
+                        <a:srgbClr val="000000"/>
+                      </a:solidFill>
+                      <a:prstDash val="solid"/>
+                      <a:round/>
+                      <a:headEnd type="none" w="med" len="med"/>
+                      <a:tailEnd type="none" w="med" len="med"/>
+                    </a:lnB>
+                    <a:solidFill>
+                      <a:srgbClr val="B0B3B2"/>
+                    </a:solidFill>
+                  </a:tcPr>
                 </a:tc>
                 <a:extLst>
                   <a:ext uri="{0D108BD9-81ED-4DB2-BD59-A6C34878D82A}">
-                    <a16:rowId xmlns:a16="http://schemas.microsoft.com/office/drawing/2014/main" val="2261861597"/>
+                    <a16:rowId xmlns:a16="http://schemas.microsoft.com/office/drawing/2014/main" val="3034572779"/>
                   </a:ext>
                 </a:extLst>
               </a:tr>
-              <a:tr h="370840">
+              <a:tr h="601630">
                 <a:tc>
                   <a:txBody>
                     <a:bodyPr/>
                     <a:lstStyle/>
                     <a:p>
-                      <a:pPr marL="0" marR="0" lvl="0" indent="0" algn="l" defTabSz="914400" rtl="0" eaLnBrk="1" fontAlgn="auto" latinLnBrk="0" hangingPunct="1">
-                        <a:lnSpc>
-                          <a:spcPct val="100000"/>
-                        </a:lnSpc>
-                        <a:spcBef>
-                          <a:spcPts val="0"/>
-                        </a:spcBef>
-                        <a:spcAft>
-                          <a:spcPts val="0"/>
-                        </a:spcAft>
-                        <a:buClrTx/>
-                        <a:buSzTx/>
-                        <a:buFontTx/>
-                        <a:buNone/>
-                        <a:tabLst/>
-                        <a:defRPr/>
-                      </a:pPr>
                       <a:r>
-                        <a:rPr lang="fr-FR" dirty="0" err="1"/>
-                        <a:t>Reweight</a:t>
+                        <a:rPr lang="fr-FR" sz="1200" b="1">
+                          <a:solidFill>
+                            <a:srgbClr val="000000"/>
+                          </a:solidFill>
+                          <a:effectLst/>
+                          <a:latin typeface="Helvetica Neue" panose="02000503000000020004" pitchFamily="2" charset="0"/>
+                        </a:rPr>
+                        <a:t>Balanced accuracy</a:t>
                       </a:r>
-                      <a:r>
-                        <a:rPr lang="fr-FR" dirty="0"/>
-                        <a:t> + </a:t>
-                      </a:r>
-                      <a:r>
-                        <a:rPr lang="fr-FR" dirty="0" err="1"/>
-                        <a:t>Logistic</a:t>
-                      </a:r>
-                      <a:r>
-                        <a:rPr lang="fr-FR" dirty="0"/>
-                        <a:t> </a:t>
-                      </a:r>
-                      <a:r>
-                        <a:rPr lang="fr-FR" dirty="0" err="1"/>
-                        <a:t>regression</a:t>
-                      </a:r>
-                      <a:endParaRPr lang="fr-FR" dirty="0"/>
-                    </a:p>
-                    <a:p>
-                      <a:endParaRPr lang="fr-FR" dirty="0"/>
+                      <a:endParaRPr lang="fr-FR" sz="1200">
+                        <a:effectLst/>
+                      </a:endParaRPr>
                     </a:p>
                   </a:txBody>
-                  <a:tcPr/>
+                  <a:tcPr marL="24940" marR="24940" marT="24940" marB="24940">
+                    <a:lnL w="9525" cap="flat" cmpd="sng" algn="ctr">
+                      <a:solidFill>
+                        <a:srgbClr val="000000"/>
+                      </a:solidFill>
+                      <a:prstDash val="solid"/>
+                      <a:round/>
+                      <a:headEnd type="none" w="med" len="med"/>
+                      <a:tailEnd type="none" w="med" len="med"/>
+                    </a:lnL>
+                    <a:lnR w="9525" cap="flat" cmpd="sng" algn="ctr">
+                      <a:solidFill>
+                        <a:srgbClr val="000000"/>
+                      </a:solidFill>
+                      <a:prstDash val="solid"/>
+                      <a:round/>
+                      <a:headEnd type="none" w="med" len="med"/>
+                      <a:tailEnd type="none" w="med" len="med"/>
+                    </a:lnR>
+                    <a:lnT w="9525" cap="flat" cmpd="sng" algn="ctr">
+                      <a:solidFill>
+                        <a:srgbClr val="000000"/>
+                      </a:solidFill>
+                      <a:prstDash val="solid"/>
+                      <a:round/>
+                      <a:headEnd type="none" w="med" len="med"/>
+                      <a:tailEnd type="none" w="med" len="med"/>
+                    </a:lnT>
+                    <a:lnB w="9525" cap="flat" cmpd="sng" algn="ctr">
+                      <a:solidFill>
+                        <a:srgbClr val="000000"/>
+                      </a:solidFill>
+                      <a:prstDash val="solid"/>
+                      <a:round/>
+                      <a:headEnd type="none" w="med" len="med"/>
+                      <a:tailEnd type="none" w="med" len="med"/>
+                    </a:lnB>
+                    <a:solidFill>
+                      <a:srgbClr val="D4D4D4"/>
+                    </a:solidFill>
+                  </a:tcPr>
                 </a:tc>
                 <a:tc>
                   <a:txBody>
@@ -6012,21 +6658,58 @@
                     <a:lstStyle/>
                     <a:p>
                       <a:r>
-                        <a:rPr lang="fr-FR" sz="1800" b="0" i="0" kern="1200" dirty="0">
+                        <a:rPr lang="fr-FR" sz="1200">
                           <a:solidFill>
-                            <a:schemeClr val="tx1"/>
+                            <a:srgbClr val="000000"/>
                           </a:solidFill>
                           <a:effectLst/>
-                          <a:latin typeface="+mn-lt"/>
-                          <a:ea typeface="+mn-ea"/>
-                          <a:cs typeface="+mn-cs"/>
+                          <a:latin typeface="Helvetica Neue" panose="02000503000000020004" pitchFamily="2" charset="0"/>
                         </a:rPr>
-                        <a:t>2.542373e-02</a:t>
+                        <a:t>0.886</a:t>
                       </a:r>
-                      <a:endParaRPr lang="fr-FR" dirty="0"/>
+                      <a:endParaRPr lang="fr-FR" sz="1200">
+                        <a:effectLst/>
+                      </a:endParaRPr>
                     </a:p>
                   </a:txBody>
-                  <a:tcPr/>
+                  <a:tcPr marL="24940" marR="24940" marT="24940" marB="24940">
+                    <a:lnL w="9525" cap="flat" cmpd="sng" algn="ctr">
+                      <a:solidFill>
+                        <a:srgbClr val="000000"/>
+                      </a:solidFill>
+                      <a:prstDash val="solid"/>
+                      <a:round/>
+                      <a:headEnd type="none" w="med" len="med"/>
+                      <a:tailEnd type="none" w="med" len="med"/>
+                    </a:lnL>
+                    <a:lnR w="9525" cap="flat" cmpd="sng" algn="ctr">
+                      <a:solidFill>
+                        <a:srgbClr val="000000"/>
+                      </a:solidFill>
+                      <a:prstDash val="solid"/>
+                      <a:round/>
+                      <a:headEnd type="none" w="med" len="med"/>
+                      <a:tailEnd type="none" w="med" len="med"/>
+                    </a:lnR>
+                    <a:lnT w="9525" cap="flat" cmpd="sng" algn="ctr">
+                      <a:solidFill>
+                        <a:srgbClr val="000000"/>
+                      </a:solidFill>
+                      <a:prstDash val="solid"/>
+                      <a:round/>
+                      <a:headEnd type="none" w="med" len="med"/>
+                      <a:tailEnd type="none" w="med" len="med"/>
+                    </a:lnT>
+                    <a:lnB w="9525" cap="flat" cmpd="sng" algn="ctr">
+                      <a:solidFill>
+                        <a:srgbClr val="000000"/>
+                      </a:solidFill>
+                      <a:prstDash val="solid"/>
+                      <a:round/>
+                      <a:headEnd type="none" w="med" len="med"/>
+                      <a:tailEnd type="none" w="med" len="med"/>
+                    </a:lnB>
+                  </a:tcPr>
                 </a:tc>
                 <a:tc>
                   <a:txBody>
@@ -6034,78 +6717,58 @@
                     <a:lstStyle/>
                     <a:p>
                       <a:r>
-                        <a:rPr lang="fr-FR" sz="1800" b="0" i="0" kern="1200" dirty="0">
+                        <a:rPr lang="fr-FR" sz="1200">
                           <a:solidFill>
-                            <a:schemeClr val="tx1"/>
+                            <a:srgbClr val="000000"/>
                           </a:solidFill>
                           <a:effectLst/>
-                          <a:latin typeface="+mn-lt"/>
-                          <a:ea typeface="+mn-ea"/>
-                          <a:cs typeface="+mn-cs"/>
+                          <a:latin typeface="Helvetica Neue" panose="02000503000000020004" pitchFamily="2" charset="0"/>
                         </a:rPr>
-                        <a:t>1.058824</a:t>
+                        <a:t>0.989</a:t>
                       </a:r>
-                      <a:endParaRPr lang="fr-FR" dirty="0"/>
+                      <a:endParaRPr lang="fr-FR" sz="1200">
+                        <a:effectLst/>
+                      </a:endParaRPr>
                     </a:p>
                   </a:txBody>
-                  <a:tcPr/>
-                </a:tc>
-                <a:extLst>
-                  <a:ext uri="{0D108BD9-81ED-4DB2-BD59-A6C34878D82A}">
-                    <a16:rowId xmlns:a16="http://schemas.microsoft.com/office/drawing/2014/main" val="3023607116"/>
-                  </a:ext>
-                </a:extLst>
-              </a:tr>
-              <a:tr h="370840">
-                <a:tc>
-                  <a:txBody>
-                    <a:bodyPr/>
-                    <a:lstStyle/>
-                    <a:p>
-                      <a:pPr marL="0" marR="0" lvl="0" indent="0" algn="l" defTabSz="914400" rtl="0" eaLnBrk="1" fontAlgn="auto" latinLnBrk="0" hangingPunct="1">
-                        <a:lnSpc>
-                          <a:spcPct val="100000"/>
-                        </a:lnSpc>
-                        <a:spcBef>
-                          <a:spcPts val="0"/>
-                        </a:spcBef>
-                        <a:spcAft>
-                          <a:spcPts val="0"/>
-                        </a:spcAft>
-                        <a:buClrTx/>
-                        <a:buSzTx/>
-                        <a:buFontTx/>
-                        <a:buNone/>
-                        <a:tabLst/>
-                        <a:defRPr/>
-                      </a:pPr>
-                      <a:r>
-                        <a:rPr lang="fr-FR" dirty="0" err="1"/>
-                        <a:t>Reweight</a:t>
-                      </a:r>
-                      <a:r>
-                        <a:rPr lang="fr-FR" dirty="0"/>
-                        <a:t> + </a:t>
-                      </a:r>
-                      <a:r>
-                        <a:rPr lang="fr-FR" dirty="0" err="1"/>
-                        <a:t>Random</a:t>
-                      </a:r>
-                      <a:r>
-                        <a:rPr lang="fr-FR" dirty="0"/>
-                        <a:t> </a:t>
-                      </a:r>
-                      <a:r>
-                        <a:rPr lang="fr-FR" dirty="0" err="1"/>
-                        <a:t>forest</a:t>
-                      </a:r>
-                      <a:endParaRPr lang="fr-FR" dirty="0"/>
-                    </a:p>
-                    <a:p>
-                      <a:endParaRPr lang="fr-FR" dirty="0"/>
-                    </a:p>
-                  </a:txBody>
-                  <a:tcPr/>
+                  <a:tcPr marL="24940" marR="24940" marT="24940" marB="24940">
+                    <a:lnL w="9525" cap="flat" cmpd="sng" algn="ctr">
+                      <a:solidFill>
+                        <a:srgbClr val="000000"/>
+                      </a:solidFill>
+                      <a:prstDash val="solid"/>
+                      <a:round/>
+                      <a:headEnd type="none" w="med" len="med"/>
+                      <a:tailEnd type="none" w="med" len="med"/>
+                    </a:lnL>
+                    <a:lnR w="9525" cap="flat" cmpd="sng" algn="ctr">
+                      <a:solidFill>
+                        <a:srgbClr val="000000"/>
+                      </a:solidFill>
+                      <a:prstDash val="solid"/>
+                      <a:round/>
+                      <a:headEnd type="none" w="med" len="med"/>
+                      <a:tailEnd type="none" w="med" len="med"/>
+                    </a:lnR>
+                    <a:lnT w="9525" cap="flat" cmpd="sng" algn="ctr">
+                      <a:solidFill>
+                        <a:srgbClr val="000000"/>
+                      </a:solidFill>
+                      <a:prstDash val="solid"/>
+                      <a:round/>
+                      <a:headEnd type="none" w="med" len="med"/>
+                      <a:tailEnd type="none" w="med" len="med"/>
+                    </a:lnT>
+                    <a:lnB w="9525" cap="flat" cmpd="sng" algn="ctr">
+                      <a:solidFill>
+                        <a:srgbClr val="000000"/>
+                      </a:solidFill>
+                      <a:prstDash val="solid"/>
+                      <a:round/>
+                      <a:headEnd type="none" w="med" len="med"/>
+                      <a:tailEnd type="none" w="med" len="med"/>
+                    </a:lnB>
+                  </a:tcPr>
                 </a:tc>
                 <a:tc>
                   <a:txBody>
@@ -6113,21 +6776,58 @@
                     <a:lstStyle/>
                     <a:p>
                       <a:r>
-                        <a:rPr lang="fr-FR" sz="1800" b="0" i="0" kern="1200" dirty="0">
+                        <a:rPr lang="fr-FR" sz="1200">
                           <a:solidFill>
-                            <a:schemeClr val="tx1"/>
+                            <a:srgbClr val="000000"/>
                           </a:solidFill>
                           <a:effectLst/>
-                          <a:latin typeface="+mn-lt"/>
-                          <a:ea typeface="+mn-ea"/>
-                          <a:cs typeface="+mn-cs"/>
+                          <a:latin typeface="Helvetica Neue" panose="02000503000000020004" pitchFamily="2" charset="0"/>
                         </a:rPr>
-                        <a:t>1.110223e-16</a:t>
+                        <a:t>1.000</a:t>
                       </a:r>
-                      <a:endParaRPr lang="fr-FR" dirty="0"/>
+                      <a:endParaRPr lang="fr-FR" sz="1200">
+                        <a:effectLst/>
+                      </a:endParaRPr>
                     </a:p>
                   </a:txBody>
-                  <a:tcPr/>
+                  <a:tcPr marL="24940" marR="24940" marT="24940" marB="24940">
+                    <a:lnL w="9525" cap="flat" cmpd="sng" algn="ctr">
+                      <a:solidFill>
+                        <a:srgbClr val="000000"/>
+                      </a:solidFill>
+                      <a:prstDash val="solid"/>
+                      <a:round/>
+                      <a:headEnd type="none" w="med" len="med"/>
+                      <a:tailEnd type="none" w="med" len="med"/>
+                    </a:lnL>
+                    <a:lnR w="9525" cap="flat" cmpd="sng" algn="ctr">
+                      <a:solidFill>
+                        <a:srgbClr val="000000"/>
+                      </a:solidFill>
+                      <a:prstDash val="solid"/>
+                      <a:round/>
+                      <a:headEnd type="none" w="med" len="med"/>
+                      <a:tailEnd type="none" w="med" len="med"/>
+                    </a:lnR>
+                    <a:lnT w="9525" cap="flat" cmpd="sng" algn="ctr">
+                      <a:solidFill>
+                        <a:srgbClr val="000000"/>
+                      </a:solidFill>
+                      <a:prstDash val="solid"/>
+                      <a:round/>
+                      <a:headEnd type="none" w="med" len="med"/>
+                      <a:tailEnd type="none" w="med" len="med"/>
+                    </a:lnT>
+                    <a:lnB w="9525" cap="flat" cmpd="sng" algn="ctr">
+                      <a:solidFill>
+                        <a:srgbClr val="000000"/>
+                      </a:solidFill>
+                      <a:prstDash val="solid"/>
+                      <a:round/>
+                      <a:headEnd type="none" w="med" len="med"/>
+                      <a:tailEnd type="none" w="med" len="med"/>
+                    </a:lnB>
+                  </a:tcPr>
                 </a:tc>
                 <a:tc>
                   <a:txBody>
@@ -6135,64 +6835,127 @@
                     <a:lstStyle/>
                     <a:p>
                       <a:r>
-                        <a:rPr lang="fr-FR" dirty="0"/>
-                        <a:t>1</a:t>
+                        <a:rPr lang="fr-FR" sz="1200">
+                          <a:solidFill>
+                            <a:srgbClr val="000000"/>
+                          </a:solidFill>
+                          <a:effectLst/>
+                          <a:latin typeface="Helvetica Neue" panose="02000503000000020004" pitchFamily="2" charset="0"/>
+                        </a:rPr>
+                        <a:t>0.864</a:t>
                       </a:r>
+                      <a:endParaRPr lang="fr-FR" sz="1200">
+                        <a:effectLst/>
+                      </a:endParaRPr>
                     </a:p>
                   </a:txBody>
-                  <a:tcPr/>
+                  <a:tcPr marL="24940" marR="24940" marT="24940" marB="24940">
+                    <a:lnL w="9525" cap="flat" cmpd="sng" algn="ctr">
+                      <a:solidFill>
+                        <a:srgbClr val="000000"/>
+                      </a:solidFill>
+                      <a:prstDash val="solid"/>
+                      <a:round/>
+                      <a:headEnd type="none" w="med" len="med"/>
+                      <a:tailEnd type="none" w="med" len="med"/>
+                    </a:lnL>
+                    <a:lnR w="9525" cap="flat" cmpd="sng" algn="ctr">
+                      <a:solidFill>
+                        <a:srgbClr val="000000"/>
+                      </a:solidFill>
+                      <a:prstDash val="solid"/>
+                      <a:round/>
+                      <a:headEnd type="none" w="med" len="med"/>
+                      <a:tailEnd type="none" w="med" len="med"/>
+                    </a:lnR>
+                    <a:lnT w="9525" cap="flat" cmpd="sng" algn="ctr">
+                      <a:solidFill>
+                        <a:srgbClr val="000000"/>
+                      </a:solidFill>
+                      <a:prstDash val="solid"/>
+                      <a:round/>
+                      <a:headEnd type="none" w="med" len="med"/>
+                      <a:tailEnd type="none" w="med" len="med"/>
+                    </a:lnT>
+                    <a:lnB w="9525" cap="flat" cmpd="sng" algn="ctr">
+                      <a:solidFill>
+                        <a:srgbClr val="000000"/>
+                      </a:solidFill>
+                      <a:prstDash val="solid"/>
+                      <a:round/>
+                      <a:headEnd type="none" w="med" len="med"/>
+                      <a:tailEnd type="none" w="med" len="med"/>
+                    </a:lnB>
+                  </a:tcPr>
                 </a:tc>
                 <a:extLst>
                   <a:ext uri="{0D108BD9-81ED-4DB2-BD59-A6C34878D82A}">
-                    <a16:rowId xmlns:a16="http://schemas.microsoft.com/office/drawing/2014/main" val="2546406738"/>
+                    <a16:rowId xmlns:a16="http://schemas.microsoft.com/office/drawing/2014/main" val="3298363202"/>
                   </a:ext>
                 </a:extLst>
               </a:tr>
-              <a:tr h="370840">
+              <a:tr h="474281">
                 <a:tc>
                   <a:txBody>
                     <a:bodyPr/>
                     <a:lstStyle/>
                     <a:p>
-                      <a:pPr marL="0" marR="0" lvl="0" indent="0" algn="l" defTabSz="914400" rtl="0" eaLnBrk="1" fontAlgn="auto" latinLnBrk="0" hangingPunct="1">
-                        <a:lnSpc>
-                          <a:spcPct val="100000"/>
-                        </a:lnSpc>
-                        <a:spcBef>
-                          <a:spcPts val="0"/>
-                        </a:spcBef>
-                        <a:spcAft>
-                          <a:spcPts val="0"/>
-                        </a:spcAft>
-                        <a:buClrTx/>
-                        <a:buSzTx/>
-                        <a:buFontTx/>
-                        <a:buNone/>
-                        <a:tabLst/>
-                        <a:defRPr/>
-                      </a:pPr>
                       <a:r>
-                        <a:rPr lang="fr-FR" dirty="0" err="1"/>
-                        <a:t>Grid</a:t>
+                        <a:rPr lang="fr-FR" sz="1200" b="1">
+                          <a:solidFill>
+                            <a:srgbClr val="000000"/>
+                          </a:solidFill>
+                          <a:effectLst/>
+                          <a:latin typeface="Helvetica Neue" panose="02000503000000020004" pitchFamily="2" charset="0"/>
+                        </a:rPr>
+                        <a:t>Mean difference</a:t>
                       </a:r>
-                      <a:r>
-                        <a:rPr lang="fr-FR" dirty="0"/>
-                        <a:t> </a:t>
-                      </a:r>
-                      <a:r>
-                        <a:rPr lang="fr-FR" dirty="0" err="1"/>
-                        <a:t>Search</a:t>
-                      </a:r>
-                      <a:r>
-                        <a:rPr lang="fr-FR" dirty="0"/>
-                        <a:t> Reduction</a:t>
-                      </a:r>
-                    </a:p>
-                    <a:p>
-                      <a:endParaRPr lang="fr-FR" dirty="0"/>
+                      <a:endParaRPr lang="fr-FR" sz="1200">
+                        <a:effectLst/>
+                      </a:endParaRPr>
                     </a:p>
                   </a:txBody>
-                  <a:tcPr/>
+                  <a:tcPr marL="24940" marR="24940" marT="24940" marB="24940">
+                    <a:lnL w="9525" cap="flat" cmpd="sng" algn="ctr">
+                      <a:solidFill>
+                        <a:srgbClr val="000000"/>
+                      </a:solidFill>
+                      <a:prstDash val="solid"/>
+                      <a:round/>
+                      <a:headEnd type="none" w="med" len="med"/>
+                      <a:tailEnd type="none" w="med" len="med"/>
+                    </a:lnL>
+                    <a:lnR w="9525" cap="flat" cmpd="sng" algn="ctr">
+                      <a:solidFill>
+                        <a:srgbClr val="000000"/>
+                      </a:solidFill>
+                      <a:prstDash val="solid"/>
+                      <a:round/>
+                      <a:headEnd type="none" w="med" len="med"/>
+                      <a:tailEnd type="none" w="med" len="med"/>
+                    </a:lnR>
+                    <a:lnT w="9525" cap="flat" cmpd="sng" algn="ctr">
+                      <a:solidFill>
+                        <a:srgbClr val="000000"/>
+                      </a:solidFill>
+                      <a:prstDash val="solid"/>
+                      <a:round/>
+                      <a:headEnd type="none" w="med" len="med"/>
+                      <a:tailEnd type="none" w="med" len="med"/>
+                    </a:lnT>
+                    <a:lnB w="9525" cap="flat" cmpd="sng" algn="ctr">
+                      <a:solidFill>
+                        <a:srgbClr val="000000"/>
+                      </a:solidFill>
+                      <a:prstDash val="solid"/>
+                      <a:round/>
+                      <a:headEnd type="none" w="med" len="med"/>
+                      <a:tailEnd type="none" w="med" len="med"/>
+                    </a:lnB>
+                    <a:solidFill>
+                      <a:srgbClr val="D4D4D4"/>
+                    </a:solidFill>
+                  </a:tcPr>
                 </a:tc>
                 <a:tc>
                   <a:txBody>
@@ -6200,21 +6963,58 @@
                     <a:lstStyle/>
                     <a:p>
                       <a:r>
-                        <a:rPr lang="fr-FR" sz="1800" b="0" i="0" kern="1200" dirty="0">
+                        <a:rPr lang="fr-FR" sz="1200">
                           <a:solidFill>
-                            <a:schemeClr val="tx1"/>
+                            <a:srgbClr val="000000"/>
                           </a:solidFill>
                           <a:effectLst/>
-                          <a:latin typeface="+mn-lt"/>
-                          <a:ea typeface="+mn-ea"/>
-                          <a:cs typeface="+mn-cs"/>
+                          <a:latin typeface="Helvetica Neue" panose="02000503000000020004" pitchFamily="2" charset="0"/>
                         </a:rPr>
-                        <a:t>8.091787e-02</a:t>
+                        <a:t>-0.329</a:t>
                       </a:r>
-                      <a:endParaRPr lang="fr-FR" dirty="0"/>
+                      <a:endParaRPr lang="fr-FR" sz="1200">
+                        <a:effectLst/>
+                      </a:endParaRPr>
                     </a:p>
                   </a:txBody>
-                  <a:tcPr/>
+                  <a:tcPr marL="24940" marR="24940" marT="24940" marB="24940">
+                    <a:lnL w="9525" cap="flat" cmpd="sng" algn="ctr">
+                      <a:solidFill>
+                        <a:srgbClr val="000000"/>
+                      </a:solidFill>
+                      <a:prstDash val="solid"/>
+                      <a:round/>
+                      <a:headEnd type="none" w="med" len="med"/>
+                      <a:tailEnd type="none" w="med" len="med"/>
+                    </a:lnL>
+                    <a:lnR w="9525" cap="flat" cmpd="sng" algn="ctr">
+                      <a:solidFill>
+                        <a:srgbClr val="000000"/>
+                      </a:solidFill>
+                      <a:prstDash val="solid"/>
+                      <a:round/>
+                      <a:headEnd type="none" w="med" len="med"/>
+                      <a:tailEnd type="none" w="med" len="med"/>
+                    </a:lnR>
+                    <a:lnT w="9525" cap="flat" cmpd="sng" algn="ctr">
+                      <a:solidFill>
+                        <a:srgbClr val="000000"/>
+                      </a:solidFill>
+                      <a:prstDash val="solid"/>
+                      <a:round/>
+                      <a:headEnd type="none" w="med" len="med"/>
+                      <a:tailEnd type="none" w="med" len="med"/>
+                    </a:lnT>
+                    <a:lnB w="9525" cap="flat" cmpd="sng" algn="ctr">
+                      <a:solidFill>
+                        <a:srgbClr val="000000"/>
+                      </a:solidFill>
+                      <a:prstDash val="solid"/>
+                      <a:round/>
+                      <a:headEnd type="none" w="med" len="med"/>
+                      <a:tailEnd type="none" w="med" len="med"/>
+                    </a:lnB>
+                  </a:tcPr>
                 </a:tc>
                 <a:tc>
                   <a:txBody>
@@ -6222,25 +7022,1440 @@
                     <a:lstStyle/>
                     <a:p>
                       <a:r>
-                        <a:rPr lang="fr-FR" sz="1800" b="0" i="0" kern="1200" dirty="0">
+                        <a:rPr lang="fr-FR" sz="1200">
                           <a:solidFill>
-                            <a:schemeClr val="tx1"/>
+                            <a:srgbClr val="000000"/>
                           </a:solidFill>
                           <a:effectLst/>
-                          <a:latin typeface="+mn-lt"/>
-                          <a:ea typeface="+mn-ea"/>
-                          <a:cs typeface="+mn-cs"/>
+                          <a:latin typeface="Helvetica Neue" panose="02000503000000020004" pitchFamily="2" charset="0"/>
                         </a:rPr>
-                        <a:t>0.828645</a:t>
+                        <a:t>0.017</a:t>
                       </a:r>
-                      <a:endParaRPr lang="fr-FR" dirty="0"/>
+                      <a:endParaRPr lang="fr-FR" sz="1200">
+                        <a:effectLst/>
+                      </a:endParaRPr>
                     </a:p>
                   </a:txBody>
-                  <a:tcPr/>
+                  <a:tcPr marL="24940" marR="24940" marT="24940" marB="24940">
+                    <a:lnL w="9525" cap="flat" cmpd="sng" algn="ctr">
+                      <a:solidFill>
+                        <a:srgbClr val="000000"/>
+                      </a:solidFill>
+                      <a:prstDash val="solid"/>
+                      <a:round/>
+                      <a:headEnd type="none" w="med" len="med"/>
+                      <a:tailEnd type="none" w="med" len="med"/>
+                    </a:lnL>
+                    <a:lnR w="9525" cap="flat" cmpd="sng" algn="ctr">
+                      <a:solidFill>
+                        <a:srgbClr val="000000"/>
+                      </a:solidFill>
+                      <a:prstDash val="solid"/>
+                      <a:round/>
+                      <a:headEnd type="none" w="med" len="med"/>
+                      <a:tailEnd type="none" w="med" len="med"/>
+                    </a:lnR>
+                    <a:lnT w="9525" cap="flat" cmpd="sng" algn="ctr">
+                      <a:solidFill>
+                        <a:srgbClr val="000000"/>
+                      </a:solidFill>
+                      <a:prstDash val="solid"/>
+                      <a:round/>
+                      <a:headEnd type="none" w="med" len="med"/>
+                      <a:tailEnd type="none" w="med" len="med"/>
+                    </a:lnT>
+                    <a:lnB w="9525" cap="flat" cmpd="sng" algn="ctr">
+                      <a:solidFill>
+                        <a:srgbClr val="000000"/>
+                      </a:solidFill>
+                      <a:prstDash val="solid"/>
+                      <a:round/>
+                      <a:headEnd type="none" w="med" len="med"/>
+                      <a:tailEnd type="none" w="med" len="med"/>
+                    </a:lnB>
+                  </a:tcPr>
+                </a:tc>
+                <a:tc>
+                  <a:txBody>
+                    <a:bodyPr/>
+                    <a:lstStyle/>
+                    <a:p>
+                      <a:r>
+                        <a:rPr lang="fr-FR" sz="1200">
+                          <a:solidFill>
+                            <a:srgbClr val="000000"/>
+                          </a:solidFill>
+                          <a:effectLst/>
+                          <a:latin typeface="Helvetica Neue" panose="02000503000000020004" pitchFamily="2" charset="0"/>
+                        </a:rPr>
+                        <a:t>0.000</a:t>
+                      </a:r>
+                      <a:endParaRPr lang="fr-FR" sz="1200">
+                        <a:effectLst/>
+                      </a:endParaRPr>
+                    </a:p>
+                  </a:txBody>
+                  <a:tcPr marL="24940" marR="24940" marT="24940" marB="24940">
+                    <a:lnL w="9525" cap="flat" cmpd="sng" algn="ctr">
+                      <a:solidFill>
+                        <a:srgbClr val="000000"/>
+                      </a:solidFill>
+                      <a:prstDash val="solid"/>
+                      <a:round/>
+                      <a:headEnd type="none" w="med" len="med"/>
+                      <a:tailEnd type="none" w="med" len="med"/>
+                    </a:lnL>
+                    <a:lnR w="9525" cap="flat" cmpd="sng" algn="ctr">
+                      <a:solidFill>
+                        <a:srgbClr val="000000"/>
+                      </a:solidFill>
+                      <a:prstDash val="solid"/>
+                      <a:round/>
+                      <a:headEnd type="none" w="med" len="med"/>
+                      <a:tailEnd type="none" w="med" len="med"/>
+                    </a:lnR>
+                    <a:lnT w="9525" cap="flat" cmpd="sng" algn="ctr">
+                      <a:solidFill>
+                        <a:srgbClr val="000000"/>
+                      </a:solidFill>
+                      <a:prstDash val="solid"/>
+                      <a:round/>
+                      <a:headEnd type="none" w="med" len="med"/>
+                      <a:tailEnd type="none" w="med" len="med"/>
+                    </a:lnT>
+                    <a:lnB w="9525" cap="flat" cmpd="sng" algn="ctr">
+                      <a:solidFill>
+                        <a:srgbClr val="000000"/>
+                      </a:solidFill>
+                      <a:prstDash val="solid"/>
+                      <a:round/>
+                      <a:headEnd type="none" w="med" len="med"/>
+                      <a:tailEnd type="none" w="med" len="med"/>
+                    </a:lnB>
+                  </a:tcPr>
+                </a:tc>
+                <a:tc>
+                  <a:txBody>
+                    <a:bodyPr/>
+                    <a:lstStyle/>
+                    <a:p>
+                      <a:r>
+                        <a:rPr lang="fr-FR" sz="1200">
+                          <a:solidFill>
+                            <a:srgbClr val="000000"/>
+                          </a:solidFill>
+                          <a:effectLst/>
+                          <a:latin typeface="Helvetica Neue" panose="02000503000000020004" pitchFamily="2" charset="0"/>
+                        </a:rPr>
+                        <a:t>-0.321</a:t>
+                      </a:r>
+                      <a:endParaRPr lang="fr-FR" sz="1200">
+                        <a:effectLst/>
+                      </a:endParaRPr>
+                    </a:p>
+                  </a:txBody>
+                  <a:tcPr marL="24940" marR="24940" marT="24940" marB="24940">
+                    <a:lnL w="9525" cap="flat" cmpd="sng" algn="ctr">
+                      <a:solidFill>
+                        <a:srgbClr val="000000"/>
+                      </a:solidFill>
+                      <a:prstDash val="solid"/>
+                      <a:round/>
+                      <a:headEnd type="none" w="med" len="med"/>
+                      <a:tailEnd type="none" w="med" len="med"/>
+                    </a:lnL>
+                    <a:lnR w="9525" cap="flat" cmpd="sng" algn="ctr">
+                      <a:solidFill>
+                        <a:srgbClr val="000000"/>
+                      </a:solidFill>
+                      <a:prstDash val="solid"/>
+                      <a:round/>
+                      <a:headEnd type="none" w="med" len="med"/>
+                      <a:tailEnd type="none" w="med" len="med"/>
+                    </a:lnR>
+                    <a:lnT w="9525" cap="flat" cmpd="sng" algn="ctr">
+                      <a:solidFill>
+                        <a:srgbClr val="000000"/>
+                      </a:solidFill>
+                      <a:prstDash val="solid"/>
+                      <a:round/>
+                      <a:headEnd type="none" w="med" len="med"/>
+                      <a:tailEnd type="none" w="med" len="med"/>
+                    </a:lnT>
+                    <a:lnB w="9525" cap="flat" cmpd="sng" algn="ctr">
+                      <a:solidFill>
+                        <a:srgbClr val="000000"/>
+                      </a:solidFill>
+                      <a:prstDash val="solid"/>
+                      <a:round/>
+                      <a:headEnd type="none" w="med" len="med"/>
+                      <a:tailEnd type="none" w="med" len="med"/>
+                    </a:lnB>
+                  </a:tcPr>
                 </a:tc>
                 <a:extLst>
                   <a:ext uri="{0D108BD9-81ED-4DB2-BD59-A6C34878D82A}">
-                    <a16:rowId xmlns:a16="http://schemas.microsoft.com/office/drawing/2014/main" val="414492432"/>
+                    <a16:rowId xmlns:a16="http://schemas.microsoft.com/office/drawing/2014/main" val="3255128481"/>
+                  </a:ext>
+                </a:extLst>
+              </a:tr>
+              <a:tr h="474281">
+                <a:tc>
+                  <a:txBody>
+                    <a:bodyPr/>
+                    <a:lstStyle/>
+                    <a:p>
+                      <a:r>
+                        <a:rPr lang="fr-FR" sz="1200" b="1">
+                          <a:solidFill>
+                            <a:srgbClr val="000000"/>
+                          </a:solidFill>
+                          <a:effectLst/>
+                          <a:latin typeface="Helvetica Neue" panose="02000503000000020004" pitchFamily="2" charset="0"/>
+                        </a:rPr>
+                        <a:t>Disparate impact</a:t>
+                      </a:r>
+                      <a:endParaRPr lang="fr-FR" sz="1200">
+                        <a:effectLst/>
+                      </a:endParaRPr>
+                    </a:p>
+                  </a:txBody>
+                  <a:tcPr marL="24940" marR="24940" marT="24940" marB="24940">
+                    <a:lnL w="9525" cap="flat" cmpd="sng" algn="ctr">
+                      <a:solidFill>
+                        <a:srgbClr val="000000"/>
+                      </a:solidFill>
+                      <a:prstDash val="solid"/>
+                      <a:round/>
+                      <a:headEnd type="none" w="med" len="med"/>
+                      <a:tailEnd type="none" w="med" len="med"/>
+                    </a:lnL>
+                    <a:lnR w="9525" cap="flat" cmpd="sng" algn="ctr">
+                      <a:solidFill>
+                        <a:srgbClr val="000000"/>
+                      </a:solidFill>
+                      <a:prstDash val="solid"/>
+                      <a:round/>
+                      <a:headEnd type="none" w="med" len="med"/>
+                      <a:tailEnd type="none" w="med" len="med"/>
+                    </a:lnR>
+                    <a:lnT w="9525" cap="flat" cmpd="sng" algn="ctr">
+                      <a:solidFill>
+                        <a:srgbClr val="000000"/>
+                      </a:solidFill>
+                      <a:prstDash val="solid"/>
+                      <a:round/>
+                      <a:headEnd type="none" w="med" len="med"/>
+                      <a:tailEnd type="none" w="med" len="med"/>
+                    </a:lnT>
+                    <a:lnB w="9525" cap="flat" cmpd="sng" algn="ctr">
+                      <a:solidFill>
+                        <a:srgbClr val="000000"/>
+                      </a:solidFill>
+                      <a:prstDash val="solid"/>
+                      <a:round/>
+                      <a:headEnd type="none" w="med" len="med"/>
+                      <a:tailEnd type="none" w="med" len="med"/>
+                    </a:lnB>
+                    <a:solidFill>
+                      <a:srgbClr val="D4D4D4"/>
+                    </a:solidFill>
+                  </a:tcPr>
+                </a:tc>
+                <a:tc>
+                  <a:txBody>
+                    <a:bodyPr/>
+                    <a:lstStyle/>
+                    <a:p>
+                      <a:r>
+                        <a:rPr lang="fr-FR" sz="1200">
+                          <a:solidFill>
+                            <a:srgbClr val="000000"/>
+                          </a:solidFill>
+                          <a:effectLst/>
+                          <a:latin typeface="Helvetica Neue" panose="02000503000000020004" pitchFamily="2" charset="0"/>
+                        </a:rPr>
+                        <a:t>0.549</a:t>
+                      </a:r>
+                      <a:endParaRPr lang="fr-FR" sz="1200">
+                        <a:effectLst/>
+                      </a:endParaRPr>
+                    </a:p>
+                  </a:txBody>
+                  <a:tcPr marL="24940" marR="24940" marT="24940" marB="24940">
+                    <a:lnL w="9525" cap="flat" cmpd="sng" algn="ctr">
+                      <a:solidFill>
+                        <a:srgbClr val="000000"/>
+                      </a:solidFill>
+                      <a:prstDash val="solid"/>
+                      <a:round/>
+                      <a:headEnd type="none" w="med" len="med"/>
+                      <a:tailEnd type="none" w="med" len="med"/>
+                    </a:lnL>
+                    <a:lnR w="9525" cap="flat" cmpd="sng" algn="ctr">
+                      <a:solidFill>
+                        <a:srgbClr val="000000"/>
+                      </a:solidFill>
+                      <a:prstDash val="solid"/>
+                      <a:round/>
+                      <a:headEnd type="none" w="med" len="med"/>
+                      <a:tailEnd type="none" w="med" len="med"/>
+                    </a:lnR>
+                    <a:lnT w="9525" cap="flat" cmpd="sng" algn="ctr">
+                      <a:solidFill>
+                        <a:srgbClr val="000000"/>
+                      </a:solidFill>
+                      <a:prstDash val="solid"/>
+                      <a:round/>
+                      <a:headEnd type="none" w="med" len="med"/>
+                      <a:tailEnd type="none" w="med" len="med"/>
+                    </a:lnT>
+                    <a:lnB w="9525" cap="flat" cmpd="sng" algn="ctr">
+                      <a:solidFill>
+                        <a:srgbClr val="000000"/>
+                      </a:solidFill>
+                      <a:prstDash val="solid"/>
+                      <a:round/>
+                      <a:headEnd type="none" w="med" len="med"/>
+                      <a:tailEnd type="none" w="med" len="med"/>
+                    </a:lnB>
+                  </a:tcPr>
+                </a:tc>
+                <a:tc>
+                  <a:txBody>
+                    <a:bodyPr/>
+                    <a:lstStyle/>
+                    <a:p>
+                      <a:r>
+                        <a:rPr lang="fr-FR" sz="1200">
+                          <a:solidFill>
+                            <a:srgbClr val="000000"/>
+                          </a:solidFill>
+                          <a:effectLst/>
+                          <a:latin typeface="Helvetica Neue" panose="02000503000000020004" pitchFamily="2" charset="0"/>
+                        </a:rPr>
+                        <a:t>1.038</a:t>
+                      </a:r>
+                      <a:endParaRPr lang="fr-FR" sz="1200">
+                        <a:effectLst/>
+                      </a:endParaRPr>
+                    </a:p>
+                  </a:txBody>
+                  <a:tcPr marL="24940" marR="24940" marT="24940" marB="24940">
+                    <a:lnL w="9525" cap="flat" cmpd="sng" algn="ctr">
+                      <a:solidFill>
+                        <a:srgbClr val="000000"/>
+                      </a:solidFill>
+                      <a:prstDash val="solid"/>
+                      <a:round/>
+                      <a:headEnd type="none" w="med" len="med"/>
+                      <a:tailEnd type="none" w="med" len="med"/>
+                    </a:lnL>
+                    <a:lnR w="9525" cap="flat" cmpd="sng" algn="ctr">
+                      <a:solidFill>
+                        <a:srgbClr val="000000"/>
+                      </a:solidFill>
+                      <a:prstDash val="solid"/>
+                      <a:round/>
+                      <a:headEnd type="none" w="med" len="med"/>
+                      <a:tailEnd type="none" w="med" len="med"/>
+                    </a:lnR>
+                    <a:lnT w="9525" cap="flat" cmpd="sng" algn="ctr">
+                      <a:solidFill>
+                        <a:srgbClr val="000000"/>
+                      </a:solidFill>
+                      <a:prstDash val="solid"/>
+                      <a:round/>
+                      <a:headEnd type="none" w="med" len="med"/>
+                      <a:tailEnd type="none" w="med" len="med"/>
+                    </a:lnT>
+                    <a:lnB w="9525" cap="flat" cmpd="sng" algn="ctr">
+                      <a:solidFill>
+                        <a:srgbClr val="000000"/>
+                      </a:solidFill>
+                      <a:prstDash val="solid"/>
+                      <a:round/>
+                      <a:headEnd type="none" w="med" len="med"/>
+                      <a:tailEnd type="none" w="med" len="med"/>
+                    </a:lnB>
+                  </a:tcPr>
+                </a:tc>
+                <a:tc>
+                  <a:txBody>
+                    <a:bodyPr/>
+                    <a:lstStyle/>
+                    <a:p>
+                      <a:r>
+                        <a:rPr lang="fr-FR" sz="1200">
+                          <a:solidFill>
+                            <a:srgbClr val="000000"/>
+                          </a:solidFill>
+                          <a:effectLst/>
+                          <a:latin typeface="Helvetica Neue" panose="02000503000000020004" pitchFamily="2" charset="0"/>
+                        </a:rPr>
+                        <a:t>1.000</a:t>
+                      </a:r>
+                      <a:endParaRPr lang="fr-FR" sz="1200">
+                        <a:effectLst/>
+                      </a:endParaRPr>
+                    </a:p>
+                  </a:txBody>
+                  <a:tcPr marL="24940" marR="24940" marT="24940" marB="24940">
+                    <a:lnL w="9525" cap="flat" cmpd="sng" algn="ctr">
+                      <a:solidFill>
+                        <a:srgbClr val="000000"/>
+                      </a:solidFill>
+                      <a:prstDash val="solid"/>
+                      <a:round/>
+                      <a:headEnd type="none" w="med" len="med"/>
+                      <a:tailEnd type="none" w="med" len="med"/>
+                    </a:lnL>
+                    <a:lnR w="9525" cap="flat" cmpd="sng" algn="ctr">
+                      <a:solidFill>
+                        <a:srgbClr val="000000"/>
+                      </a:solidFill>
+                      <a:prstDash val="solid"/>
+                      <a:round/>
+                      <a:headEnd type="none" w="med" len="med"/>
+                      <a:tailEnd type="none" w="med" len="med"/>
+                    </a:lnR>
+                    <a:lnT w="9525" cap="flat" cmpd="sng" algn="ctr">
+                      <a:solidFill>
+                        <a:srgbClr val="000000"/>
+                      </a:solidFill>
+                      <a:prstDash val="solid"/>
+                      <a:round/>
+                      <a:headEnd type="none" w="med" len="med"/>
+                      <a:tailEnd type="none" w="med" len="med"/>
+                    </a:lnT>
+                    <a:lnB w="9525" cap="flat" cmpd="sng" algn="ctr">
+                      <a:solidFill>
+                        <a:srgbClr val="000000"/>
+                      </a:solidFill>
+                      <a:prstDash val="solid"/>
+                      <a:round/>
+                      <a:headEnd type="none" w="med" len="med"/>
+                      <a:tailEnd type="none" w="med" len="med"/>
+                    </a:lnB>
+                  </a:tcPr>
+                </a:tc>
+                <a:tc>
+                  <a:txBody>
+                    <a:bodyPr/>
+                    <a:lstStyle/>
+                    <a:p>
+                      <a:r>
+                        <a:rPr lang="fr-FR" sz="1200">
+                          <a:solidFill>
+                            <a:srgbClr val="000000"/>
+                          </a:solidFill>
+                          <a:effectLst/>
+                          <a:latin typeface="Helvetica Neue" panose="02000503000000020004" pitchFamily="2" charset="0"/>
+                        </a:rPr>
+                        <a:t>0.571</a:t>
+                      </a:r>
+                      <a:endParaRPr lang="fr-FR" sz="1200">
+                        <a:effectLst/>
+                      </a:endParaRPr>
+                    </a:p>
+                  </a:txBody>
+                  <a:tcPr marL="24940" marR="24940" marT="24940" marB="24940">
+                    <a:lnL w="9525" cap="flat" cmpd="sng" algn="ctr">
+                      <a:solidFill>
+                        <a:srgbClr val="000000"/>
+                      </a:solidFill>
+                      <a:prstDash val="solid"/>
+                      <a:round/>
+                      <a:headEnd type="none" w="med" len="med"/>
+                      <a:tailEnd type="none" w="med" len="med"/>
+                    </a:lnL>
+                    <a:lnR w="9525" cap="flat" cmpd="sng" algn="ctr">
+                      <a:solidFill>
+                        <a:srgbClr val="000000"/>
+                      </a:solidFill>
+                      <a:prstDash val="solid"/>
+                      <a:round/>
+                      <a:headEnd type="none" w="med" len="med"/>
+                      <a:tailEnd type="none" w="med" len="med"/>
+                    </a:lnR>
+                    <a:lnT w="9525" cap="flat" cmpd="sng" algn="ctr">
+                      <a:solidFill>
+                        <a:srgbClr val="000000"/>
+                      </a:solidFill>
+                      <a:prstDash val="solid"/>
+                      <a:round/>
+                      <a:headEnd type="none" w="med" len="med"/>
+                      <a:tailEnd type="none" w="med" len="med"/>
+                    </a:lnT>
+                    <a:lnB w="9525" cap="flat" cmpd="sng" algn="ctr">
+                      <a:solidFill>
+                        <a:srgbClr val="000000"/>
+                      </a:solidFill>
+                      <a:prstDash val="solid"/>
+                      <a:round/>
+                      <a:headEnd type="none" w="med" len="med"/>
+                      <a:tailEnd type="none" w="med" len="med"/>
+                    </a:lnB>
+                  </a:tcPr>
+                </a:tc>
+                <a:extLst>
+                  <a:ext uri="{0D108BD9-81ED-4DB2-BD59-A6C34878D82A}">
+                    <a16:rowId xmlns:a16="http://schemas.microsoft.com/office/drawing/2014/main" val="100874136"/>
+                  </a:ext>
+                </a:extLst>
+              </a:tr>
+              <a:tr h="671629">
+                <a:tc>
+                  <a:txBody>
+                    <a:bodyPr/>
+                    <a:lstStyle/>
+                    <a:p>
+                      <a:r>
+                        <a:rPr lang="fr-FR" sz="1200" b="1">
+                          <a:solidFill>
+                            <a:srgbClr val="000000"/>
+                          </a:solidFill>
+                          <a:effectLst/>
+                          <a:latin typeface="Helvetica Neue" panose="02000503000000020004" pitchFamily="2" charset="0"/>
+                        </a:rPr>
+                        <a:t>Average odds difference</a:t>
+                      </a:r>
+                      <a:endParaRPr lang="fr-FR" sz="1200">
+                        <a:effectLst/>
+                      </a:endParaRPr>
+                    </a:p>
+                  </a:txBody>
+                  <a:tcPr marL="24940" marR="24940" marT="24940" marB="24940">
+                    <a:lnL w="9525" cap="flat" cmpd="sng" algn="ctr">
+                      <a:solidFill>
+                        <a:srgbClr val="000000"/>
+                      </a:solidFill>
+                      <a:prstDash val="solid"/>
+                      <a:round/>
+                      <a:headEnd type="none" w="med" len="med"/>
+                      <a:tailEnd type="none" w="med" len="med"/>
+                    </a:lnL>
+                    <a:lnR w="9525" cap="flat" cmpd="sng" algn="ctr">
+                      <a:solidFill>
+                        <a:srgbClr val="000000"/>
+                      </a:solidFill>
+                      <a:prstDash val="solid"/>
+                      <a:round/>
+                      <a:headEnd type="none" w="med" len="med"/>
+                      <a:tailEnd type="none" w="med" len="med"/>
+                    </a:lnR>
+                    <a:lnT w="9525" cap="flat" cmpd="sng" algn="ctr">
+                      <a:solidFill>
+                        <a:srgbClr val="000000"/>
+                      </a:solidFill>
+                      <a:prstDash val="solid"/>
+                      <a:round/>
+                      <a:headEnd type="none" w="med" len="med"/>
+                      <a:tailEnd type="none" w="med" len="med"/>
+                    </a:lnT>
+                    <a:lnB w="9525" cap="flat" cmpd="sng" algn="ctr">
+                      <a:solidFill>
+                        <a:srgbClr val="000000"/>
+                      </a:solidFill>
+                      <a:prstDash val="solid"/>
+                      <a:round/>
+                      <a:headEnd type="none" w="med" len="med"/>
+                      <a:tailEnd type="none" w="med" len="med"/>
+                    </a:lnB>
+                    <a:solidFill>
+                      <a:srgbClr val="D4D4D4"/>
+                    </a:solidFill>
+                  </a:tcPr>
+                </a:tc>
+                <a:tc>
+                  <a:txBody>
+                    <a:bodyPr/>
+                    <a:lstStyle/>
+                    <a:p>
+                      <a:r>
+                        <a:rPr lang="fr-FR" sz="1200">
+                          <a:solidFill>
+                            <a:srgbClr val="000000"/>
+                          </a:solidFill>
+                          <a:effectLst/>
+                          <a:latin typeface="Helvetica Neue" panose="02000503000000020004" pitchFamily="2" charset="0"/>
+                        </a:rPr>
+                        <a:t>-0.147</a:t>
+                      </a:r>
+                      <a:endParaRPr lang="fr-FR" sz="1200">
+                        <a:effectLst/>
+                      </a:endParaRPr>
+                    </a:p>
+                  </a:txBody>
+                  <a:tcPr marL="24940" marR="24940" marT="24940" marB="24940">
+                    <a:lnL w="9525" cap="flat" cmpd="sng" algn="ctr">
+                      <a:solidFill>
+                        <a:srgbClr val="000000"/>
+                      </a:solidFill>
+                      <a:prstDash val="solid"/>
+                      <a:round/>
+                      <a:headEnd type="none" w="med" len="med"/>
+                      <a:tailEnd type="none" w="med" len="med"/>
+                    </a:lnL>
+                    <a:lnR w="9525" cap="flat" cmpd="sng" algn="ctr">
+                      <a:solidFill>
+                        <a:srgbClr val="000000"/>
+                      </a:solidFill>
+                      <a:prstDash val="solid"/>
+                      <a:round/>
+                      <a:headEnd type="none" w="med" len="med"/>
+                      <a:tailEnd type="none" w="med" len="med"/>
+                    </a:lnR>
+                    <a:lnT w="9525" cap="flat" cmpd="sng" algn="ctr">
+                      <a:solidFill>
+                        <a:srgbClr val="000000"/>
+                      </a:solidFill>
+                      <a:prstDash val="solid"/>
+                      <a:round/>
+                      <a:headEnd type="none" w="med" len="med"/>
+                      <a:tailEnd type="none" w="med" len="med"/>
+                    </a:lnT>
+                    <a:lnB w="9525" cap="flat" cmpd="sng" algn="ctr">
+                      <a:solidFill>
+                        <a:srgbClr val="000000"/>
+                      </a:solidFill>
+                      <a:prstDash val="solid"/>
+                      <a:round/>
+                      <a:headEnd type="none" w="med" len="med"/>
+                      <a:tailEnd type="none" w="med" len="med"/>
+                    </a:lnB>
+                  </a:tcPr>
+                </a:tc>
+                <a:tc>
+                  <a:txBody>
+                    <a:bodyPr/>
+                    <a:lstStyle/>
+                    <a:p>
+                      <a:r>
+                        <a:rPr lang="fr-FR" sz="1200">
+                          <a:solidFill>
+                            <a:srgbClr val="000000"/>
+                          </a:solidFill>
+                          <a:effectLst/>
+                          <a:latin typeface="Helvetica Neue" panose="02000503000000020004" pitchFamily="2" charset="0"/>
+                        </a:rPr>
+                        <a:t>0.019</a:t>
+                      </a:r>
+                      <a:endParaRPr lang="fr-FR" sz="1200">
+                        <a:effectLst/>
+                      </a:endParaRPr>
+                    </a:p>
+                  </a:txBody>
+                  <a:tcPr marL="24940" marR="24940" marT="24940" marB="24940">
+                    <a:lnL w="9525" cap="flat" cmpd="sng" algn="ctr">
+                      <a:solidFill>
+                        <a:srgbClr val="000000"/>
+                      </a:solidFill>
+                      <a:prstDash val="solid"/>
+                      <a:round/>
+                      <a:headEnd type="none" w="med" len="med"/>
+                      <a:tailEnd type="none" w="med" len="med"/>
+                    </a:lnL>
+                    <a:lnR w="9525" cap="flat" cmpd="sng" algn="ctr">
+                      <a:solidFill>
+                        <a:srgbClr val="000000"/>
+                      </a:solidFill>
+                      <a:prstDash val="solid"/>
+                      <a:round/>
+                      <a:headEnd type="none" w="med" len="med"/>
+                      <a:tailEnd type="none" w="med" len="med"/>
+                    </a:lnR>
+                    <a:lnT w="9525" cap="flat" cmpd="sng" algn="ctr">
+                      <a:solidFill>
+                        <a:srgbClr val="000000"/>
+                      </a:solidFill>
+                      <a:prstDash val="solid"/>
+                      <a:round/>
+                      <a:headEnd type="none" w="med" len="med"/>
+                      <a:tailEnd type="none" w="med" len="med"/>
+                    </a:lnT>
+                    <a:lnB w="9525" cap="flat" cmpd="sng" algn="ctr">
+                      <a:solidFill>
+                        <a:srgbClr val="000000"/>
+                      </a:solidFill>
+                      <a:prstDash val="solid"/>
+                      <a:round/>
+                      <a:headEnd type="none" w="med" len="med"/>
+                      <a:tailEnd type="none" w="med" len="med"/>
+                    </a:lnB>
+                  </a:tcPr>
+                </a:tc>
+                <a:tc>
+                  <a:txBody>
+                    <a:bodyPr/>
+                    <a:lstStyle/>
+                    <a:p>
+                      <a:r>
+                        <a:rPr lang="fr-FR" sz="1200">
+                          <a:solidFill>
+                            <a:srgbClr val="000000"/>
+                          </a:solidFill>
+                          <a:effectLst/>
+                          <a:latin typeface="Helvetica Neue" panose="02000503000000020004" pitchFamily="2" charset="0"/>
+                        </a:rPr>
+                        <a:t>0.000</a:t>
+                      </a:r>
+                      <a:endParaRPr lang="fr-FR" sz="1200">
+                        <a:effectLst/>
+                      </a:endParaRPr>
+                    </a:p>
+                  </a:txBody>
+                  <a:tcPr marL="24940" marR="24940" marT="24940" marB="24940">
+                    <a:lnL w="9525" cap="flat" cmpd="sng" algn="ctr">
+                      <a:solidFill>
+                        <a:srgbClr val="000000"/>
+                      </a:solidFill>
+                      <a:prstDash val="solid"/>
+                      <a:round/>
+                      <a:headEnd type="none" w="med" len="med"/>
+                      <a:tailEnd type="none" w="med" len="med"/>
+                    </a:lnL>
+                    <a:lnR w="9525" cap="flat" cmpd="sng" algn="ctr">
+                      <a:solidFill>
+                        <a:srgbClr val="000000"/>
+                      </a:solidFill>
+                      <a:prstDash val="solid"/>
+                      <a:round/>
+                      <a:headEnd type="none" w="med" len="med"/>
+                      <a:tailEnd type="none" w="med" len="med"/>
+                    </a:lnR>
+                    <a:lnT w="9525" cap="flat" cmpd="sng" algn="ctr">
+                      <a:solidFill>
+                        <a:srgbClr val="000000"/>
+                      </a:solidFill>
+                      <a:prstDash val="solid"/>
+                      <a:round/>
+                      <a:headEnd type="none" w="med" len="med"/>
+                      <a:tailEnd type="none" w="med" len="med"/>
+                    </a:lnT>
+                    <a:lnB w="9525" cap="flat" cmpd="sng" algn="ctr">
+                      <a:solidFill>
+                        <a:srgbClr val="000000"/>
+                      </a:solidFill>
+                      <a:prstDash val="solid"/>
+                      <a:round/>
+                      <a:headEnd type="none" w="med" len="med"/>
+                      <a:tailEnd type="none" w="med" len="med"/>
+                    </a:lnB>
+                  </a:tcPr>
+                </a:tc>
+                <a:tc>
+                  <a:txBody>
+                    <a:bodyPr/>
+                    <a:lstStyle/>
+                    <a:p>
+                      <a:r>
+                        <a:rPr lang="fr-FR" sz="1200">
+                          <a:solidFill>
+                            <a:srgbClr val="000000"/>
+                          </a:solidFill>
+                          <a:effectLst/>
+                          <a:latin typeface="Helvetica Neue" panose="02000503000000020004" pitchFamily="2" charset="0"/>
+                        </a:rPr>
+                        <a:t>-0.149</a:t>
+                      </a:r>
+                      <a:endParaRPr lang="fr-FR" sz="1200">
+                        <a:effectLst/>
+                      </a:endParaRPr>
+                    </a:p>
+                  </a:txBody>
+                  <a:tcPr marL="24940" marR="24940" marT="24940" marB="24940">
+                    <a:lnL w="9525" cap="flat" cmpd="sng" algn="ctr">
+                      <a:solidFill>
+                        <a:srgbClr val="000000"/>
+                      </a:solidFill>
+                      <a:prstDash val="solid"/>
+                      <a:round/>
+                      <a:headEnd type="none" w="med" len="med"/>
+                      <a:tailEnd type="none" w="med" len="med"/>
+                    </a:lnL>
+                    <a:lnR w="9525" cap="flat" cmpd="sng" algn="ctr">
+                      <a:solidFill>
+                        <a:srgbClr val="000000"/>
+                      </a:solidFill>
+                      <a:prstDash val="solid"/>
+                      <a:round/>
+                      <a:headEnd type="none" w="med" len="med"/>
+                      <a:tailEnd type="none" w="med" len="med"/>
+                    </a:lnR>
+                    <a:lnT w="9525" cap="flat" cmpd="sng" algn="ctr">
+                      <a:solidFill>
+                        <a:srgbClr val="000000"/>
+                      </a:solidFill>
+                      <a:prstDash val="solid"/>
+                      <a:round/>
+                      <a:headEnd type="none" w="med" len="med"/>
+                      <a:tailEnd type="none" w="med" len="med"/>
+                    </a:lnT>
+                    <a:lnB w="9525" cap="flat" cmpd="sng" algn="ctr">
+                      <a:solidFill>
+                        <a:srgbClr val="000000"/>
+                      </a:solidFill>
+                      <a:prstDash val="solid"/>
+                      <a:round/>
+                      <a:headEnd type="none" w="med" len="med"/>
+                      <a:tailEnd type="none" w="med" len="med"/>
+                    </a:lnB>
+                  </a:tcPr>
+                </a:tc>
+                <a:extLst>
+                  <a:ext uri="{0D108BD9-81ED-4DB2-BD59-A6C34878D82A}">
+                    <a16:rowId xmlns:a16="http://schemas.microsoft.com/office/drawing/2014/main" val="2441308936"/>
+                  </a:ext>
+                </a:extLst>
+              </a:tr>
+              <a:tr h="597229">
+                <a:tc>
+                  <a:txBody>
+                    <a:bodyPr/>
+                    <a:lstStyle/>
+                    <a:p>
+                      <a:r>
+                        <a:rPr lang="fr-FR" sz="1200" b="1" dirty="0" err="1">
+                          <a:solidFill>
+                            <a:srgbClr val="000000"/>
+                          </a:solidFill>
+                          <a:effectLst/>
+                          <a:latin typeface="Helvetica Neue" panose="02000503000000020004" pitchFamily="2" charset="0"/>
+                        </a:rPr>
+                        <a:t>Equal</a:t>
+                      </a:r>
+                      <a:r>
+                        <a:rPr lang="fr-FR" sz="1200" b="1" dirty="0">
+                          <a:solidFill>
+                            <a:srgbClr val="000000"/>
+                          </a:solidFill>
+                          <a:effectLst/>
+                          <a:latin typeface="Helvetica Neue" panose="02000503000000020004" pitchFamily="2" charset="0"/>
+                        </a:rPr>
+                        <a:t> </a:t>
+                      </a:r>
+                      <a:r>
+                        <a:rPr lang="fr-FR" sz="1200" b="1" dirty="0" err="1">
+                          <a:solidFill>
+                            <a:srgbClr val="000000"/>
+                          </a:solidFill>
+                          <a:effectLst/>
+                          <a:latin typeface="Helvetica Neue" panose="02000503000000020004" pitchFamily="2" charset="0"/>
+                        </a:rPr>
+                        <a:t>opportunity</a:t>
+                      </a:r>
+                      <a:r>
+                        <a:rPr lang="fr-FR" sz="1200" b="1" dirty="0">
+                          <a:solidFill>
+                            <a:srgbClr val="000000"/>
+                          </a:solidFill>
+                          <a:effectLst/>
+                          <a:latin typeface="Helvetica Neue" panose="02000503000000020004" pitchFamily="2" charset="0"/>
+                        </a:rPr>
+                        <a:t> </a:t>
+                      </a:r>
+                      <a:r>
+                        <a:rPr lang="fr-FR" sz="1200" b="1" dirty="0" err="1">
+                          <a:solidFill>
+                            <a:srgbClr val="000000"/>
+                          </a:solidFill>
+                          <a:effectLst/>
+                          <a:latin typeface="Helvetica Neue" panose="02000503000000020004" pitchFamily="2" charset="0"/>
+                        </a:rPr>
+                        <a:t>difference</a:t>
+                      </a:r>
+                      <a:endParaRPr lang="fr-FR" sz="1200" dirty="0">
+                        <a:effectLst/>
+                      </a:endParaRPr>
+                    </a:p>
+                  </a:txBody>
+                  <a:tcPr marL="24940" marR="24940" marT="24940" marB="24940">
+                    <a:lnL w="9525" cap="flat" cmpd="sng" algn="ctr">
+                      <a:solidFill>
+                        <a:srgbClr val="000000"/>
+                      </a:solidFill>
+                      <a:prstDash val="solid"/>
+                      <a:round/>
+                      <a:headEnd type="none" w="med" len="med"/>
+                      <a:tailEnd type="none" w="med" len="med"/>
+                    </a:lnL>
+                    <a:lnR w="9525" cap="flat" cmpd="sng" algn="ctr">
+                      <a:solidFill>
+                        <a:srgbClr val="000000"/>
+                      </a:solidFill>
+                      <a:prstDash val="solid"/>
+                      <a:round/>
+                      <a:headEnd type="none" w="med" len="med"/>
+                      <a:tailEnd type="none" w="med" len="med"/>
+                    </a:lnR>
+                    <a:lnT w="9525" cap="flat" cmpd="sng" algn="ctr">
+                      <a:solidFill>
+                        <a:srgbClr val="000000"/>
+                      </a:solidFill>
+                      <a:prstDash val="solid"/>
+                      <a:round/>
+                      <a:headEnd type="none" w="med" len="med"/>
+                      <a:tailEnd type="none" w="med" len="med"/>
+                    </a:lnT>
+                    <a:lnB w="9525" cap="flat" cmpd="sng" algn="ctr">
+                      <a:solidFill>
+                        <a:srgbClr val="000000"/>
+                      </a:solidFill>
+                      <a:prstDash val="solid"/>
+                      <a:round/>
+                      <a:headEnd type="none" w="med" len="med"/>
+                      <a:tailEnd type="none" w="med" len="med"/>
+                    </a:lnB>
+                    <a:solidFill>
+                      <a:srgbClr val="D4D4D4"/>
+                    </a:solidFill>
+                  </a:tcPr>
+                </a:tc>
+                <a:tc>
+                  <a:txBody>
+                    <a:bodyPr/>
+                    <a:lstStyle/>
+                    <a:p>
+                      <a:r>
+                        <a:rPr lang="fr-FR" sz="1200">
+                          <a:solidFill>
+                            <a:srgbClr val="000000"/>
+                          </a:solidFill>
+                          <a:effectLst/>
+                          <a:latin typeface="Helvetica Neue" panose="02000503000000020004" pitchFamily="2" charset="0"/>
+                        </a:rPr>
+                        <a:t>0.000</a:t>
+                      </a:r>
+                      <a:endParaRPr lang="fr-FR" sz="1200">
+                        <a:effectLst/>
+                      </a:endParaRPr>
+                    </a:p>
+                  </a:txBody>
+                  <a:tcPr marL="24940" marR="24940" marT="24940" marB="24940">
+                    <a:lnL w="9525" cap="flat" cmpd="sng" algn="ctr">
+                      <a:solidFill>
+                        <a:srgbClr val="000000"/>
+                      </a:solidFill>
+                      <a:prstDash val="solid"/>
+                      <a:round/>
+                      <a:headEnd type="none" w="med" len="med"/>
+                      <a:tailEnd type="none" w="med" len="med"/>
+                    </a:lnL>
+                    <a:lnR w="9525" cap="flat" cmpd="sng" algn="ctr">
+                      <a:solidFill>
+                        <a:srgbClr val="000000"/>
+                      </a:solidFill>
+                      <a:prstDash val="solid"/>
+                      <a:round/>
+                      <a:headEnd type="none" w="med" len="med"/>
+                      <a:tailEnd type="none" w="med" len="med"/>
+                    </a:lnR>
+                    <a:lnT w="9525" cap="flat" cmpd="sng" algn="ctr">
+                      <a:solidFill>
+                        <a:srgbClr val="000000"/>
+                      </a:solidFill>
+                      <a:prstDash val="solid"/>
+                      <a:round/>
+                      <a:headEnd type="none" w="med" len="med"/>
+                      <a:tailEnd type="none" w="med" len="med"/>
+                    </a:lnT>
+                    <a:lnB w="9525" cap="flat" cmpd="sng" algn="ctr">
+                      <a:solidFill>
+                        <a:srgbClr val="000000"/>
+                      </a:solidFill>
+                      <a:prstDash val="solid"/>
+                      <a:round/>
+                      <a:headEnd type="none" w="med" len="med"/>
+                      <a:tailEnd type="none" w="med" len="med"/>
+                    </a:lnB>
+                  </a:tcPr>
+                </a:tc>
+                <a:tc>
+                  <a:txBody>
+                    <a:bodyPr/>
+                    <a:lstStyle/>
+                    <a:p>
+                      <a:r>
+                        <a:rPr lang="fr-FR" sz="1200">
+                          <a:solidFill>
+                            <a:srgbClr val="000000"/>
+                          </a:solidFill>
+                          <a:effectLst/>
+                          <a:latin typeface="Helvetica Neue" panose="02000503000000020004" pitchFamily="2" charset="0"/>
+                        </a:rPr>
+                        <a:t>0.037</a:t>
+                      </a:r>
+                      <a:endParaRPr lang="fr-FR" sz="1200">
+                        <a:effectLst/>
+                      </a:endParaRPr>
+                    </a:p>
+                  </a:txBody>
+                  <a:tcPr marL="24940" marR="24940" marT="24940" marB="24940">
+                    <a:lnL w="9525" cap="flat" cmpd="sng" algn="ctr">
+                      <a:solidFill>
+                        <a:srgbClr val="000000"/>
+                      </a:solidFill>
+                      <a:prstDash val="solid"/>
+                      <a:round/>
+                      <a:headEnd type="none" w="med" len="med"/>
+                      <a:tailEnd type="none" w="med" len="med"/>
+                    </a:lnL>
+                    <a:lnR w="9525" cap="flat" cmpd="sng" algn="ctr">
+                      <a:solidFill>
+                        <a:srgbClr val="000000"/>
+                      </a:solidFill>
+                      <a:prstDash val="solid"/>
+                      <a:round/>
+                      <a:headEnd type="none" w="med" len="med"/>
+                      <a:tailEnd type="none" w="med" len="med"/>
+                    </a:lnR>
+                    <a:lnT w="9525" cap="flat" cmpd="sng" algn="ctr">
+                      <a:solidFill>
+                        <a:srgbClr val="000000"/>
+                      </a:solidFill>
+                      <a:prstDash val="solid"/>
+                      <a:round/>
+                      <a:headEnd type="none" w="med" len="med"/>
+                      <a:tailEnd type="none" w="med" len="med"/>
+                    </a:lnT>
+                    <a:lnB w="9525" cap="flat" cmpd="sng" algn="ctr">
+                      <a:solidFill>
+                        <a:srgbClr val="000000"/>
+                      </a:solidFill>
+                      <a:prstDash val="solid"/>
+                      <a:round/>
+                      <a:headEnd type="none" w="med" len="med"/>
+                      <a:tailEnd type="none" w="med" len="med"/>
+                    </a:lnB>
+                  </a:tcPr>
+                </a:tc>
+                <a:tc>
+                  <a:txBody>
+                    <a:bodyPr/>
+                    <a:lstStyle/>
+                    <a:p>
+                      <a:r>
+                        <a:rPr lang="fr-FR" sz="1200">
+                          <a:solidFill>
+                            <a:srgbClr val="000000"/>
+                          </a:solidFill>
+                          <a:effectLst/>
+                          <a:latin typeface="Helvetica Neue" panose="02000503000000020004" pitchFamily="2" charset="0"/>
+                        </a:rPr>
+                        <a:t>0.000</a:t>
+                      </a:r>
+                      <a:endParaRPr lang="fr-FR" sz="1200">
+                        <a:effectLst/>
+                      </a:endParaRPr>
+                    </a:p>
+                  </a:txBody>
+                  <a:tcPr marL="24940" marR="24940" marT="24940" marB="24940">
+                    <a:lnL w="9525" cap="flat" cmpd="sng" algn="ctr">
+                      <a:solidFill>
+                        <a:srgbClr val="000000"/>
+                      </a:solidFill>
+                      <a:prstDash val="solid"/>
+                      <a:round/>
+                      <a:headEnd type="none" w="med" len="med"/>
+                      <a:tailEnd type="none" w="med" len="med"/>
+                    </a:lnL>
+                    <a:lnR w="9525" cap="flat" cmpd="sng" algn="ctr">
+                      <a:solidFill>
+                        <a:srgbClr val="000000"/>
+                      </a:solidFill>
+                      <a:prstDash val="solid"/>
+                      <a:round/>
+                      <a:headEnd type="none" w="med" len="med"/>
+                      <a:tailEnd type="none" w="med" len="med"/>
+                    </a:lnR>
+                    <a:lnT w="9525" cap="flat" cmpd="sng" algn="ctr">
+                      <a:solidFill>
+                        <a:srgbClr val="000000"/>
+                      </a:solidFill>
+                      <a:prstDash val="solid"/>
+                      <a:round/>
+                      <a:headEnd type="none" w="med" len="med"/>
+                      <a:tailEnd type="none" w="med" len="med"/>
+                    </a:lnT>
+                    <a:lnB w="9525" cap="flat" cmpd="sng" algn="ctr">
+                      <a:solidFill>
+                        <a:srgbClr val="000000"/>
+                      </a:solidFill>
+                      <a:prstDash val="solid"/>
+                      <a:round/>
+                      <a:headEnd type="none" w="med" len="med"/>
+                      <a:tailEnd type="none" w="med" len="med"/>
+                    </a:lnB>
+                  </a:tcPr>
+                </a:tc>
+                <a:tc>
+                  <a:txBody>
+                    <a:bodyPr/>
+                    <a:lstStyle/>
+                    <a:p>
+                      <a:r>
+                        <a:rPr lang="fr-FR" sz="1200">
+                          <a:solidFill>
+                            <a:srgbClr val="000000"/>
+                          </a:solidFill>
+                          <a:effectLst/>
+                          <a:latin typeface="Helvetica Neue" panose="02000503000000020004" pitchFamily="2" charset="0"/>
+                        </a:rPr>
+                        <a:t>0.000</a:t>
+                      </a:r>
+                      <a:endParaRPr lang="fr-FR" sz="1200">
+                        <a:effectLst/>
+                      </a:endParaRPr>
+                    </a:p>
+                  </a:txBody>
+                  <a:tcPr marL="24940" marR="24940" marT="24940" marB="24940">
+                    <a:lnL w="9525" cap="flat" cmpd="sng" algn="ctr">
+                      <a:solidFill>
+                        <a:srgbClr val="000000"/>
+                      </a:solidFill>
+                      <a:prstDash val="solid"/>
+                      <a:round/>
+                      <a:headEnd type="none" w="med" len="med"/>
+                      <a:tailEnd type="none" w="med" len="med"/>
+                    </a:lnL>
+                    <a:lnR w="9525" cap="flat" cmpd="sng" algn="ctr">
+                      <a:solidFill>
+                        <a:srgbClr val="000000"/>
+                      </a:solidFill>
+                      <a:prstDash val="solid"/>
+                      <a:round/>
+                      <a:headEnd type="none" w="med" len="med"/>
+                      <a:tailEnd type="none" w="med" len="med"/>
+                    </a:lnR>
+                    <a:lnT w="9525" cap="flat" cmpd="sng" algn="ctr">
+                      <a:solidFill>
+                        <a:srgbClr val="000000"/>
+                      </a:solidFill>
+                      <a:prstDash val="solid"/>
+                      <a:round/>
+                      <a:headEnd type="none" w="med" len="med"/>
+                      <a:tailEnd type="none" w="med" len="med"/>
+                    </a:lnT>
+                    <a:lnB w="9525" cap="flat" cmpd="sng" algn="ctr">
+                      <a:solidFill>
+                        <a:srgbClr val="000000"/>
+                      </a:solidFill>
+                      <a:prstDash val="solid"/>
+                      <a:round/>
+                      <a:headEnd type="none" w="med" len="med"/>
+                      <a:tailEnd type="none" w="med" len="med"/>
+                    </a:lnB>
+                  </a:tcPr>
+                </a:tc>
+                <a:extLst>
+                  <a:ext uri="{0D108BD9-81ED-4DB2-BD59-A6C34878D82A}">
+                    <a16:rowId xmlns:a16="http://schemas.microsoft.com/office/drawing/2014/main" val="4093264961"/>
+                  </a:ext>
+                </a:extLst>
+              </a:tr>
+              <a:tr h="466725">
+                <a:tc>
+                  <a:txBody>
+                    <a:bodyPr/>
+                    <a:lstStyle/>
+                    <a:p>
+                      <a:r>
+                        <a:rPr lang="fr-FR" sz="1200" b="1">
+                          <a:solidFill>
+                            <a:srgbClr val="000000"/>
+                          </a:solidFill>
+                          <a:effectLst/>
+                          <a:latin typeface="Helvetica Neue" panose="02000503000000020004" pitchFamily="2" charset="0"/>
+                        </a:rPr>
+                        <a:t>Theil index</a:t>
+                      </a:r>
+                      <a:endParaRPr lang="fr-FR" sz="1200">
+                        <a:effectLst/>
+                      </a:endParaRPr>
+                    </a:p>
+                  </a:txBody>
+                  <a:tcPr marL="24940" marR="24940" marT="24940" marB="24940">
+                    <a:lnL w="9525" cap="flat" cmpd="sng" algn="ctr">
+                      <a:solidFill>
+                        <a:srgbClr val="000000"/>
+                      </a:solidFill>
+                      <a:prstDash val="solid"/>
+                      <a:round/>
+                      <a:headEnd type="none" w="med" len="med"/>
+                      <a:tailEnd type="none" w="med" len="med"/>
+                    </a:lnL>
+                    <a:lnR w="9525" cap="flat" cmpd="sng" algn="ctr">
+                      <a:solidFill>
+                        <a:srgbClr val="000000"/>
+                      </a:solidFill>
+                      <a:prstDash val="solid"/>
+                      <a:round/>
+                      <a:headEnd type="none" w="med" len="med"/>
+                      <a:tailEnd type="none" w="med" len="med"/>
+                    </a:lnR>
+                    <a:lnT w="9525" cap="flat" cmpd="sng" algn="ctr">
+                      <a:solidFill>
+                        <a:srgbClr val="000000"/>
+                      </a:solidFill>
+                      <a:prstDash val="solid"/>
+                      <a:round/>
+                      <a:headEnd type="none" w="med" len="med"/>
+                      <a:tailEnd type="none" w="med" len="med"/>
+                    </a:lnT>
+                    <a:lnB w="9525" cap="flat" cmpd="sng" algn="ctr">
+                      <a:solidFill>
+                        <a:srgbClr val="000000"/>
+                      </a:solidFill>
+                      <a:prstDash val="solid"/>
+                      <a:round/>
+                      <a:headEnd type="none" w="med" len="med"/>
+                      <a:tailEnd type="none" w="med" len="med"/>
+                    </a:lnB>
+                    <a:solidFill>
+                      <a:srgbClr val="D4D4D4"/>
+                    </a:solidFill>
+                  </a:tcPr>
+                </a:tc>
+                <a:tc>
+                  <a:txBody>
+                    <a:bodyPr/>
+                    <a:lstStyle/>
+                    <a:p>
+                      <a:r>
+                        <a:rPr lang="fr-FR" sz="1200">
+                          <a:solidFill>
+                            <a:srgbClr val="000000"/>
+                          </a:solidFill>
+                          <a:effectLst/>
+                          <a:latin typeface="Helvetica Neue" panose="02000503000000020004" pitchFamily="2" charset="0"/>
+                        </a:rPr>
+                        <a:t>0.035</a:t>
+                      </a:r>
+                      <a:endParaRPr lang="fr-FR" sz="1200">
+                        <a:effectLst/>
+                      </a:endParaRPr>
+                    </a:p>
+                  </a:txBody>
+                  <a:tcPr marL="24940" marR="24940" marT="24940" marB="24940">
+                    <a:lnL w="9525" cap="flat" cmpd="sng" algn="ctr">
+                      <a:solidFill>
+                        <a:srgbClr val="000000"/>
+                      </a:solidFill>
+                      <a:prstDash val="solid"/>
+                      <a:round/>
+                      <a:headEnd type="none" w="med" len="med"/>
+                      <a:tailEnd type="none" w="med" len="med"/>
+                    </a:lnL>
+                    <a:lnR w="9525" cap="flat" cmpd="sng" algn="ctr">
+                      <a:solidFill>
+                        <a:srgbClr val="000000"/>
+                      </a:solidFill>
+                      <a:prstDash val="solid"/>
+                      <a:round/>
+                      <a:headEnd type="none" w="med" len="med"/>
+                      <a:tailEnd type="none" w="med" len="med"/>
+                    </a:lnR>
+                    <a:lnT w="9525" cap="flat" cmpd="sng" algn="ctr">
+                      <a:solidFill>
+                        <a:srgbClr val="000000"/>
+                      </a:solidFill>
+                      <a:prstDash val="solid"/>
+                      <a:round/>
+                      <a:headEnd type="none" w="med" len="med"/>
+                      <a:tailEnd type="none" w="med" len="med"/>
+                    </a:lnT>
+                    <a:lnB w="9525" cap="flat" cmpd="sng" algn="ctr">
+                      <a:solidFill>
+                        <a:srgbClr val="000000"/>
+                      </a:solidFill>
+                      <a:prstDash val="solid"/>
+                      <a:round/>
+                      <a:headEnd type="none" w="med" len="med"/>
+                      <a:tailEnd type="none" w="med" len="med"/>
+                    </a:lnB>
+                  </a:tcPr>
+                </a:tc>
+                <a:tc>
+                  <a:txBody>
+                    <a:bodyPr/>
+                    <a:lstStyle/>
+                    <a:p>
+                      <a:r>
+                        <a:rPr lang="fr-FR" sz="1200">
+                          <a:solidFill>
+                            <a:srgbClr val="000000"/>
+                          </a:solidFill>
+                          <a:effectLst/>
+                          <a:latin typeface="Helvetica Neue" panose="02000503000000020004" pitchFamily="2" charset="0"/>
+                        </a:rPr>
+                        <a:t>0.012</a:t>
+                      </a:r>
+                      <a:endParaRPr lang="fr-FR" sz="1200">
+                        <a:effectLst/>
+                      </a:endParaRPr>
+                    </a:p>
+                  </a:txBody>
+                  <a:tcPr marL="24940" marR="24940" marT="24940" marB="24940">
+                    <a:lnL w="9525" cap="flat" cmpd="sng" algn="ctr">
+                      <a:solidFill>
+                        <a:srgbClr val="000000"/>
+                      </a:solidFill>
+                      <a:prstDash val="solid"/>
+                      <a:round/>
+                      <a:headEnd type="none" w="med" len="med"/>
+                      <a:tailEnd type="none" w="med" len="med"/>
+                    </a:lnL>
+                    <a:lnR w="9525" cap="flat" cmpd="sng" algn="ctr">
+                      <a:solidFill>
+                        <a:srgbClr val="000000"/>
+                      </a:solidFill>
+                      <a:prstDash val="solid"/>
+                      <a:round/>
+                      <a:headEnd type="none" w="med" len="med"/>
+                      <a:tailEnd type="none" w="med" len="med"/>
+                    </a:lnR>
+                    <a:lnT w="9525" cap="flat" cmpd="sng" algn="ctr">
+                      <a:solidFill>
+                        <a:srgbClr val="000000"/>
+                      </a:solidFill>
+                      <a:prstDash val="solid"/>
+                      <a:round/>
+                      <a:headEnd type="none" w="med" len="med"/>
+                      <a:tailEnd type="none" w="med" len="med"/>
+                    </a:lnT>
+                    <a:lnB w="9525" cap="flat" cmpd="sng" algn="ctr">
+                      <a:solidFill>
+                        <a:srgbClr val="000000"/>
+                      </a:solidFill>
+                      <a:prstDash val="solid"/>
+                      <a:round/>
+                      <a:headEnd type="none" w="med" len="med"/>
+                      <a:tailEnd type="none" w="med" len="med"/>
+                    </a:lnB>
+                  </a:tcPr>
+                </a:tc>
+                <a:tc>
+                  <a:txBody>
+                    <a:bodyPr/>
+                    <a:lstStyle/>
+                    <a:p>
+                      <a:r>
+                        <a:rPr lang="fr-FR" sz="1200">
+                          <a:solidFill>
+                            <a:srgbClr val="000000"/>
+                          </a:solidFill>
+                          <a:effectLst/>
+                          <a:latin typeface="Helvetica Neue" panose="02000503000000020004" pitchFamily="2" charset="0"/>
+                        </a:rPr>
+                        <a:t>0.000</a:t>
+                      </a:r>
+                      <a:endParaRPr lang="fr-FR" sz="1200">
+                        <a:effectLst/>
+                      </a:endParaRPr>
+                    </a:p>
+                  </a:txBody>
+                  <a:tcPr marL="24940" marR="24940" marT="24940" marB="24940">
+                    <a:lnL w="9525" cap="flat" cmpd="sng" algn="ctr">
+                      <a:solidFill>
+                        <a:srgbClr val="000000"/>
+                      </a:solidFill>
+                      <a:prstDash val="solid"/>
+                      <a:round/>
+                      <a:headEnd type="none" w="med" len="med"/>
+                      <a:tailEnd type="none" w="med" len="med"/>
+                    </a:lnL>
+                    <a:lnR w="9525" cap="flat" cmpd="sng" algn="ctr">
+                      <a:solidFill>
+                        <a:srgbClr val="000000"/>
+                      </a:solidFill>
+                      <a:prstDash val="solid"/>
+                      <a:round/>
+                      <a:headEnd type="none" w="med" len="med"/>
+                      <a:tailEnd type="none" w="med" len="med"/>
+                    </a:lnR>
+                    <a:lnT w="9525" cap="flat" cmpd="sng" algn="ctr">
+                      <a:solidFill>
+                        <a:srgbClr val="000000"/>
+                      </a:solidFill>
+                      <a:prstDash val="solid"/>
+                      <a:round/>
+                      <a:headEnd type="none" w="med" len="med"/>
+                      <a:tailEnd type="none" w="med" len="med"/>
+                    </a:lnT>
+                    <a:lnB w="9525" cap="flat" cmpd="sng" algn="ctr">
+                      <a:solidFill>
+                        <a:srgbClr val="000000"/>
+                      </a:solidFill>
+                      <a:prstDash val="solid"/>
+                      <a:round/>
+                      <a:headEnd type="none" w="med" len="med"/>
+                      <a:tailEnd type="none" w="med" len="med"/>
+                    </a:lnB>
+                  </a:tcPr>
+                </a:tc>
+                <a:tc>
+                  <a:txBody>
+                    <a:bodyPr/>
+                    <a:lstStyle/>
+                    <a:p>
+                      <a:r>
+                        <a:rPr lang="fr-FR" sz="1200" dirty="0">
+                          <a:solidFill>
+                            <a:srgbClr val="000000"/>
+                          </a:solidFill>
+                          <a:effectLst/>
+                          <a:latin typeface="Helvetica Neue" panose="02000503000000020004" pitchFamily="2" charset="0"/>
+                        </a:rPr>
+                        <a:t>0.040</a:t>
+                      </a:r>
+                      <a:endParaRPr lang="fr-FR" sz="1200" dirty="0">
+                        <a:effectLst/>
+                      </a:endParaRPr>
+                    </a:p>
+                  </a:txBody>
+                  <a:tcPr marL="24940" marR="24940" marT="24940" marB="24940">
+                    <a:lnL w="9525" cap="flat" cmpd="sng" algn="ctr">
+                      <a:solidFill>
+                        <a:srgbClr val="000000"/>
+                      </a:solidFill>
+                      <a:prstDash val="solid"/>
+                      <a:round/>
+                      <a:headEnd type="none" w="med" len="med"/>
+                      <a:tailEnd type="none" w="med" len="med"/>
+                    </a:lnL>
+                    <a:lnR w="9525" cap="flat" cmpd="sng" algn="ctr">
+                      <a:solidFill>
+                        <a:srgbClr val="000000"/>
+                      </a:solidFill>
+                      <a:prstDash val="solid"/>
+                      <a:round/>
+                      <a:headEnd type="none" w="med" len="med"/>
+                      <a:tailEnd type="none" w="med" len="med"/>
+                    </a:lnR>
+                    <a:lnT w="9525" cap="flat" cmpd="sng" algn="ctr">
+                      <a:solidFill>
+                        <a:srgbClr val="000000"/>
+                      </a:solidFill>
+                      <a:prstDash val="solid"/>
+                      <a:round/>
+                      <a:headEnd type="none" w="med" len="med"/>
+                      <a:tailEnd type="none" w="med" len="med"/>
+                    </a:lnT>
+                    <a:lnB w="9525" cap="flat" cmpd="sng" algn="ctr">
+                      <a:solidFill>
+                        <a:srgbClr val="000000"/>
+                      </a:solidFill>
+                      <a:prstDash val="solid"/>
+                      <a:round/>
+                      <a:headEnd type="none" w="med" len="med"/>
+                      <a:tailEnd type="none" w="med" len="med"/>
+                    </a:lnB>
+                  </a:tcPr>
+                </a:tc>
+                <a:extLst>
+                  <a:ext uri="{0D108BD9-81ED-4DB2-BD59-A6C34878D82A}">
+                    <a16:rowId xmlns:a16="http://schemas.microsoft.com/office/drawing/2014/main" val="2536843206"/>
                   </a:ext>
                 </a:extLst>
               </a:tr>
@@ -6252,6 +8467,89 @@
     <p:extLst>
       <p:ext uri="{BB962C8B-B14F-4D97-AF65-F5344CB8AC3E}">
         <p14:creationId xmlns:p14="http://schemas.microsoft.com/office/powerpoint/2010/main" val="262392862"/>
+      </p:ext>
+    </p:extLst>
+  </p:cSld>
+  <p:clrMapOvr>
+    <a:masterClrMapping/>
+  </p:clrMapOvr>
+</p:sld>
+</file>
+
+<file path=ppt/slides/slide8.xml><?xml version="1.0" encoding="utf-8"?>
+<p:sld xmlns:a="http://schemas.openxmlformats.org/drawingml/2006/main" xmlns:r="http://schemas.openxmlformats.org/officeDocument/2006/relationships" xmlns:p="http://schemas.openxmlformats.org/presentationml/2006/main">
+  <p:cSld>
+    <p:spTree>
+      <p:nvGrpSpPr>
+        <p:cNvPr id="1" name=""/>
+        <p:cNvGrpSpPr/>
+        <p:nvPr/>
+      </p:nvGrpSpPr>
+      <p:grpSpPr>
+        <a:xfrm>
+          <a:off x="0" y="0"/>
+          <a:ext cx="0" cy="0"/>
+          <a:chOff x="0" y="0"/>
+          <a:chExt cx="0" cy="0"/>
+        </a:xfrm>
+      </p:grpSpPr>
+      <p:sp>
+        <p:nvSpPr>
+          <p:cNvPr id="2" name="Titre 1">
+            <a:extLst>
+              <a:ext uri="{FF2B5EF4-FFF2-40B4-BE49-F238E27FC236}">
+                <a16:creationId xmlns:a16="http://schemas.microsoft.com/office/drawing/2014/main" id="{2077AC37-3059-2E98-B60F-5A19635FE7A6}"/>
+              </a:ext>
+            </a:extLst>
+          </p:cNvPr>
+          <p:cNvSpPr>
+            <a:spLocks noGrp="1"/>
+          </p:cNvSpPr>
+          <p:nvPr>
+            <p:ph type="title"/>
+          </p:nvPr>
+        </p:nvSpPr>
+        <p:spPr/>
+        <p:txBody>
+          <a:bodyPr/>
+          <a:lstStyle/>
+          <a:p>
+            <a:r>
+              <a:rPr lang="fr-FR" dirty="0"/>
+              <a:t>Conclusion</a:t>
+            </a:r>
+          </a:p>
+        </p:txBody>
+      </p:sp>
+      <p:sp>
+        <p:nvSpPr>
+          <p:cNvPr id="3" name="Espace réservé du contenu 2">
+            <a:extLst>
+              <a:ext uri="{FF2B5EF4-FFF2-40B4-BE49-F238E27FC236}">
+                <a16:creationId xmlns:a16="http://schemas.microsoft.com/office/drawing/2014/main" id="{886F09EC-AE4F-EBE6-D1A8-2B23E200F818}"/>
+              </a:ext>
+            </a:extLst>
+          </p:cNvPr>
+          <p:cNvSpPr>
+            <a:spLocks noGrp="1"/>
+          </p:cNvSpPr>
+          <p:nvPr>
+            <p:ph idx="1"/>
+          </p:nvPr>
+        </p:nvSpPr>
+        <p:spPr/>
+        <p:txBody>
+          <a:bodyPr/>
+          <a:lstStyle/>
+          <a:p>
+            <a:endParaRPr lang="fr-FR"/>
+          </a:p>
+        </p:txBody>
+      </p:sp>
+    </p:spTree>
+    <p:extLst>
+      <p:ext uri="{BB962C8B-B14F-4D97-AF65-F5344CB8AC3E}">
+        <p14:creationId xmlns:p14="http://schemas.microsoft.com/office/powerpoint/2010/main" val="2737714119"/>
       </p:ext>
     </p:extLst>
   </p:cSld>

--- a/Présentation.pptx
+++ b/Présentation.pptx
@@ -10,7 +10,7 @@
     <p:sldId id="258" r:id="rId4"/>
     <p:sldId id="259" r:id="rId5"/>
     <p:sldId id="260" r:id="rId6"/>
-    <p:sldId id="263" r:id="rId7"/>
+    <p:sldId id="265" r:id="rId7"/>
     <p:sldId id="262" r:id="rId8"/>
     <p:sldId id="264" r:id="rId9"/>
   </p:sldIdLst>
@@ -289,7 +289,7 @@
             <a:fld id="{87DE6118-2437-4B30-8E3C-4D2BE6020583}" type="datetimeFigureOut">
               <a:rPr lang="en-US" dirty="0"/>
               <a:pPr/>
-              <a:t>3/2/23</a:t>
+              <a:t>3/4/23</a:t>
             </a:fld>
             <a:endParaRPr lang="en-US" dirty="0"/>
           </a:p>
@@ -615,7 +615,7 @@
           <a:p>
             <a:fld id="{87DE6118-2437-4B30-8E3C-4D2BE6020583}" type="datetimeFigureOut">
               <a:rPr lang="en-US" dirty="0"/>
-              <a:t>3/2/23</a:t>
+              <a:t>3/4/23</a:t>
             </a:fld>
             <a:endParaRPr lang="en-US" dirty="0"/>
           </a:p>
@@ -790,7 +790,7 @@
           <a:p>
             <a:fld id="{87DE6118-2437-4B30-8E3C-4D2BE6020583}" type="datetimeFigureOut">
               <a:rPr lang="en-US" dirty="0"/>
-              <a:t>3/2/23</a:t>
+              <a:t>3/4/23</a:t>
             </a:fld>
             <a:endParaRPr lang="en-US" dirty="0"/>
           </a:p>
@@ -955,7 +955,7 @@
           <a:p>
             <a:fld id="{87DE6118-2437-4B30-8E3C-4D2BE6020583}" type="datetimeFigureOut">
               <a:rPr lang="en-US" dirty="0"/>
-              <a:t>3/2/23</a:t>
+              <a:t>3/4/23</a:t>
             </a:fld>
             <a:endParaRPr lang="en-US" dirty="0"/>
           </a:p>
@@ -1228,7 +1228,7 @@
             <a:fld id="{87DE6118-2437-4B30-8E3C-4D2BE6020583}" type="datetimeFigureOut">
               <a:rPr lang="en-US" dirty="0"/>
               <a:pPr/>
-              <a:t>3/2/23</a:t>
+              <a:t>3/4/23</a:t>
             </a:fld>
             <a:endParaRPr lang="en-US" dirty="0"/>
           </a:p>
@@ -1618,7 +1618,7 @@
           <a:p>
             <a:fld id="{87DE6118-2437-4B30-8E3C-4D2BE6020583}" type="datetimeFigureOut">
               <a:rPr lang="en-US" dirty="0"/>
-              <a:t>3/2/23</a:t>
+              <a:t>3/4/23</a:t>
             </a:fld>
             <a:endParaRPr lang="en-US" dirty="0"/>
           </a:p>
@@ -2090,7 +2090,7 @@
           <a:p>
             <a:fld id="{87DE6118-2437-4B30-8E3C-4D2BE6020583}" type="datetimeFigureOut">
               <a:rPr lang="en-US" dirty="0"/>
-              <a:t>3/2/23</a:t>
+              <a:t>3/4/23</a:t>
             </a:fld>
             <a:endParaRPr lang="en-US" dirty="0"/>
           </a:p>
@@ -2203,7 +2203,7 @@
           <a:p>
             <a:fld id="{87DE6118-2437-4B30-8E3C-4D2BE6020583}" type="datetimeFigureOut">
               <a:rPr lang="en-US" dirty="0"/>
-              <a:t>3/2/23</a:t>
+              <a:t>3/4/23</a:t>
             </a:fld>
             <a:endParaRPr lang="en-US" dirty="0"/>
           </a:p>
@@ -2293,7 +2293,7 @@
           <a:p>
             <a:fld id="{87DE6118-2437-4B30-8E3C-4D2BE6020583}" type="datetimeFigureOut">
               <a:rPr lang="en-US" dirty="0"/>
-              <a:t>3/2/23</a:t>
+              <a:t>3/4/23</a:t>
             </a:fld>
             <a:endParaRPr lang="en-US" dirty="0"/>
           </a:p>
@@ -2635,7 +2635,7 @@
             <a:fld id="{87DE6118-2437-4B30-8E3C-4D2BE6020583}" type="datetimeFigureOut">
               <a:rPr lang="en-US" dirty="0"/>
               <a:pPr/>
-              <a:t>3/2/23</a:t>
+              <a:t>3/4/23</a:t>
             </a:fld>
             <a:endParaRPr lang="en-US" dirty="0"/>
           </a:p>
@@ -3020,7 +3020,7 @@
             <a:fld id="{87DE6118-2437-4B30-8E3C-4D2BE6020583}" type="datetimeFigureOut">
               <a:rPr lang="en-US" dirty="0"/>
               <a:pPr/>
-              <a:t>3/2/23</a:t>
+              <a:t>3/4/23</a:t>
             </a:fld>
             <a:endParaRPr lang="en-US" dirty="0"/>
           </a:p>
@@ -3295,7 +3295,7 @@
             <a:fld id="{87DE6118-2437-4B30-8E3C-4D2BE6020583}" type="datetimeFigureOut">
               <a:rPr lang="en-US" dirty="0"/>
               <a:pPr/>
-              <a:t>3/2/23</a:t>
+              <a:t>3/4/23</a:t>
             </a:fld>
             <a:endParaRPr lang="en-US" dirty="0"/>
           </a:p>
@@ -3904,8 +3904,74 @@
               <a:t>Ricci Use Case</a:t>
             </a:r>
           </a:p>
+          <a:p>
+            <a:r>
+              <a:rPr lang="fr-FR" dirty="0"/>
+              <a:t>Yohan ISMAËL</a:t>
+            </a:r>
+          </a:p>
         </p:txBody>
       </p:sp>
+      <p:pic>
+        <p:nvPicPr>
+          <p:cNvPr id="7" name="Image 6">
+            <a:extLst>
+              <a:ext uri="{FF2B5EF4-FFF2-40B4-BE49-F238E27FC236}">
+                <a16:creationId xmlns:a16="http://schemas.microsoft.com/office/drawing/2014/main" id="{3E32D772-D460-8BD5-BBF3-270D418C7326}"/>
+              </a:ext>
+            </a:extLst>
+          </p:cNvPr>
+          <p:cNvPicPr>
+            <a:picLocks noChangeAspect="1"/>
+          </p:cNvPicPr>
+          <p:nvPr/>
+        </p:nvPicPr>
+        <p:blipFill>
+          <a:blip r:embed="rId2"/>
+          <a:stretch>
+            <a:fillRect/>
+          </a:stretch>
+        </p:blipFill>
+        <p:spPr>
+          <a:xfrm>
+            <a:off x="1350158" y="5540251"/>
+            <a:ext cx="3372592" cy="1124197"/>
+          </a:xfrm>
+          <a:prstGeom prst="rect">
+            <a:avLst/>
+          </a:prstGeom>
+        </p:spPr>
+      </p:pic>
+      <p:pic>
+        <p:nvPicPr>
+          <p:cNvPr id="9" name="Image 8">
+            <a:extLst>
+              <a:ext uri="{FF2B5EF4-FFF2-40B4-BE49-F238E27FC236}">
+                <a16:creationId xmlns:a16="http://schemas.microsoft.com/office/drawing/2014/main" id="{07AB393D-3C6F-BC7A-6EE6-230EFDBC594C}"/>
+              </a:ext>
+            </a:extLst>
+          </p:cNvPr>
+          <p:cNvPicPr>
+            <a:picLocks noChangeAspect="1"/>
+          </p:cNvPicPr>
+          <p:nvPr/>
+        </p:nvPicPr>
+        <p:blipFill>
+          <a:blip r:embed="rId3"/>
+          <a:stretch>
+            <a:fillRect/>
+          </a:stretch>
+        </p:blipFill>
+        <p:spPr>
+          <a:xfrm>
+            <a:off x="3958" y="5346700"/>
+            <a:ext cx="1346200" cy="1511300"/>
+          </a:xfrm>
+          <a:prstGeom prst="rect">
+            <a:avLst/>
+          </a:prstGeom>
+        </p:spPr>
+      </p:pic>
     </p:spTree>
     <p:extLst>
       <p:ext uri="{BB962C8B-B14F-4D97-AF65-F5344CB8AC3E}">
@@ -5663,7 +5729,7 @@
           <p:cNvPr id="2" name="Titre 1">
             <a:extLst>
               <a:ext uri="{FF2B5EF4-FFF2-40B4-BE49-F238E27FC236}">
-                <a16:creationId xmlns:a16="http://schemas.microsoft.com/office/drawing/2014/main" id="{C7C4FDA4-5CE9-9802-16D1-B09080AE3951}"/>
+                <a16:creationId xmlns:a16="http://schemas.microsoft.com/office/drawing/2014/main" id="{996DAD2E-6E24-B910-BAA9-FE8285E0D4C5}"/>
               </a:ext>
             </a:extLst>
           </p:cNvPr>
@@ -5680,20 +5746,16 @@
           <a:lstStyle/>
           <a:p>
             <a:r>
+              <a:rPr lang="fr-FR" dirty="0"/>
+              <a:t>In </a:t>
+            </a:r>
+            <a:r>
               <a:rPr lang="fr-FR" dirty="0" err="1"/>
-              <a:t>Grid</a:t>
+              <a:t>processing</a:t>
             </a:r>
             <a:r>
               <a:rPr lang="fr-FR" dirty="0"/>
-              <a:t> </a:t>
-            </a:r>
-            <a:r>
-              <a:rPr lang="fr-FR" dirty="0" err="1"/>
-              <a:t>Search</a:t>
-            </a:r>
-            <a:r>
-              <a:rPr lang="fr-FR" dirty="0"/>
-              <a:t> Reduction</a:t>
+              <a:t> Techniques</a:t>
             </a:r>
           </a:p>
         </p:txBody>
@@ -5703,7 +5765,7 @@
           <p:cNvPr id="3" name="Espace réservé du contenu 2">
             <a:extLst>
               <a:ext uri="{FF2B5EF4-FFF2-40B4-BE49-F238E27FC236}">
-                <a16:creationId xmlns:a16="http://schemas.microsoft.com/office/drawing/2014/main" id="{82E8EAF3-7407-91F1-8B8E-DD3617528521}"/>
+                <a16:creationId xmlns:a16="http://schemas.microsoft.com/office/drawing/2014/main" id="{34F5CEA8-D40A-4230-3223-7FF823CD7151}"/>
               </a:ext>
             </a:extLst>
           </p:cNvPr>
@@ -5724,42 +5786,28 @@
                 <a:solidFill>
                   <a:schemeClr val="tx1"/>
                 </a:solidFill>
-                <a:latin typeface="Lato" panose="020F0502020204030204" pitchFamily="34" charset="0"/>
-              </a:rPr>
-              <a:t>I</a:t>
-            </a:r>
-            <a:r>
-              <a:rPr lang="fr-FR" b="0" i="0" u="none" strike="noStrike" dirty="0">
-                <a:solidFill>
-                  <a:schemeClr val="tx1"/>
-                </a:solidFill>
-                <a:effectLst/>
-                <a:latin typeface="Lato" panose="020F0502020204030204" pitchFamily="34" charset="0"/>
-              </a:rPr>
-              <a:t>n-</a:t>
-            </a:r>
-            <a:r>
-              <a:rPr lang="fr-FR" b="0" i="0" u="none" strike="noStrike" dirty="0" err="1">
-                <a:solidFill>
-                  <a:schemeClr val="tx1"/>
-                </a:solidFill>
-                <a:effectLst/>
-                <a:latin typeface="Lato" panose="020F0502020204030204" pitchFamily="34" charset="0"/>
+                <a:latin typeface="Lato" panose="020F0502020204030203" pitchFamily="34" charset="0"/>
+              </a:rPr>
+              <a:t>In </a:t>
+            </a:r>
+            <a:r>
+              <a:rPr lang="fr-FR" dirty="0" err="1">
+                <a:solidFill>
+                  <a:schemeClr val="tx1"/>
+                </a:solidFill>
+                <a:latin typeface="Lato" panose="020F0502020204030203" pitchFamily="34" charset="0"/>
               </a:rPr>
               <a:t>processing</a:t>
             </a:r>
             <a:r>
-              <a:rPr lang="fr-FR" b="0" i="0" u="none" strike="noStrike" dirty="0">
-                <a:solidFill>
-                  <a:schemeClr val="tx1"/>
-                </a:solidFill>
-                <a:effectLst/>
-                <a:latin typeface="Lato" panose="020F0502020204030204" pitchFamily="34" charset="0"/>
-              </a:rPr>
-              <a:t> technique</a:t>
-            </a:r>
-          </a:p>
-          <a:p>
+              <a:rPr lang="fr-FR" dirty="0">
+                <a:solidFill>
+                  <a:schemeClr val="tx1"/>
+                </a:solidFill>
+                <a:latin typeface="Lato" panose="020F0502020204030203" pitchFamily="34" charset="0"/>
+              </a:rPr>
+              <a:t> techniques are </a:t>
+            </a:r>
             <a:r>
               <a:rPr lang="fr-FR" dirty="0" err="1">
                 <a:solidFill>
@@ -5767,304 +5815,572 @@
                 </a:solidFill>
                 <a:latin typeface="Lato" panose="020F0502020204030203" pitchFamily="34" charset="0"/>
               </a:rPr>
-              <a:t>R</a:t>
-            </a:r>
-            <a:r>
-              <a:rPr lang="fr-FR" b="0" i="0" u="none" strike="noStrike" dirty="0" err="1">
-                <a:solidFill>
-                  <a:schemeClr val="tx1"/>
-                </a:solidFill>
-                <a:effectLst/>
+              <a:t>used</a:t>
+            </a:r>
+            <a:r>
+              <a:rPr lang="fr-FR" dirty="0">
+                <a:solidFill>
+                  <a:schemeClr val="tx1"/>
+                </a:solidFill>
                 <a:latin typeface="Lato" panose="020F0502020204030203" pitchFamily="34" charset="0"/>
               </a:rPr>
-              <a:t>eturning</a:t>
-            </a:r>
-            <a:r>
-              <a:rPr lang="fr-FR" b="0" i="0" u="none" strike="noStrike" dirty="0">
-                <a:solidFill>
-                  <a:schemeClr val="tx1"/>
-                </a:solidFill>
-                <a:effectLst/>
+              <a:t> to have a </a:t>
+            </a:r>
+            <a:r>
+              <a:rPr lang="fr-FR" dirty="0" err="1">
+                <a:solidFill>
+                  <a:schemeClr val="tx1"/>
+                </a:solidFill>
                 <a:latin typeface="Lato" panose="020F0502020204030203" pitchFamily="34" charset="0"/>
               </a:rPr>
+              <a:t>fair</a:t>
+            </a:r>
+            <a:r>
+              <a:rPr lang="fr-FR" dirty="0">
+                <a:solidFill>
+                  <a:schemeClr val="tx1"/>
+                </a:solidFill>
+                <a:latin typeface="Lato" panose="020F0502020204030203" pitchFamily="34" charset="0"/>
+              </a:rPr>
+              <a:t> classifier </a:t>
+            </a:r>
+            <a:r>
+              <a:rPr lang="fr-FR" dirty="0" err="1">
+                <a:solidFill>
+                  <a:schemeClr val="tx1"/>
+                </a:solidFill>
+                <a:latin typeface="Lato" panose="020F0502020204030203" pitchFamily="34" charset="0"/>
+              </a:rPr>
+              <a:t>without</a:t>
+            </a:r>
+            <a:r>
+              <a:rPr lang="fr-FR" dirty="0">
+                <a:solidFill>
+                  <a:schemeClr val="tx1"/>
+                </a:solidFill>
+                <a:latin typeface="Lato" panose="020F0502020204030203" pitchFamily="34" charset="0"/>
+              </a:rPr>
+              <a:t> </a:t>
+            </a:r>
+            <a:r>
+              <a:rPr lang="fr-FR" dirty="0" err="1">
+                <a:solidFill>
+                  <a:schemeClr val="tx1"/>
+                </a:solidFill>
+                <a:latin typeface="Lato" panose="020F0502020204030203" pitchFamily="34" charset="0"/>
+              </a:rPr>
+              <a:t>other</a:t>
+            </a:r>
+            <a:r>
+              <a:rPr lang="fr-FR" dirty="0">
+                <a:solidFill>
+                  <a:schemeClr val="tx1"/>
+                </a:solidFill>
+                <a:latin typeface="Lato" panose="020F0502020204030203" pitchFamily="34" charset="0"/>
+              </a:rPr>
+              <a:t> </a:t>
+            </a:r>
+            <a:r>
+              <a:rPr lang="fr-FR" dirty="0" err="1">
+                <a:solidFill>
+                  <a:schemeClr val="tx1"/>
+                </a:solidFill>
+                <a:latin typeface="Lato" panose="020F0502020204030203" pitchFamily="34" charset="0"/>
+              </a:rPr>
+              <a:t>processing</a:t>
+            </a:r>
+            <a:r>
+              <a:rPr lang="fr-FR" dirty="0">
+                <a:solidFill>
+                  <a:schemeClr val="tx1"/>
+                </a:solidFill>
+                <a:latin typeface="Lato" panose="020F0502020204030203" pitchFamily="34" charset="0"/>
+              </a:rPr>
+              <a:t> techniques, </a:t>
+            </a:r>
+            <a:r>
+              <a:rPr lang="fr-FR" dirty="0" err="1">
+                <a:solidFill>
+                  <a:schemeClr val="tx1"/>
+                </a:solidFill>
+                <a:latin typeface="Lato" panose="020F0502020204030203" pitchFamily="34" charset="0"/>
+              </a:rPr>
+              <a:t>we</a:t>
+            </a:r>
+            <a:r>
+              <a:rPr lang="fr-FR" dirty="0">
+                <a:solidFill>
+                  <a:schemeClr val="tx1"/>
+                </a:solidFill>
+                <a:latin typeface="Lato" panose="020F0502020204030203" pitchFamily="34" charset="0"/>
+              </a:rPr>
+              <a:t> </a:t>
+            </a:r>
+            <a:r>
+              <a:rPr lang="fr-FR" dirty="0" err="1">
+                <a:solidFill>
+                  <a:schemeClr val="tx1"/>
+                </a:solidFill>
+                <a:latin typeface="Lato" panose="020F0502020204030203" pitchFamily="34" charset="0"/>
+              </a:rPr>
+              <a:t>will</a:t>
+            </a:r>
+            <a:r>
+              <a:rPr lang="fr-FR" dirty="0">
+                <a:solidFill>
+                  <a:schemeClr val="tx1"/>
+                </a:solidFill>
+                <a:latin typeface="Lato" panose="020F0502020204030203" pitchFamily="34" charset="0"/>
+              </a:rPr>
+              <a:t> use 2 of </a:t>
+            </a:r>
+            <a:r>
+              <a:rPr lang="fr-FR" dirty="0" err="1">
+                <a:solidFill>
+                  <a:schemeClr val="tx1"/>
+                </a:solidFill>
+                <a:latin typeface="Lato" panose="020F0502020204030203" pitchFamily="34" charset="0"/>
+              </a:rPr>
+              <a:t>them</a:t>
+            </a:r>
+            <a:r>
+              <a:rPr lang="fr-FR" dirty="0">
+                <a:solidFill>
+                  <a:schemeClr val="tx1"/>
+                </a:solidFill>
+                <a:latin typeface="Lato" panose="020F0502020204030203" pitchFamily="34" charset="0"/>
+              </a:rPr>
+              <a:t>.</a:t>
+            </a:r>
+          </a:p>
+          <a:p>
+            <a:r>
+              <a:rPr lang="fr-FR" sz="2000" dirty="0" err="1">
+                <a:solidFill>
+                  <a:schemeClr val="tx1"/>
+                </a:solidFill>
+                <a:latin typeface="Lato" panose="020F0502020204030203" pitchFamily="34" charset="0"/>
+              </a:rPr>
+              <a:t>Prejudice</a:t>
+            </a:r>
+            <a:r>
+              <a:rPr lang="fr-FR" sz="2000" dirty="0">
+                <a:solidFill>
+                  <a:schemeClr val="tx1"/>
+                </a:solidFill>
+                <a:latin typeface="Lato" panose="020F0502020204030203" pitchFamily="34" charset="0"/>
+              </a:rPr>
+              <a:t> </a:t>
+            </a:r>
+            <a:r>
+              <a:rPr lang="fr-FR" sz="2000" dirty="0" err="1">
+                <a:solidFill>
+                  <a:schemeClr val="tx1"/>
+                </a:solidFill>
+                <a:latin typeface="Lato" panose="020F0502020204030203" pitchFamily="34" charset="0"/>
+              </a:rPr>
+              <a:t>Remover</a:t>
+            </a:r>
+            <a:r>
+              <a:rPr lang="fr-FR" sz="2000" dirty="0">
+                <a:solidFill>
+                  <a:schemeClr val="tx1"/>
+                </a:solidFill>
+                <a:latin typeface="Lato" panose="020F0502020204030203" pitchFamily="34" charset="0"/>
+              </a:rPr>
+              <a:t> : </a:t>
+            </a:r>
+            <a:r>
+              <a:rPr lang="fr-FR" sz="2000" dirty="0" err="1">
+                <a:solidFill>
+                  <a:schemeClr val="tx1"/>
+                </a:solidFill>
+                <a:latin typeface="Lato" panose="020F0502020204030203" pitchFamily="34" charset="0"/>
+              </a:rPr>
+              <a:t>Adds</a:t>
+            </a:r>
+            <a:r>
+              <a:rPr lang="fr-FR" sz="2000" dirty="0">
+                <a:solidFill>
+                  <a:schemeClr val="tx1"/>
+                </a:solidFill>
+                <a:latin typeface="Lato" panose="020F0502020204030203" pitchFamily="34" charset="0"/>
+              </a:rPr>
+              <a:t> a discrimination-</a:t>
+            </a:r>
+            <a:r>
+              <a:rPr lang="fr-FR" sz="2000" dirty="0" err="1">
+                <a:solidFill>
+                  <a:schemeClr val="tx1"/>
+                </a:solidFill>
+                <a:latin typeface="Lato" panose="020F0502020204030203" pitchFamily="34" charset="0"/>
+              </a:rPr>
+              <a:t>aware</a:t>
+            </a:r>
+            <a:r>
+              <a:rPr lang="fr-FR" sz="2000" dirty="0">
+                <a:solidFill>
+                  <a:schemeClr val="tx1"/>
+                </a:solidFill>
+                <a:latin typeface="Lato" panose="020F0502020204030203" pitchFamily="34" charset="0"/>
+              </a:rPr>
+              <a:t> </a:t>
+            </a:r>
+            <a:r>
+              <a:rPr lang="fr-FR" sz="2000" dirty="0" err="1">
+                <a:solidFill>
+                  <a:schemeClr val="tx1"/>
+                </a:solidFill>
+                <a:latin typeface="Lato" panose="020F0502020204030203" pitchFamily="34" charset="0"/>
+              </a:rPr>
+              <a:t>regularization</a:t>
+            </a:r>
+            <a:r>
+              <a:rPr lang="fr-FR" sz="2000" dirty="0">
+                <a:solidFill>
+                  <a:schemeClr val="tx1"/>
+                </a:solidFill>
+                <a:latin typeface="Lato" panose="020F0502020204030203" pitchFamily="34" charset="0"/>
+              </a:rPr>
+              <a:t> </a:t>
+            </a:r>
+            <a:r>
+              <a:rPr lang="fr-FR" sz="2000" dirty="0" err="1">
+                <a:solidFill>
+                  <a:schemeClr val="tx1"/>
+                </a:solidFill>
+                <a:latin typeface="Lato" panose="020F0502020204030203" pitchFamily="34" charset="0"/>
+              </a:rPr>
+              <a:t>term</a:t>
+            </a:r>
+            <a:r>
+              <a:rPr lang="fr-FR" sz="2000" dirty="0">
+                <a:solidFill>
+                  <a:schemeClr val="tx1"/>
+                </a:solidFill>
+                <a:latin typeface="Lato" panose="020F0502020204030203" pitchFamily="34" charset="0"/>
+              </a:rPr>
+              <a:t> to the </a:t>
+            </a:r>
+            <a:r>
+              <a:rPr lang="fr-FR" sz="2000" dirty="0" err="1">
+                <a:solidFill>
+                  <a:schemeClr val="tx1"/>
+                </a:solidFill>
+                <a:latin typeface="Lato" panose="020F0502020204030203" pitchFamily="34" charset="0"/>
+              </a:rPr>
+              <a:t>learning</a:t>
+            </a:r>
+            <a:r>
+              <a:rPr lang="fr-FR" sz="2000" dirty="0">
+                <a:solidFill>
+                  <a:schemeClr val="tx1"/>
+                </a:solidFill>
+                <a:latin typeface="Lato" panose="020F0502020204030203" pitchFamily="34" charset="0"/>
+              </a:rPr>
+              <a:t> objective. </a:t>
+            </a:r>
+            <a:r>
+              <a:rPr lang="fr-FR" sz="2000" dirty="0" err="1">
+                <a:solidFill>
+                  <a:schemeClr val="tx1"/>
+                </a:solidFill>
+                <a:latin typeface="Lato" panose="020F0502020204030203" pitchFamily="34" charset="0"/>
+              </a:rPr>
+              <a:t>Less</a:t>
+            </a:r>
+            <a:r>
+              <a:rPr lang="fr-FR" sz="2000" dirty="0">
+                <a:solidFill>
+                  <a:schemeClr val="tx1"/>
+                </a:solidFill>
+                <a:latin typeface="Lato" panose="020F0502020204030203" pitchFamily="34" charset="0"/>
+              </a:rPr>
+              <a:t> </a:t>
+            </a:r>
+            <a:r>
+              <a:rPr lang="fr-FR" sz="2000" dirty="0" err="1">
+                <a:solidFill>
+                  <a:schemeClr val="tx1"/>
+                </a:solidFill>
+                <a:latin typeface="Lato" panose="020F0502020204030203" pitchFamily="34" charset="0"/>
+              </a:rPr>
+              <a:t>accurate</a:t>
+            </a:r>
+            <a:r>
+              <a:rPr lang="fr-FR" sz="2000" dirty="0">
+                <a:solidFill>
+                  <a:schemeClr val="tx1"/>
+                </a:solidFill>
+                <a:latin typeface="Lato" panose="020F0502020204030203" pitchFamily="34" charset="0"/>
+              </a:rPr>
+              <a:t> but </a:t>
+            </a:r>
+            <a:r>
+              <a:rPr lang="fr-FR" sz="2000" dirty="0" err="1">
+                <a:solidFill>
+                  <a:schemeClr val="tx1"/>
+                </a:solidFill>
+                <a:latin typeface="Lato" panose="020F0502020204030203" pitchFamily="34" charset="0"/>
+              </a:rPr>
+              <a:t>fair</a:t>
+            </a:r>
+            <a:r>
+              <a:rPr lang="fr-FR" sz="2000" dirty="0">
+                <a:solidFill>
+                  <a:schemeClr val="tx1"/>
+                </a:solidFill>
+                <a:latin typeface="Lato" panose="020F0502020204030203" pitchFamily="34" charset="0"/>
+              </a:rPr>
+              <a:t> classifier.</a:t>
+            </a:r>
+          </a:p>
+          <a:p>
+            <a:r>
+              <a:rPr lang="fr-FR" sz="2000" dirty="0" err="1">
+                <a:solidFill>
+                  <a:schemeClr val="tx1"/>
+                </a:solidFill>
+                <a:latin typeface="Lato" panose="020F0502020204030203" pitchFamily="34" charset="0"/>
+              </a:rPr>
+              <a:t>Grid</a:t>
+            </a:r>
+            <a:r>
+              <a:rPr lang="fr-FR" sz="2000" dirty="0">
+                <a:solidFill>
+                  <a:schemeClr val="tx1"/>
+                </a:solidFill>
+                <a:latin typeface="Lato" panose="020F0502020204030203" pitchFamily="34" charset="0"/>
+              </a:rPr>
+              <a:t> </a:t>
+            </a:r>
+            <a:r>
+              <a:rPr lang="fr-FR" sz="2000" dirty="0" err="1">
+                <a:solidFill>
+                  <a:schemeClr val="tx1"/>
+                </a:solidFill>
+                <a:latin typeface="Lato" panose="020F0502020204030203" pitchFamily="34" charset="0"/>
+              </a:rPr>
+              <a:t>Search</a:t>
+            </a:r>
+            <a:r>
+              <a:rPr lang="fr-FR" sz="2000" dirty="0">
+                <a:solidFill>
+                  <a:schemeClr val="tx1"/>
+                </a:solidFill>
+                <a:latin typeface="Lato" panose="020F0502020204030203" pitchFamily="34" charset="0"/>
+              </a:rPr>
+              <a:t> Reduction : </a:t>
+            </a:r>
+            <a:r>
+              <a:rPr lang="fr-FR" sz="2000" dirty="0" err="1">
+                <a:solidFill>
+                  <a:schemeClr val="tx1"/>
+                </a:solidFill>
+                <a:latin typeface="Lato" panose="020F0502020204030203" pitchFamily="34" charset="0"/>
+              </a:rPr>
+              <a:t>Returning</a:t>
+            </a:r>
+            <a:r>
+              <a:rPr lang="fr-FR" sz="2000" dirty="0">
+                <a:solidFill>
+                  <a:schemeClr val="tx1"/>
+                </a:solidFill>
+                <a:latin typeface="Lato" panose="020F0502020204030203" pitchFamily="34" charset="0"/>
+              </a:rPr>
               <a:t> the </a:t>
             </a:r>
             <a:r>
-              <a:rPr lang="fr-FR" b="0" i="0" u="none" strike="noStrike" dirty="0" err="1">
-                <a:solidFill>
-                  <a:schemeClr val="tx1"/>
-                </a:solidFill>
-                <a:effectLst/>
+              <a:rPr lang="fr-FR" sz="2000" dirty="0" err="1">
+                <a:solidFill>
+                  <a:schemeClr val="tx1"/>
+                </a:solidFill>
                 <a:latin typeface="Lato" panose="020F0502020204030203" pitchFamily="34" charset="0"/>
               </a:rPr>
               <a:t>deterministic</a:t>
             </a:r>
             <a:r>
-              <a:rPr lang="fr-FR" b="0" i="0" u="none" strike="noStrike" dirty="0">
-                <a:solidFill>
-                  <a:schemeClr val="tx1"/>
-                </a:solidFill>
-                <a:effectLst/>
+              <a:rPr lang="fr-FR" sz="2000" dirty="0">
+                <a:solidFill>
+                  <a:schemeClr val="tx1"/>
+                </a:solidFill>
                 <a:latin typeface="Lato" panose="020F0502020204030203" pitchFamily="34" charset="0"/>
               </a:rPr>
               <a:t> classifier </a:t>
             </a:r>
             <a:r>
-              <a:rPr lang="fr-FR" b="0" i="0" u="none" strike="noStrike" dirty="0" err="1">
-                <a:solidFill>
-                  <a:schemeClr val="tx1"/>
-                </a:solidFill>
-                <a:effectLst/>
+              <a:rPr lang="fr-FR" sz="2000" dirty="0" err="1">
+                <a:solidFill>
+                  <a:schemeClr val="tx1"/>
+                </a:solidFill>
                 <a:latin typeface="Lato" panose="020F0502020204030203" pitchFamily="34" charset="0"/>
               </a:rPr>
               <a:t>with</a:t>
             </a:r>
             <a:r>
-              <a:rPr lang="fr-FR" b="0" i="0" u="none" strike="noStrike" dirty="0">
-                <a:solidFill>
-                  <a:schemeClr val="tx1"/>
-                </a:solidFill>
-                <a:effectLst/>
+              <a:rPr lang="fr-FR" sz="2000" dirty="0">
+                <a:solidFill>
+                  <a:schemeClr val="tx1"/>
+                </a:solidFill>
                 <a:latin typeface="Lato" panose="020F0502020204030203" pitchFamily="34" charset="0"/>
               </a:rPr>
               <a:t> the </a:t>
             </a:r>
             <a:r>
-              <a:rPr lang="fr-FR" b="0" i="0" u="none" strike="noStrike" dirty="0" err="1">
-                <a:solidFill>
-                  <a:schemeClr val="tx1"/>
-                </a:solidFill>
-                <a:effectLst/>
+              <a:rPr lang="fr-FR" sz="2000" dirty="0" err="1">
+                <a:solidFill>
+                  <a:schemeClr val="tx1"/>
+                </a:solidFill>
                 <a:latin typeface="Lato" panose="020F0502020204030203" pitchFamily="34" charset="0"/>
               </a:rPr>
               <a:t>lowest</a:t>
             </a:r>
             <a:r>
-              <a:rPr lang="fr-FR" b="0" i="0" u="none" strike="noStrike" dirty="0">
-                <a:solidFill>
-                  <a:schemeClr val="tx1"/>
-                </a:solidFill>
-                <a:effectLst/>
+              <a:rPr lang="fr-FR" sz="2000" dirty="0">
+                <a:solidFill>
+                  <a:schemeClr val="tx1"/>
+                </a:solidFill>
                 <a:latin typeface="Lato" panose="020F0502020204030203" pitchFamily="34" charset="0"/>
               </a:rPr>
               <a:t> </a:t>
             </a:r>
             <a:r>
-              <a:rPr lang="fr-FR" b="0" i="0" u="none" strike="noStrike" dirty="0" err="1">
-                <a:solidFill>
-                  <a:schemeClr val="tx1"/>
-                </a:solidFill>
-                <a:effectLst/>
+              <a:rPr lang="fr-FR" sz="2000" dirty="0" err="1">
+                <a:solidFill>
+                  <a:schemeClr val="tx1"/>
+                </a:solidFill>
                 <a:latin typeface="Lato" panose="020F0502020204030203" pitchFamily="34" charset="0"/>
               </a:rPr>
               <a:t>empirical</a:t>
             </a:r>
             <a:r>
-              <a:rPr lang="fr-FR" b="0" i="0" u="none" strike="noStrike" dirty="0">
-                <a:solidFill>
-                  <a:schemeClr val="tx1"/>
-                </a:solidFill>
-                <a:effectLst/>
+              <a:rPr lang="fr-FR" sz="2000" dirty="0">
+                <a:solidFill>
+                  <a:schemeClr val="tx1"/>
+                </a:solidFill>
                 <a:latin typeface="Lato" panose="020F0502020204030203" pitchFamily="34" charset="0"/>
               </a:rPr>
               <a:t> </a:t>
             </a:r>
             <a:r>
-              <a:rPr lang="fr-FR" b="0" i="0" u="none" strike="noStrike" dirty="0" err="1">
-                <a:solidFill>
-                  <a:schemeClr val="tx1"/>
-                </a:solidFill>
-                <a:effectLst/>
+              <a:rPr lang="fr-FR" sz="2000" dirty="0" err="1">
+                <a:solidFill>
+                  <a:schemeClr val="tx1"/>
+                </a:solidFill>
                 <a:latin typeface="Lato" panose="020F0502020204030203" pitchFamily="34" charset="0"/>
               </a:rPr>
               <a:t>error</a:t>
             </a:r>
             <a:r>
-              <a:rPr lang="fr-FR" b="0" i="0" u="none" strike="noStrike" dirty="0">
-                <a:solidFill>
-                  <a:schemeClr val="tx1"/>
-                </a:solidFill>
-                <a:effectLst/>
+              <a:rPr lang="fr-FR" sz="2000" dirty="0">
+                <a:solidFill>
+                  <a:schemeClr val="tx1"/>
+                </a:solidFill>
                 <a:latin typeface="Lato" panose="020F0502020204030203" pitchFamily="34" charset="0"/>
               </a:rPr>
               <a:t> </a:t>
             </a:r>
             <a:r>
-              <a:rPr lang="fr-FR" b="0" i="0" u="none" strike="noStrike" dirty="0" err="1">
-                <a:solidFill>
-                  <a:schemeClr val="tx1"/>
-                </a:solidFill>
-                <a:effectLst/>
+              <a:rPr lang="fr-FR" sz="2000" dirty="0" err="1">
+                <a:solidFill>
+                  <a:schemeClr val="tx1"/>
+                </a:solidFill>
                 <a:latin typeface="Lato" panose="020F0502020204030203" pitchFamily="34" charset="0"/>
               </a:rPr>
               <a:t>subject</a:t>
             </a:r>
             <a:r>
-              <a:rPr lang="fr-FR" b="0" i="0" u="none" strike="noStrike" dirty="0">
-                <a:solidFill>
-                  <a:schemeClr val="tx1"/>
-                </a:solidFill>
-                <a:effectLst/>
+              <a:rPr lang="fr-FR" sz="2000" dirty="0">
+                <a:solidFill>
+                  <a:schemeClr val="tx1"/>
+                </a:solidFill>
                 <a:latin typeface="Lato" panose="020F0502020204030203" pitchFamily="34" charset="0"/>
               </a:rPr>
               <a:t> to </a:t>
             </a:r>
             <a:r>
-              <a:rPr lang="fr-FR" b="0" i="0" u="none" strike="noStrike" dirty="0" err="1">
-                <a:solidFill>
-                  <a:schemeClr val="tx1"/>
-                </a:solidFill>
-                <a:effectLst/>
+              <a:rPr lang="fr-FR" sz="2000" dirty="0" err="1">
+                <a:solidFill>
+                  <a:schemeClr val="tx1"/>
+                </a:solidFill>
                 <a:latin typeface="Lato" panose="020F0502020204030203" pitchFamily="34" charset="0"/>
               </a:rPr>
               <a:t>fair</a:t>
             </a:r>
             <a:r>
-              <a:rPr lang="fr-FR" b="0" i="0" u="none" strike="noStrike" dirty="0">
-                <a:solidFill>
-                  <a:schemeClr val="tx1"/>
-                </a:solidFill>
-                <a:effectLst/>
+              <a:rPr lang="fr-FR" sz="2000" dirty="0">
+                <a:solidFill>
+                  <a:schemeClr val="tx1"/>
+                </a:solidFill>
                 <a:latin typeface="Lato" panose="020F0502020204030203" pitchFamily="34" charset="0"/>
               </a:rPr>
               <a:t> classification </a:t>
             </a:r>
             <a:r>
-              <a:rPr lang="fr-FR" b="0" i="0" u="none" strike="noStrike" dirty="0" err="1">
-                <a:solidFill>
-                  <a:schemeClr val="tx1"/>
-                </a:solidFill>
-                <a:effectLst/>
+              <a:rPr lang="fr-FR" sz="2000" dirty="0" err="1">
+                <a:solidFill>
+                  <a:schemeClr val="tx1"/>
+                </a:solidFill>
                 <a:latin typeface="Lato" panose="020F0502020204030203" pitchFamily="34" charset="0"/>
               </a:rPr>
               <a:t>constraints</a:t>
             </a:r>
             <a:r>
-              <a:rPr lang="fr-FR" b="0" i="0" u="none" strike="noStrike" dirty="0">
-                <a:solidFill>
-                  <a:schemeClr val="tx1"/>
-                </a:solidFill>
-                <a:effectLst/>
+              <a:rPr lang="fr-FR" sz="2000" dirty="0">
+                <a:solidFill>
+                  <a:schemeClr val="tx1"/>
+                </a:solidFill>
                 <a:latin typeface="Lato" panose="020F0502020204030203" pitchFamily="34" charset="0"/>
               </a:rPr>
               <a:t> </a:t>
             </a:r>
             <a:r>
-              <a:rPr lang="fr-FR" b="0" i="0" u="none" strike="noStrike" dirty="0" err="1">
-                <a:solidFill>
-                  <a:schemeClr val="tx1"/>
-                </a:solidFill>
-                <a:effectLst/>
+              <a:rPr lang="fr-FR" sz="2000" dirty="0" err="1">
+                <a:solidFill>
+                  <a:schemeClr val="tx1"/>
+                </a:solidFill>
                 <a:latin typeface="Lato" panose="020F0502020204030203" pitchFamily="34" charset="0"/>
               </a:rPr>
               <a:t>among</a:t>
             </a:r>
             <a:r>
-              <a:rPr lang="fr-FR" b="0" i="0" u="none" strike="noStrike" dirty="0">
-                <a:solidFill>
-                  <a:schemeClr val="tx1"/>
-                </a:solidFill>
-                <a:effectLst/>
+              <a:rPr lang="fr-FR" sz="2000" dirty="0">
+                <a:solidFill>
+                  <a:schemeClr val="tx1"/>
+                </a:solidFill>
                 <a:latin typeface="Lato" panose="020F0502020204030203" pitchFamily="34" charset="0"/>
               </a:rPr>
               <a:t> the candidates </a:t>
             </a:r>
             <a:r>
-              <a:rPr lang="fr-FR" b="0" i="0" u="none" strike="noStrike" dirty="0" err="1">
-                <a:solidFill>
-                  <a:schemeClr val="tx1"/>
-                </a:solidFill>
-                <a:effectLst/>
+              <a:rPr lang="fr-FR" sz="2000" dirty="0" err="1">
+                <a:solidFill>
+                  <a:schemeClr val="tx1"/>
+                </a:solidFill>
                 <a:latin typeface="Lato" panose="020F0502020204030203" pitchFamily="34" charset="0"/>
               </a:rPr>
               <a:t>searched</a:t>
             </a:r>
-            <a:endParaRPr lang="fr-FR" b="0" i="0" u="none" strike="noStrike" dirty="0">
-              <a:solidFill>
-                <a:schemeClr val="tx1"/>
-              </a:solidFill>
-              <a:effectLst/>
-              <a:latin typeface="Lato" panose="020F0502020204030203" pitchFamily="34" charset="0"/>
-            </a:endParaRPr>
-          </a:p>
-          <a:p>
-            <a:r>
-              <a:rPr lang="fr-FR" dirty="0" err="1">
+            <a:r>
+              <a:rPr lang="fr-FR" sz="2000" dirty="0">
                 <a:solidFill>
                   <a:schemeClr val="tx1"/>
                 </a:solidFill>
                 <a:latin typeface="Lato" panose="020F0502020204030203" pitchFamily="34" charset="0"/>
               </a:rPr>
-              <a:t>Mean</a:t>
-            </a:r>
-            <a:r>
-              <a:rPr lang="fr-FR" dirty="0">
-                <a:solidFill>
-                  <a:schemeClr val="tx1"/>
-                </a:solidFill>
-                <a:latin typeface="Lato" panose="020F0502020204030203" pitchFamily="34" charset="0"/>
-              </a:rPr>
-              <a:t> </a:t>
-            </a:r>
-            <a:r>
-              <a:rPr lang="fr-FR" dirty="0" err="1">
-                <a:solidFill>
-                  <a:schemeClr val="tx1"/>
-                </a:solidFill>
-                <a:latin typeface="Lato" panose="020F0502020204030203" pitchFamily="34" charset="0"/>
-              </a:rPr>
-              <a:t>difference</a:t>
-            </a:r>
-            <a:r>
-              <a:rPr lang="fr-FR" dirty="0">
-                <a:solidFill>
-                  <a:schemeClr val="tx1"/>
-                </a:solidFill>
-                <a:latin typeface="Lato" panose="020F0502020204030203" pitchFamily="34" charset="0"/>
-              </a:rPr>
-              <a:t> =0.08</a:t>
-            </a:r>
-          </a:p>
-          <a:p>
-            <a:r>
-              <a:rPr lang="fr-FR" dirty="0">
-                <a:solidFill>
-                  <a:schemeClr val="tx1"/>
-                </a:solidFill>
-                <a:latin typeface="Lato" panose="020F0502020204030203" pitchFamily="34" charset="0"/>
-              </a:rPr>
-              <a:t>Disparate </a:t>
-            </a:r>
-            <a:r>
-              <a:rPr lang="fr-FR" dirty="0" err="1">
-                <a:solidFill>
-                  <a:schemeClr val="tx1"/>
-                </a:solidFill>
-                <a:latin typeface="Lato" panose="020F0502020204030203" pitchFamily="34" charset="0"/>
-              </a:rPr>
-              <a:t>imapct</a:t>
-            </a:r>
-            <a:r>
-              <a:rPr lang="fr-FR" dirty="0">
-                <a:solidFill>
-                  <a:schemeClr val="tx1"/>
-                </a:solidFill>
-                <a:latin typeface="Lato" panose="020F0502020204030203" pitchFamily="34" charset="0"/>
-              </a:rPr>
-              <a:t> =0.83</a:t>
-            </a:r>
-            <a:endParaRPr lang="fr-FR" dirty="0">
-              <a:solidFill>
-                <a:schemeClr val="tx1"/>
-              </a:solidFill>
-            </a:endParaRPr>
+              <a:t>. </a:t>
+            </a:r>
+            <a:endParaRPr lang="fr-FR" dirty="0"/>
+          </a:p>
+          <a:p>
+            <a:endParaRPr lang="fr-FR" dirty="0"/>
           </a:p>
         </p:txBody>
       </p:sp>
     </p:spTree>
     <p:extLst>
       <p:ext uri="{BB962C8B-B14F-4D97-AF65-F5344CB8AC3E}">
-        <p14:creationId xmlns:p14="http://schemas.microsoft.com/office/powerpoint/2010/main" val="2278623823"/>
+        <p14:creationId xmlns:p14="http://schemas.microsoft.com/office/powerpoint/2010/main" val="1022111249"/>
       </p:ext>
     </p:extLst>
   </p:cSld>
@@ -6122,10 +6438,10 @@
       </p:sp>
       <p:graphicFrame>
         <p:nvGraphicFramePr>
-          <p:cNvPr id="3" name="Tableau 2">
+          <p:cNvPr id="4" name="Tableau 3">
             <a:extLst>
               <a:ext uri="{FF2B5EF4-FFF2-40B4-BE49-F238E27FC236}">
-                <a16:creationId xmlns:a16="http://schemas.microsoft.com/office/drawing/2014/main" id="{1B434C0A-6654-F8FE-A727-8D32EC30134D}"/>
+                <a16:creationId xmlns:a16="http://schemas.microsoft.com/office/drawing/2014/main" id="{F686BD18-D109-1A7A-9D91-2362292C25CD}"/>
               </a:ext>
             </a:extLst>
           </p:cNvPr>
@@ -6135,69 +6451,76 @@
           <p:nvPr>
             <p:extLst>
               <p:ext uri="{D42A27DB-BD31-4B8C-83A1-F6EECF244321}">
-                <p14:modId xmlns:p14="http://schemas.microsoft.com/office/powerpoint/2010/main" val="1220722964"/>
+                <p14:modId xmlns:p14="http://schemas.microsoft.com/office/powerpoint/2010/main" val="644549059"/>
               </p:ext>
             </p:extLst>
           </p:nvPr>
         </p:nvGraphicFramePr>
         <p:xfrm>
-          <a:off x="1496165" y="1840230"/>
-          <a:ext cx="10299596" cy="3701415"/>
+          <a:off x="1464755" y="1371600"/>
+          <a:ext cx="10148127" cy="4994912"/>
         </p:xfrm>
         <a:graphic>
           <a:graphicData uri="http://schemas.openxmlformats.org/drawingml/2006/table">
             <a:tbl>
               <a:tblPr/>
               <a:tblGrid>
-                <a:gridCol w="1567075">
+                <a:gridCol w="1814565">
                   <a:extLst>
                     <a:ext uri="{9D8B030D-6E8A-4147-A177-3AD203B41FA5}">
-                      <a16:colId xmlns:a16="http://schemas.microsoft.com/office/drawing/2014/main" val="2337335868"/>
+                      <a16:colId xmlns:a16="http://schemas.microsoft.com/office/drawing/2014/main" val="1376500779"/>
                     </a:ext>
                   </a:extLst>
                 </a:gridCol>
-                <a:gridCol w="2468880">
+                <a:gridCol w="1727020">
                   <a:extLst>
                     <a:ext uri="{9D8B030D-6E8A-4147-A177-3AD203B41FA5}">
-                      <a16:colId xmlns:a16="http://schemas.microsoft.com/office/drawing/2014/main" val="850601973"/>
+                      <a16:colId xmlns:a16="http://schemas.microsoft.com/office/drawing/2014/main" val="1655136491"/>
                     </a:ext>
                   </a:extLst>
                 </a:gridCol>
-                <a:gridCol w="2068830">
+                <a:gridCol w="1902111">
                   <a:extLst>
                     <a:ext uri="{9D8B030D-6E8A-4147-A177-3AD203B41FA5}">
-                      <a16:colId xmlns:a16="http://schemas.microsoft.com/office/drawing/2014/main" val="3469373134"/>
+                      <a16:colId xmlns:a16="http://schemas.microsoft.com/office/drawing/2014/main" val="204366364"/>
                     </a:ext>
                   </a:extLst>
                 </a:gridCol>
-                <a:gridCol w="2183130">
+                <a:gridCol w="1747361">
                   <a:extLst>
                     <a:ext uri="{9D8B030D-6E8A-4147-A177-3AD203B41FA5}">
-                      <a16:colId xmlns:a16="http://schemas.microsoft.com/office/drawing/2014/main" val="1390529335"/>
+                      <a16:colId xmlns:a16="http://schemas.microsoft.com/office/drawing/2014/main" val="922718329"/>
                     </a:ext>
                   </a:extLst>
                 </a:gridCol>
-                <a:gridCol w="2011681">
+                <a:gridCol w="1451653">
                   <a:extLst>
                     <a:ext uri="{9D8B030D-6E8A-4147-A177-3AD203B41FA5}">
-                      <a16:colId xmlns:a16="http://schemas.microsoft.com/office/drawing/2014/main" val="2891922684"/>
+                      <a16:colId xmlns:a16="http://schemas.microsoft.com/office/drawing/2014/main" val="417169189"/>
+                    </a:ext>
+                  </a:extLst>
+                </a:gridCol>
+                <a:gridCol w="1505417">
+                  <a:extLst>
+                    <a:ext uri="{9D8B030D-6E8A-4147-A177-3AD203B41FA5}">
+                      <a16:colId xmlns:a16="http://schemas.microsoft.com/office/drawing/2014/main" val="3820795870"/>
                     </a:ext>
                   </a:extLst>
                 </a:gridCol>
               </a:tblGrid>
-              <a:tr h="297180">
+              <a:tr h="1070342">
                 <a:tc>
                   <a:txBody>
                     <a:bodyPr/>
                     <a:lstStyle/>
                     <a:p>
                       <a:br>
-                        <a:rPr lang="fr-FR" sz="1200" dirty="0">
+                        <a:rPr lang="fr-FR" sz="1600" dirty="0">
                           <a:effectLst/>
                           <a:latin typeface="Helvetica" pitchFamily="2" charset="0"/>
                         </a:rPr>
                       </a:br>
-                      <a:endParaRPr lang="fr-FR" sz="1200" dirty="0">
+                      <a:endParaRPr lang="fr-FR" sz="1600" dirty="0">
                         <a:effectLst/>
                         <a:latin typeface="Helvetica" pitchFamily="2" charset="0"/>
                       </a:endParaRPr>
@@ -6251,7 +6574,7 @@
                     <a:lstStyle/>
                     <a:p>
                       <a:r>
-                        <a:rPr lang="fr-FR" sz="1200" b="1" dirty="0">
+                        <a:rPr lang="fr-FR" sz="1600" b="1" dirty="0">
                           <a:solidFill>
                             <a:srgbClr val="000000"/>
                           </a:solidFill>
@@ -6261,7 +6584,7 @@
                         <a:t>Original (</a:t>
                       </a:r>
                       <a:r>
-                        <a:rPr lang="fr-FR" sz="1200" b="1" dirty="0" err="1">
+                        <a:rPr lang="fr-FR" sz="1600" b="1" dirty="0" err="1">
                           <a:solidFill>
                             <a:srgbClr val="000000"/>
                           </a:solidFill>
@@ -6271,7 +6594,7 @@
                         <a:t>Random</a:t>
                       </a:r>
                       <a:r>
-                        <a:rPr lang="fr-FR" sz="1200" b="1" dirty="0">
+                        <a:rPr lang="fr-FR" sz="1600" b="1" dirty="0">
                           <a:solidFill>
                             <a:srgbClr val="000000"/>
                           </a:solidFill>
@@ -6280,7 +6603,7 @@
                         </a:rPr>
                         <a:t> Forest)</a:t>
                       </a:r>
-                      <a:endParaRPr lang="fr-FR" sz="1200" dirty="0">
+                      <a:endParaRPr lang="fr-FR" sz="1600" dirty="0">
                         <a:effectLst/>
                       </a:endParaRPr>
                     </a:p>
@@ -6333,56 +6656,16 @@
                     <a:lstStyle/>
                     <a:p>
                       <a:r>
-                        <a:rPr lang="fr-FR" sz="1200" b="1" dirty="0" err="1">
+                        <a:rPr lang="fr-FR" sz="1600" b="1">
                           <a:solidFill>
                             <a:srgbClr val="000000"/>
                           </a:solidFill>
                           <a:effectLst/>
                           <a:latin typeface="Helvetica Neue" panose="02000503000000020004" pitchFamily="2" charset="0"/>
                         </a:rPr>
-                        <a:t>Reweight</a:t>
+                        <a:t>Reweight + Logistic Regression</a:t>
                       </a:r>
-                      <a:r>
-                        <a:rPr lang="fr-FR" sz="1200" b="1" dirty="0">
-                          <a:solidFill>
-                            <a:srgbClr val="000000"/>
-                          </a:solidFill>
-                          <a:effectLst/>
-                          <a:latin typeface="Helvetica Neue" panose="02000503000000020004" pitchFamily="2" charset="0"/>
-                        </a:rPr>
-                        <a:t> + </a:t>
-                      </a:r>
-                      <a:r>
-                        <a:rPr lang="fr-FR" sz="1200" b="1" dirty="0" err="1">
-                          <a:solidFill>
-                            <a:srgbClr val="000000"/>
-                          </a:solidFill>
-                          <a:effectLst/>
-                          <a:latin typeface="Helvetica Neue" panose="02000503000000020004" pitchFamily="2" charset="0"/>
-                        </a:rPr>
-                        <a:t>Logistic</a:t>
-                      </a:r>
-                      <a:r>
-                        <a:rPr lang="fr-FR" sz="1200" b="1" dirty="0">
-                          <a:solidFill>
-                            <a:srgbClr val="000000"/>
-                          </a:solidFill>
-                          <a:effectLst/>
-                          <a:latin typeface="Helvetica Neue" panose="02000503000000020004" pitchFamily="2" charset="0"/>
-                        </a:rPr>
-                        <a:t> </a:t>
-                      </a:r>
-                      <a:r>
-                        <a:rPr lang="fr-FR" sz="1200" b="1" dirty="0" err="1">
-                          <a:solidFill>
-                            <a:srgbClr val="000000"/>
-                          </a:solidFill>
-                          <a:effectLst/>
-                          <a:latin typeface="Helvetica Neue" panose="02000503000000020004" pitchFamily="2" charset="0"/>
-                        </a:rPr>
-                        <a:t>Regression</a:t>
-                      </a:r>
-                      <a:endParaRPr lang="fr-FR" sz="1200" dirty="0">
+                      <a:endParaRPr lang="fr-FR" sz="1600">
                         <a:effectLst/>
                       </a:endParaRPr>
                     </a:p>
@@ -6435,46 +6718,16 @@
                     <a:lstStyle/>
                     <a:p>
                       <a:r>
-                        <a:rPr lang="fr-FR" sz="1200" b="1" dirty="0" err="1">
+                        <a:rPr lang="fr-FR" sz="1600" b="1">
                           <a:solidFill>
                             <a:srgbClr val="000000"/>
                           </a:solidFill>
                           <a:effectLst/>
                           <a:latin typeface="Helvetica Neue" panose="02000503000000020004" pitchFamily="2" charset="0"/>
                         </a:rPr>
-                        <a:t>Reweight</a:t>
+                        <a:t>Reweight + Random Forest</a:t>
                       </a:r>
-                      <a:r>
-                        <a:rPr lang="fr-FR" sz="1200" b="1" dirty="0">
-                          <a:solidFill>
-                            <a:srgbClr val="000000"/>
-                          </a:solidFill>
-                          <a:effectLst/>
-                          <a:latin typeface="Helvetica Neue" panose="02000503000000020004" pitchFamily="2" charset="0"/>
-                        </a:rPr>
-                        <a:t> +</a:t>
-                      </a:r>
-                      <a:r>
-                        <a:rPr lang="fr-FR" sz="1200" b="1" dirty="0" err="1">
-                          <a:solidFill>
-                            <a:srgbClr val="000000"/>
-                          </a:solidFill>
-                          <a:effectLst/>
-                          <a:latin typeface="Helvetica Neue" panose="02000503000000020004" pitchFamily="2" charset="0"/>
-                        </a:rPr>
-                        <a:t>Random</a:t>
-                      </a:r>
-                      <a:r>
-                        <a:rPr lang="fr-FR" sz="1200" b="1" dirty="0">
-                          <a:solidFill>
-                            <a:srgbClr val="000000"/>
-                          </a:solidFill>
-                          <a:effectLst/>
-                          <a:latin typeface="Helvetica Neue" panose="02000503000000020004" pitchFamily="2" charset="0"/>
-                        </a:rPr>
-                        <a:t> Forest</a:t>
-                      </a:r>
-                      <a:endParaRPr lang="fr-FR" sz="1200" dirty="0">
+                      <a:endParaRPr lang="fr-FR" sz="1600">
                         <a:effectLst/>
                       </a:endParaRPr>
                     </a:p>
@@ -6527,16 +6780,78 @@
                     <a:lstStyle/>
                     <a:p>
                       <a:r>
-                        <a:rPr lang="fr-FR" sz="1200" b="1">
+                        <a:rPr lang="fr-FR" sz="1600" b="1">
                           <a:solidFill>
                             <a:srgbClr val="000000"/>
                           </a:solidFill>
                           <a:effectLst/>
                           <a:latin typeface="Helvetica Neue" panose="02000503000000020004" pitchFamily="2" charset="0"/>
                         </a:rPr>
-                        <a:t>GridSearchReduction</a:t>
+                        <a:t>Grid Search Reduction</a:t>
                       </a:r>
-                      <a:endParaRPr lang="fr-FR" sz="1200">
+                      <a:endParaRPr lang="fr-FR" sz="1600">
+                        <a:effectLst/>
+                      </a:endParaRPr>
+                    </a:p>
+                  </a:txBody>
+                  <a:tcPr marL="24940" marR="24940" marT="24940" marB="24940">
+                    <a:lnL w="9525" cap="flat" cmpd="sng" algn="ctr">
+                      <a:solidFill>
+                        <a:srgbClr val="000000"/>
+                      </a:solidFill>
+                      <a:prstDash val="solid"/>
+                      <a:round/>
+                      <a:headEnd type="none" w="med" len="med"/>
+                      <a:tailEnd type="none" w="med" len="med"/>
+                    </a:lnL>
+                    <a:lnR w="9525" cap="flat" cmpd="sng" algn="ctr">
+                      <a:solidFill>
+                        <a:srgbClr val="000000"/>
+                      </a:solidFill>
+                      <a:prstDash val="solid"/>
+                      <a:round/>
+                      <a:headEnd type="none" w="med" len="med"/>
+                      <a:tailEnd type="none" w="med" len="med"/>
+                    </a:lnR>
+                    <a:lnT w="9525" cap="flat" cmpd="sng" algn="ctr">
+                      <a:solidFill>
+                        <a:srgbClr val="000000"/>
+                      </a:solidFill>
+                      <a:prstDash val="solid"/>
+                      <a:round/>
+                      <a:headEnd type="none" w="med" len="med"/>
+                      <a:tailEnd type="none" w="med" len="med"/>
+                    </a:lnT>
+                    <a:lnB w="9525" cap="flat" cmpd="sng" algn="ctr">
+                      <a:solidFill>
+                        <a:srgbClr val="000000"/>
+                      </a:solidFill>
+                      <a:prstDash val="solid"/>
+                      <a:round/>
+                      <a:headEnd type="none" w="med" len="med"/>
+                      <a:tailEnd type="none" w="med" len="med"/>
+                    </a:lnB>
+                    <a:solidFill>
+                      <a:srgbClr val="B0B3B2"/>
+                    </a:solidFill>
+                  </a:tcPr>
+                </a:tc>
+                <a:tc>
+                  <a:txBody>
+                    <a:bodyPr/>
+                    <a:lstStyle/>
+                    <a:p>
+                      <a:r>
+                        <a:rPr lang="fr-FR" sz="1600" b="1">
+                          <a:solidFill>
+                            <a:srgbClr val="000000"/>
+                          </a:solidFill>
+                          <a:effectLst/>
+                          <a:latin typeface="Helvetica Neue" panose="02000503000000020004" pitchFamily="2" charset="0"/>
+                        </a:rPr>
+                        <a:t>Meta Fair Classifier</a:t>
+                      </a:r>
+                      <a:endParaRPr lang="fr-FR" sz="1600">
                         <a:effectLst/>
                       </a:endParaRPr>
                     </a:p>
@@ -6585,18 +6900,18 @@
                 </a:tc>
                 <a:extLst>
                   <a:ext uri="{0D108BD9-81ED-4DB2-BD59-A6C34878D82A}">
-                    <a16:rowId xmlns:a16="http://schemas.microsoft.com/office/drawing/2014/main" val="3034572779"/>
+                    <a16:rowId xmlns:a16="http://schemas.microsoft.com/office/drawing/2014/main" val="1717867972"/>
                   </a:ext>
                 </a:extLst>
               </a:tr>
-              <a:tr h="601630">
+              <a:tr h="569923">
                 <a:tc>
                   <a:txBody>
                     <a:bodyPr/>
                     <a:lstStyle/>
                     <a:p>
                       <a:r>
-                        <a:rPr lang="fr-FR" sz="1200" b="1">
+                        <a:rPr lang="fr-FR" sz="1600" b="1">
                           <a:solidFill>
                             <a:srgbClr val="000000"/>
                           </a:solidFill>
@@ -6605,7 +6920,7 @@
                         </a:rPr>
                         <a:t>Balanced accuracy</a:t>
                       </a:r>
-                      <a:endParaRPr lang="fr-FR" sz="1200">
+                      <a:endParaRPr lang="fr-FR" sz="1600">
                         <a:effectLst/>
                       </a:endParaRPr>
                     </a:p>
@@ -6658,16 +6973,16 @@
                     <a:lstStyle/>
                     <a:p>
                       <a:r>
-                        <a:rPr lang="fr-FR" sz="1200">
+                        <a:rPr lang="fr-FR" sz="1600" dirty="0">
                           <a:solidFill>
                             <a:srgbClr val="000000"/>
                           </a:solidFill>
                           <a:effectLst/>
                           <a:latin typeface="Helvetica Neue" panose="02000503000000020004" pitchFamily="2" charset="0"/>
                         </a:rPr>
-                        <a:t>0.886</a:t>
+                        <a:t>0.884</a:t>
                       </a:r>
-                      <a:endParaRPr lang="fr-FR" sz="1200">
+                      <a:endParaRPr lang="fr-FR" sz="1600" dirty="0">
                         <a:effectLst/>
                       </a:endParaRPr>
                     </a:p>
@@ -6717,16 +7032,16 @@
                     <a:lstStyle/>
                     <a:p>
                       <a:r>
-                        <a:rPr lang="fr-FR" sz="1200">
+                        <a:rPr lang="fr-FR" sz="1600">
                           <a:solidFill>
                             <a:srgbClr val="000000"/>
                           </a:solidFill>
                           <a:effectLst/>
                           <a:latin typeface="Helvetica Neue" panose="02000503000000020004" pitchFamily="2" charset="0"/>
                         </a:rPr>
-                        <a:t>0.989</a:t>
+                        <a:t>0.982</a:t>
                       </a:r>
-                      <a:endParaRPr lang="fr-FR" sz="1200">
+                      <a:endParaRPr lang="fr-FR" sz="1600">
                         <a:effectLst/>
                       </a:endParaRPr>
                     </a:p>
@@ -6776,7 +7091,7 @@
                     <a:lstStyle/>
                     <a:p>
                       <a:r>
-                        <a:rPr lang="fr-FR" sz="1200">
+                        <a:rPr lang="fr-FR" sz="1600">
                           <a:solidFill>
                             <a:srgbClr val="000000"/>
                           </a:solidFill>
@@ -6785,7 +7100,7 @@
                         </a:rPr>
                         <a:t>1.000</a:t>
                       </a:r>
-                      <a:endParaRPr lang="fr-FR" sz="1200">
+                      <a:endParaRPr lang="fr-FR" sz="1600">
                         <a:effectLst/>
                       </a:endParaRPr>
                     </a:p>
@@ -6835,16 +7150,16 @@
                     <a:lstStyle/>
                     <a:p>
                       <a:r>
-                        <a:rPr lang="fr-FR" sz="1200">
+                        <a:rPr lang="fr-FR" sz="1600">
                           <a:solidFill>
                             <a:srgbClr val="000000"/>
                           </a:solidFill>
                           <a:effectLst/>
                           <a:latin typeface="Helvetica Neue" panose="02000503000000020004" pitchFamily="2" charset="0"/>
                         </a:rPr>
-                        <a:t>0.864</a:t>
+                        <a:t>1.000</a:t>
                       </a:r>
-                      <a:endParaRPr lang="fr-FR" sz="1200">
+                      <a:endParaRPr lang="fr-FR" sz="1600">
                         <a:effectLst/>
                       </a:endParaRPr>
                     </a:p>
@@ -6888,20 +7203,79 @@
                     </a:lnB>
                   </a:tcPr>
                 </a:tc>
-                <a:extLst>
-                  <a:ext uri="{0D108BD9-81ED-4DB2-BD59-A6C34878D82A}">
-                    <a16:rowId xmlns:a16="http://schemas.microsoft.com/office/drawing/2014/main" val="3298363202"/>
-                  </a:ext>
-                </a:extLst>
-              </a:tr>
-              <a:tr h="474281">
                 <a:tc>
                   <a:txBody>
                     <a:bodyPr/>
                     <a:lstStyle/>
                     <a:p>
                       <a:r>
-                        <a:rPr lang="fr-FR" sz="1200" b="1">
+                        <a:rPr lang="fr-FR" sz="1600">
+                          <a:solidFill>
+                            <a:srgbClr val="000000"/>
+                          </a:solidFill>
+                          <a:effectLst/>
+                          <a:latin typeface="Helvetica Neue" panose="02000503000000020004" pitchFamily="2" charset="0"/>
+                        </a:rPr>
+                        <a:t>0.825</a:t>
+                      </a:r>
+                      <a:endParaRPr lang="fr-FR" sz="1600">
+                        <a:effectLst/>
+                      </a:endParaRPr>
+                    </a:p>
+                  </a:txBody>
+                  <a:tcPr marL="24940" marR="24940" marT="24940" marB="24940">
+                    <a:lnL w="9525" cap="flat" cmpd="sng" algn="ctr">
+                      <a:solidFill>
+                        <a:srgbClr val="000000"/>
+                      </a:solidFill>
+                      <a:prstDash val="solid"/>
+                      <a:round/>
+                      <a:headEnd type="none" w="med" len="med"/>
+                      <a:tailEnd type="none" w="med" len="med"/>
+                    </a:lnL>
+                    <a:lnR w="9525" cap="flat" cmpd="sng" algn="ctr">
+                      <a:solidFill>
+                        <a:srgbClr val="000000"/>
+                      </a:solidFill>
+                      <a:prstDash val="solid"/>
+                      <a:round/>
+                      <a:headEnd type="none" w="med" len="med"/>
+                      <a:tailEnd type="none" w="med" len="med"/>
+                    </a:lnR>
+                    <a:lnT w="9525" cap="flat" cmpd="sng" algn="ctr">
+                      <a:solidFill>
+                        <a:srgbClr val="000000"/>
+                      </a:solidFill>
+                      <a:prstDash val="solid"/>
+                      <a:round/>
+                      <a:headEnd type="none" w="med" len="med"/>
+                      <a:tailEnd type="none" w="med" len="med"/>
+                    </a:lnT>
+                    <a:lnB w="9525" cap="flat" cmpd="sng" algn="ctr">
+                      <a:solidFill>
+                        <a:srgbClr val="000000"/>
+                      </a:solidFill>
+                      <a:prstDash val="solid"/>
+                      <a:round/>
+                      <a:headEnd type="none" w="med" len="med"/>
+                      <a:tailEnd type="none" w="med" len="med"/>
+                    </a:lnB>
+                  </a:tcPr>
+                </a:tc>
+                <a:extLst>
+                  <a:ext uri="{0D108BD9-81ED-4DB2-BD59-A6C34878D82A}">
+                    <a16:rowId xmlns:a16="http://schemas.microsoft.com/office/drawing/2014/main" val="2656003057"/>
+                  </a:ext>
+                </a:extLst>
+              </a:tr>
+              <a:tr h="569923">
+                <a:tc>
+                  <a:txBody>
+                    <a:bodyPr/>
+                    <a:lstStyle/>
+                    <a:p>
+                      <a:r>
+                        <a:rPr lang="fr-FR" sz="1600" b="1">
                           <a:solidFill>
                             <a:srgbClr val="000000"/>
                           </a:solidFill>
@@ -6910,7 +7284,7 @@
                         </a:rPr>
                         <a:t>Mean difference</a:t>
                       </a:r>
-                      <a:endParaRPr lang="fr-FR" sz="1200">
+                      <a:endParaRPr lang="fr-FR" sz="1600">
                         <a:effectLst/>
                       </a:endParaRPr>
                     </a:p>
@@ -6963,16 +7337,16 @@
                     <a:lstStyle/>
                     <a:p>
                       <a:r>
-                        <a:rPr lang="fr-FR" sz="1200">
+                        <a:rPr lang="fr-FR" sz="1600">
                           <a:solidFill>
                             <a:srgbClr val="000000"/>
                           </a:solidFill>
                           <a:effectLst/>
                           <a:latin typeface="Helvetica Neue" panose="02000503000000020004" pitchFamily="2" charset="0"/>
                         </a:rPr>
-                        <a:t>-0.329</a:t>
+                        <a:t>-0.261</a:t>
                       </a:r>
-                      <a:endParaRPr lang="fr-FR" sz="1200">
+                      <a:endParaRPr lang="fr-FR" sz="1600">
                         <a:effectLst/>
                       </a:endParaRPr>
                     </a:p>
@@ -7022,16 +7396,16 @@
                     <a:lstStyle/>
                     <a:p>
                       <a:r>
-                        <a:rPr lang="fr-FR" sz="1200">
+                        <a:rPr lang="fr-FR" sz="1600">
                           <a:solidFill>
                             <a:srgbClr val="000000"/>
                           </a:solidFill>
                           <a:effectLst/>
                           <a:latin typeface="Helvetica Neue" panose="02000503000000020004" pitchFamily="2" charset="0"/>
                         </a:rPr>
-                        <a:t>0.017</a:t>
+                        <a:t>-0.030</a:t>
                       </a:r>
-                      <a:endParaRPr lang="fr-FR" sz="1200">
+                      <a:endParaRPr lang="fr-FR" sz="1600">
                         <a:effectLst/>
                       </a:endParaRPr>
                     </a:p>
@@ -7081,7 +7455,7 @@
                     <a:lstStyle/>
                     <a:p>
                       <a:r>
-                        <a:rPr lang="fr-FR" sz="1200">
+                        <a:rPr lang="fr-FR" sz="1600">
                           <a:solidFill>
                             <a:srgbClr val="000000"/>
                           </a:solidFill>
@@ -7090,7 +7464,7 @@
                         </a:rPr>
                         <a:t>0.000</a:t>
                       </a:r>
-                      <a:endParaRPr lang="fr-FR" sz="1200">
+                      <a:endParaRPr lang="fr-FR" sz="1600">
                         <a:effectLst/>
                       </a:endParaRPr>
                     </a:p>
@@ -7140,16 +7514,16 @@
                     <a:lstStyle/>
                     <a:p>
                       <a:r>
-                        <a:rPr lang="fr-FR" sz="1200">
+                        <a:rPr lang="fr-FR" sz="1600">
                           <a:solidFill>
                             <a:srgbClr val="000000"/>
                           </a:solidFill>
                           <a:effectLst/>
                           <a:latin typeface="Helvetica Neue" panose="02000503000000020004" pitchFamily="2" charset="0"/>
                         </a:rPr>
-                        <a:t>-0.321</a:t>
+                        <a:t>-0.326</a:t>
                       </a:r>
-                      <a:endParaRPr lang="fr-FR" sz="1200">
+                      <a:endParaRPr lang="fr-FR" sz="1600">
                         <a:effectLst/>
                       </a:endParaRPr>
                     </a:p>
@@ -7193,20 +7567,79 @@
                     </a:lnB>
                   </a:tcPr>
                 </a:tc>
-                <a:extLst>
-                  <a:ext uri="{0D108BD9-81ED-4DB2-BD59-A6C34878D82A}">
-                    <a16:rowId xmlns:a16="http://schemas.microsoft.com/office/drawing/2014/main" val="3255128481"/>
-                  </a:ext>
-                </a:extLst>
-              </a:tr>
-              <a:tr h="474281">
                 <a:tc>
                   <a:txBody>
                     <a:bodyPr/>
                     <a:lstStyle/>
                     <a:p>
                       <a:r>
-                        <a:rPr lang="fr-FR" sz="1200" b="1">
+                        <a:rPr lang="fr-FR" sz="1600">
+                          <a:solidFill>
+                            <a:srgbClr val="000000"/>
+                          </a:solidFill>
+                          <a:effectLst/>
+                          <a:latin typeface="Helvetica Neue" panose="02000503000000020004" pitchFamily="2" charset="0"/>
+                        </a:rPr>
+                        <a:t>-0.232</a:t>
+                      </a:r>
+                      <a:endParaRPr lang="fr-FR" sz="1600">
+                        <a:effectLst/>
+                      </a:endParaRPr>
+                    </a:p>
+                  </a:txBody>
+                  <a:tcPr marL="24940" marR="24940" marT="24940" marB="24940">
+                    <a:lnL w="9525" cap="flat" cmpd="sng" algn="ctr">
+                      <a:solidFill>
+                        <a:srgbClr val="000000"/>
+                      </a:solidFill>
+                      <a:prstDash val="solid"/>
+                      <a:round/>
+                      <a:headEnd type="none" w="med" len="med"/>
+                      <a:tailEnd type="none" w="med" len="med"/>
+                    </a:lnL>
+                    <a:lnR w="9525" cap="flat" cmpd="sng" algn="ctr">
+                      <a:solidFill>
+                        <a:srgbClr val="000000"/>
+                      </a:solidFill>
+                      <a:prstDash val="solid"/>
+                      <a:round/>
+                      <a:headEnd type="none" w="med" len="med"/>
+                      <a:tailEnd type="none" w="med" len="med"/>
+                    </a:lnR>
+                    <a:lnT w="9525" cap="flat" cmpd="sng" algn="ctr">
+                      <a:solidFill>
+                        <a:srgbClr val="000000"/>
+                      </a:solidFill>
+                      <a:prstDash val="solid"/>
+                      <a:round/>
+                      <a:headEnd type="none" w="med" len="med"/>
+                      <a:tailEnd type="none" w="med" len="med"/>
+                    </a:lnT>
+                    <a:lnB w="9525" cap="flat" cmpd="sng" algn="ctr">
+                      <a:solidFill>
+                        <a:srgbClr val="000000"/>
+                      </a:solidFill>
+                      <a:prstDash val="solid"/>
+                      <a:round/>
+                      <a:headEnd type="none" w="med" len="med"/>
+                      <a:tailEnd type="none" w="med" len="med"/>
+                    </a:lnB>
+                  </a:tcPr>
+                </a:tc>
+                <a:extLst>
+                  <a:ext uri="{0D108BD9-81ED-4DB2-BD59-A6C34878D82A}">
+                    <a16:rowId xmlns:a16="http://schemas.microsoft.com/office/drawing/2014/main" val="4196236528"/>
+                  </a:ext>
+                </a:extLst>
+              </a:tr>
+              <a:tr h="569923">
+                <a:tc>
+                  <a:txBody>
+                    <a:bodyPr/>
+                    <a:lstStyle/>
+                    <a:p>
+                      <a:r>
+                        <a:rPr lang="fr-FR" sz="1600" b="1">
                           <a:solidFill>
                             <a:srgbClr val="000000"/>
                           </a:solidFill>
@@ -7215,7 +7648,7 @@
                         </a:rPr>
                         <a:t>Disparate impact</a:t>
                       </a:r>
-                      <a:endParaRPr lang="fr-FR" sz="1200">
+                      <a:endParaRPr lang="fr-FR" sz="1600">
                         <a:effectLst/>
                       </a:endParaRPr>
                     </a:p>
@@ -7268,16 +7701,16 @@
                     <a:lstStyle/>
                     <a:p>
                       <a:r>
-                        <a:rPr lang="fr-FR" sz="1200">
+                        <a:rPr lang="fr-FR" sz="1600">
                           <a:solidFill>
                             <a:srgbClr val="000000"/>
                           </a:solidFill>
                           <a:effectLst/>
                           <a:latin typeface="Helvetica Neue" panose="02000503000000020004" pitchFamily="2" charset="0"/>
                         </a:rPr>
-                        <a:t>0.549</a:t>
+                        <a:t>0.490</a:t>
                       </a:r>
-                      <a:endParaRPr lang="fr-FR" sz="1200">
+                      <a:endParaRPr lang="fr-FR" sz="1600">
                         <a:effectLst/>
                       </a:endParaRPr>
                     </a:p>
@@ -7327,16 +7760,16 @@
                     <a:lstStyle/>
                     <a:p>
                       <a:r>
-                        <a:rPr lang="fr-FR" sz="1200">
+                        <a:rPr lang="fr-FR" sz="1600">
                           <a:solidFill>
                             <a:srgbClr val="000000"/>
                           </a:solidFill>
                           <a:effectLst/>
                           <a:latin typeface="Helvetica Neue" panose="02000503000000020004" pitchFamily="2" charset="0"/>
                         </a:rPr>
-                        <a:t>1.038</a:t>
+                        <a:t>0.945</a:t>
                       </a:r>
-                      <a:endParaRPr lang="fr-FR" sz="1200">
+                      <a:endParaRPr lang="fr-FR" sz="1600">
                         <a:effectLst/>
                       </a:endParaRPr>
                     </a:p>
@@ -7386,7 +7819,7 @@
                     <a:lstStyle/>
                     <a:p>
                       <a:r>
-                        <a:rPr lang="fr-FR" sz="1200">
+                        <a:rPr lang="fr-FR" sz="1600">
                           <a:solidFill>
                             <a:srgbClr val="000000"/>
                           </a:solidFill>
@@ -7395,7 +7828,7 @@
                         </a:rPr>
                         <a:t>1.000</a:t>
                       </a:r>
-                      <a:endParaRPr lang="fr-FR" sz="1200">
+                      <a:endParaRPr lang="fr-FR" sz="1600">
                         <a:effectLst/>
                       </a:endParaRPr>
                     </a:p>
@@ -7445,16 +7878,16 @@
                     <a:lstStyle/>
                     <a:p>
                       <a:r>
-                        <a:rPr lang="fr-FR" sz="1200">
+                        <a:rPr lang="fr-FR" sz="1600">
                           <a:solidFill>
                             <a:srgbClr val="000000"/>
                           </a:solidFill>
                           <a:effectLst/>
                           <a:latin typeface="Helvetica Neue" panose="02000503000000020004" pitchFamily="2" charset="0"/>
                         </a:rPr>
-                        <a:t>0.571</a:t>
+                        <a:t>0.505</a:t>
                       </a:r>
-                      <a:endParaRPr lang="fr-FR" sz="1200">
+                      <a:endParaRPr lang="fr-FR" sz="1600">
                         <a:effectLst/>
                       </a:endParaRPr>
                     </a:p>
@@ -7498,20 +7931,79 @@
                     </a:lnB>
                   </a:tcPr>
                 </a:tc>
-                <a:extLst>
-                  <a:ext uri="{0D108BD9-81ED-4DB2-BD59-A6C34878D82A}">
-                    <a16:rowId xmlns:a16="http://schemas.microsoft.com/office/drawing/2014/main" val="100874136"/>
-                  </a:ext>
-                </a:extLst>
-              </a:tr>
-              <a:tr h="671629">
                 <a:tc>
                   <a:txBody>
                     <a:bodyPr/>
                     <a:lstStyle/>
                     <a:p>
                       <a:r>
-                        <a:rPr lang="fr-FR" sz="1200" b="1">
+                        <a:rPr lang="fr-FR" sz="1600">
+                          <a:solidFill>
+                            <a:srgbClr val="000000"/>
+                          </a:solidFill>
+                          <a:effectLst/>
+                          <a:latin typeface="Helvetica Neue" panose="02000503000000020004" pitchFamily="2" charset="0"/>
+                        </a:rPr>
+                        <a:t>0.706</a:t>
+                      </a:r>
+                      <a:endParaRPr lang="fr-FR" sz="1600">
+                        <a:effectLst/>
+                      </a:endParaRPr>
+                    </a:p>
+                  </a:txBody>
+                  <a:tcPr marL="24940" marR="24940" marT="24940" marB="24940">
+                    <a:lnL w="9525" cap="flat" cmpd="sng" algn="ctr">
+                      <a:solidFill>
+                        <a:srgbClr val="000000"/>
+                      </a:solidFill>
+                      <a:prstDash val="solid"/>
+                      <a:round/>
+                      <a:headEnd type="none" w="med" len="med"/>
+                      <a:tailEnd type="none" w="med" len="med"/>
+                    </a:lnL>
+                    <a:lnR w="9525" cap="flat" cmpd="sng" algn="ctr">
+                      <a:solidFill>
+                        <a:srgbClr val="000000"/>
+                      </a:solidFill>
+                      <a:prstDash val="solid"/>
+                      <a:round/>
+                      <a:headEnd type="none" w="med" len="med"/>
+                      <a:tailEnd type="none" w="med" len="med"/>
+                    </a:lnR>
+                    <a:lnT w="9525" cap="flat" cmpd="sng" algn="ctr">
+                      <a:solidFill>
+                        <a:srgbClr val="000000"/>
+                      </a:solidFill>
+                      <a:prstDash val="solid"/>
+                      <a:round/>
+                      <a:headEnd type="none" w="med" len="med"/>
+                      <a:tailEnd type="none" w="med" len="med"/>
+                    </a:lnT>
+                    <a:lnB w="9525" cap="flat" cmpd="sng" algn="ctr">
+                      <a:solidFill>
+                        <a:srgbClr val="000000"/>
+                      </a:solidFill>
+                      <a:prstDash val="solid"/>
+                      <a:round/>
+                      <a:headEnd type="none" w="med" len="med"/>
+                      <a:tailEnd type="none" w="med" len="med"/>
+                    </a:lnB>
+                  </a:tcPr>
+                </a:tc>
+                <a:extLst>
+                  <a:ext uri="{0D108BD9-81ED-4DB2-BD59-A6C34878D82A}">
+                    <a16:rowId xmlns:a16="http://schemas.microsoft.com/office/drawing/2014/main" val="898150508"/>
+                  </a:ext>
+                </a:extLst>
+              </a:tr>
+              <a:tr h="820133">
+                <a:tc>
+                  <a:txBody>
+                    <a:bodyPr/>
+                    <a:lstStyle/>
+                    <a:p>
+                      <a:r>
+                        <a:rPr lang="fr-FR" sz="1600" b="1">
                           <a:solidFill>
                             <a:srgbClr val="000000"/>
                           </a:solidFill>
@@ -7520,7 +8012,7 @@
                         </a:rPr>
                         <a:t>Average odds difference</a:t>
                       </a:r>
-                      <a:endParaRPr lang="fr-FR" sz="1200">
+                      <a:endParaRPr lang="fr-FR" sz="1600">
                         <a:effectLst/>
                       </a:endParaRPr>
                     </a:p>
@@ -7573,16 +8065,16 @@
                     <a:lstStyle/>
                     <a:p>
                       <a:r>
-                        <a:rPr lang="fr-FR" sz="1200">
+                        <a:rPr lang="fr-FR" sz="1600">
                           <a:solidFill>
                             <a:srgbClr val="000000"/>
                           </a:solidFill>
                           <a:effectLst/>
                           <a:latin typeface="Helvetica Neue" panose="02000503000000020004" pitchFamily="2" charset="0"/>
                         </a:rPr>
-                        <a:t>-0.147</a:t>
+                        <a:t>-0.012</a:t>
                       </a:r>
-                      <a:endParaRPr lang="fr-FR" sz="1200">
+                      <a:endParaRPr lang="fr-FR" sz="1600">
                         <a:effectLst/>
                       </a:endParaRPr>
                     </a:p>
@@ -7632,16 +8124,16 @@
                     <a:lstStyle/>
                     <a:p>
                       <a:r>
-                        <a:rPr lang="fr-FR" sz="1200">
+                        <a:rPr lang="fr-FR" sz="1600">
                           <a:solidFill>
                             <a:srgbClr val="000000"/>
                           </a:solidFill>
                           <a:effectLst/>
                           <a:latin typeface="Helvetica Neue" panose="02000503000000020004" pitchFamily="2" charset="0"/>
                         </a:rPr>
-                        <a:t>0.019</a:t>
+                        <a:t>-0.031</a:t>
                       </a:r>
-                      <a:endParaRPr lang="fr-FR" sz="1200">
+                      <a:endParaRPr lang="fr-FR" sz="1600">
                         <a:effectLst/>
                       </a:endParaRPr>
                     </a:p>
@@ -7691,7 +8183,7 @@
                     <a:lstStyle/>
                     <a:p>
                       <a:r>
-                        <a:rPr lang="fr-FR" sz="1200">
+                        <a:rPr lang="fr-FR" sz="1600">
                           <a:solidFill>
                             <a:srgbClr val="000000"/>
                           </a:solidFill>
@@ -7700,7 +8192,7 @@
                         </a:rPr>
                         <a:t>0.000</a:t>
                       </a:r>
-                      <a:endParaRPr lang="fr-FR" sz="1200">
+                      <a:endParaRPr lang="fr-FR" sz="1600">
                         <a:effectLst/>
                       </a:endParaRPr>
                     </a:p>
@@ -7750,16 +8242,16 @@
                     <a:lstStyle/>
                     <a:p>
                       <a:r>
-                        <a:rPr lang="fr-FR" sz="1200">
+                        <a:rPr lang="fr-FR" sz="1600">
                           <a:solidFill>
                             <a:srgbClr val="000000"/>
                           </a:solidFill>
                           <a:effectLst/>
                           <a:latin typeface="Helvetica Neue" panose="02000503000000020004" pitchFamily="2" charset="0"/>
                         </a:rPr>
-                        <a:t>-0.149</a:t>
+                        <a:t>0.000</a:t>
                       </a:r>
-                      <a:endParaRPr lang="fr-FR" sz="1200">
+                      <a:endParaRPr lang="fr-FR" sz="1600">
                         <a:effectLst/>
                       </a:endParaRPr>
                     </a:p>
@@ -7803,69 +8295,88 @@
                     </a:lnB>
                   </a:tcPr>
                 </a:tc>
-                <a:extLst>
-                  <a:ext uri="{0D108BD9-81ED-4DB2-BD59-A6C34878D82A}">
-                    <a16:rowId xmlns:a16="http://schemas.microsoft.com/office/drawing/2014/main" val="2441308936"/>
-                  </a:ext>
-                </a:extLst>
-              </a:tr>
-              <a:tr h="597229">
                 <a:tc>
                   <a:txBody>
                     <a:bodyPr/>
                     <a:lstStyle/>
                     <a:p>
                       <a:r>
-                        <a:rPr lang="fr-FR" sz="1200" b="1" dirty="0" err="1">
+                        <a:rPr lang="fr-FR" sz="1600">
                           <a:solidFill>
                             <a:srgbClr val="000000"/>
                           </a:solidFill>
                           <a:effectLst/>
                           <a:latin typeface="Helvetica Neue" panose="02000503000000020004" pitchFamily="2" charset="0"/>
                         </a:rPr>
-                        <a:t>Equal</a:t>
+                        <a:t>-0.021</a:t>
                       </a:r>
+                      <a:endParaRPr lang="fr-FR" sz="1600">
+                        <a:effectLst/>
+                      </a:endParaRPr>
+                    </a:p>
+                  </a:txBody>
+                  <a:tcPr marL="24940" marR="24940" marT="24940" marB="24940">
+                    <a:lnL w="9525" cap="flat" cmpd="sng" algn="ctr">
+                      <a:solidFill>
+                        <a:srgbClr val="000000"/>
+                      </a:solidFill>
+                      <a:prstDash val="solid"/>
+                      <a:round/>
+                      <a:headEnd type="none" w="med" len="med"/>
+                      <a:tailEnd type="none" w="med" len="med"/>
+                    </a:lnL>
+                    <a:lnR w="9525" cap="flat" cmpd="sng" algn="ctr">
+                      <a:solidFill>
+                        <a:srgbClr val="000000"/>
+                      </a:solidFill>
+                      <a:prstDash val="solid"/>
+                      <a:round/>
+                      <a:headEnd type="none" w="med" len="med"/>
+                      <a:tailEnd type="none" w="med" len="med"/>
+                    </a:lnR>
+                    <a:lnT w="9525" cap="flat" cmpd="sng" algn="ctr">
+                      <a:solidFill>
+                        <a:srgbClr val="000000"/>
+                      </a:solidFill>
+                      <a:prstDash val="solid"/>
+                      <a:round/>
+                      <a:headEnd type="none" w="med" len="med"/>
+                      <a:tailEnd type="none" w="med" len="med"/>
+                    </a:lnT>
+                    <a:lnB w="9525" cap="flat" cmpd="sng" algn="ctr">
+                      <a:solidFill>
+                        <a:srgbClr val="000000"/>
+                      </a:solidFill>
+                      <a:prstDash val="solid"/>
+                      <a:round/>
+                      <a:headEnd type="none" w="med" len="med"/>
+                      <a:tailEnd type="none" w="med" len="med"/>
+                    </a:lnB>
+                  </a:tcPr>
+                </a:tc>
+                <a:extLst>
+                  <a:ext uri="{0D108BD9-81ED-4DB2-BD59-A6C34878D82A}">
+                    <a16:rowId xmlns:a16="http://schemas.microsoft.com/office/drawing/2014/main" val="414363545"/>
+                  </a:ext>
+                </a:extLst>
+              </a:tr>
+              <a:tr h="1070342">
+                <a:tc>
+                  <a:txBody>
+                    <a:bodyPr/>
+                    <a:lstStyle/>
+                    <a:p>
                       <a:r>
-                        <a:rPr lang="fr-FR" sz="1200" b="1" dirty="0">
+                        <a:rPr lang="fr-FR" sz="1600" b="1">
                           <a:solidFill>
                             <a:srgbClr val="000000"/>
                           </a:solidFill>
                           <a:effectLst/>
                           <a:latin typeface="Helvetica Neue" panose="02000503000000020004" pitchFamily="2" charset="0"/>
                         </a:rPr>
-                        <a:t> </a:t>
+                        <a:t>Equal opportunity difference</a:t>
                       </a:r>
-                      <a:r>
-                        <a:rPr lang="fr-FR" sz="1200" b="1" dirty="0" err="1">
-                          <a:solidFill>
-                            <a:srgbClr val="000000"/>
-                          </a:solidFill>
-                          <a:effectLst/>
-                          <a:latin typeface="Helvetica Neue" panose="02000503000000020004" pitchFamily="2" charset="0"/>
-                        </a:rPr>
-                        <a:t>opportunity</a:t>
-                      </a:r>
-                      <a:r>
-                        <a:rPr lang="fr-FR" sz="1200" b="1" dirty="0">
-                          <a:solidFill>
-                            <a:srgbClr val="000000"/>
-                          </a:solidFill>
-                          <a:effectLst/>
-                          <a:latin typeface="Helvetica Neue" panose="02000503000000020004" pitchFamily="2" charset="0"/>
-                        </a:rPr>
-                        <a:t> </a:t>
-                      </a:r>
-                      <a:r>
-                        <a:rPr lang="fr-FR" sz="1200" b="1" dirty="0" err="1">
-                          <a:solidFill>
-                            <a:srgbClr val="000000"/>
-                          </a:solidFill>
-                          <a:effectLst/>
-                          <a:latin typeface="Helvetica Neue" panose="02000503000000020004" pitchFamily="2" charset="0"/>
-                        </a:rPr>
-                        <a:t>difference</a:t>
-                      </a:r>
-                      <a:endParaRPr lang="fr-FR" sz="1200" dirty="0">
+                      <a:endParaRPr lang="fr-FR" sz="1600">
                         <a:effectLst/>
                       </a:endParaRPr>
                     </a:p>
@@ -7918,16 +8429,16 @@
                     <a:lstStyle/>
                     <a:p>
                       <a:r>
-                        <a:rPr lang="fr-FR" sz="1200">
+                        <a:rPr lang="fr-FR" sz="1600">
                           <a:solidFill>
                             <a:srgbClr val="000000"/>
                           </a:solidFill>
                           <a:effectLst/>
                           <a:latin typeface="Helvetica Neue" panose="02000503000000020004" pitchFamily="2" charset="0"/>
                         </a:rPr>
-                        <a:t>0.000</a:t>
+                        <a:t>-0.024</a:t>
                       </a:r>
-                      <a:endParaRPr lang="fr-FR" sz="1200">
+                      <a:endParaRPr lang="fr-FR" sz="1600">
                         <a:effectLst/>
                       </a:endParaRPr>
                     </a:p>
@@ -7977,16 +8488,16 @@
                     <a:lstStyle/>
                     <a:p>
                       <a:r>
-                        <a:rPr lang="fr-FR" sz="1200">
+                        <a:rPr lang="fr-FR" sz="1600">
                           <a:solidFill>
                             <a:srgbClr val="000000"/>
                           </a:solidFill>
                           <a:effectLst/>
                           <a:latin typeface="Helvetica Neue" panose="02000503000000020004" pitchFamily="2" charset="0"/>
                         </a:rPr>
-                        <a:t>0.037</a:t>
+                        <a:t>0.000</a:t>
                       </a:r>
-                      <a:endParaRPr lang="fr-FR" sz="1200">
+                      <a:endParaRPr lang="fr-FR" sz="1600">
                         <a:effectLst/>
                       </a:endParaRPr>
                     </a:p>
@@ -8036,7 +8547,7 @@
                     <a:lstStyle/>
                     <a:p>
                       <a:r>
-                        <a:rPr lang="fr-FR" sz="1200">
+                        <a:rPr lang="fr-FR" sz="1600">
                           <a:solidFill>
                             <a:srgbClr val="000000"/>
                           </a:solidFill>
@@ -8045,7 +8556,7 @@
                         </a:rPr>
                         <a:t>0.000</a:t>
                       </a:r>
-                      <a:endParaRPr lang="fr-FR" sz="1200">
+                      <a:endParaRPr lang="fr-FR" sz="1600">
                         <a:effectLst/>
                       </a:endParaRPr>
                     </a:p>
@@ -8095,7 +8606,7 @@
                     <a:lstStyle/>
                     <a:p>
                       <a:r>
-                        <a:rPr lang="fr-FR" sz="1200">
+                        <a:rPr lang="fr-FR" sz="1600">
                           <a:solidFill>
                             <a:srgbClr val="000000"/>
                           </a:solidFill>
@@ -8104,7 +8615,7 @@
                         </a:rPr>
                         <a:t>0.000</a:t>
                       </a:r>
-                      <a:endParaRPr lang="fr-FR" sz="1200">
+                      <a:endParaRPr lang="fr-FR" sz="1600">
                         <a:effectLst/>
                       </a:endParaRPr>
                     </a:p>
@@ -8148,20 +8659,79 @@
                     </a:lnB>
                   </a:tcPr>
                 </a:tc>
-                <a:extLst>
-                  <a:ext uri="{0D108BD9-81ED-4DB2-BD59-A6C34878D82A}">
-                    <a16:rowId xmlns:a16="http://schemas.microsoft.com/office/drawing/2014/main" val="4093264961"/>
-                  </a:ext>
-                </a:extLst>
-              </a:tr>
-              <a:tr h="466725">
                 <a:tc>
                   <a:txBody>
                     <a:bodyPr/>
                     <a:lstStyle/>
                     <a:p>
                       <a:r>
-                        <a:rPr lang="fr-FR" sz="1200" b="1">
+                        <a:rPr lang="fr-FR" sz="1600">
+                          <a:solidFill>
+                            <a:srgbClr val="000000"/>
+                          </a:solidFill>
+                          <a:effectLst/>
+                          <a:latin typeface="Helvetica Neue" panose="02000503000000020004" pitchFamily="2" charset="0"/>
+                        </a:rPr>
+                        <a:t>0.000</a:t>
+                      </a:r>
+                      <a:endParaRPr lang="fr-FR" sz="1600">
+                        <a:effectLst/>
+                      </a:endParaRPr>
+                    </a:p>
+                  </a:txBody>
+                  <a:tcPr marL="24940" marR="24940" marT="24940" marB="24940">
+                    <a:lnL w="9525" cap="flat" cmpd="sng" algn="ctr">
+                      <a:solidFill>
+                        <a:srgbClr val="000000"/>
+                      </a:solidFill>
+                      <a:prstDash val="solid"/>
+                      <a:round/>
+                      <a:headEnd type="none" w="med" len="med"/>
+                      <a:tailEnd type="none" w="med" len="med"/>
+                    </a:lnL>
+                    <a:lnR w="9525" cap="flat" cmpd="sng" algn="ctr">
+                      <a:solidFill>
+                        <a:srgbClr val="000000"/>
+                      </a:solidFill>
+                      <a:prstDash val="solid"/>
+                      <a:round/>
+                      <a:headEnd type="none" w="med" len="med"/>
+                      <a:tailEnd type="none" w="med" len="med"/>
+                    </a:lnR>
+                    <a:lnT w="9525" cap="flat" cmpd="sng" algn="ctr">
+                      <a:solidFill>
+                        <a:srgbClr val="000000"/>
+                      </a:solidFill>
+                      <a:prstDash val="solid"/>
+                      <a:round/>
+                      <a:headEnd type="none" w="med" len="med"/>
+                      <a:tailEnd type="none" w="med" len="med"/>
+                    </a:lnT>
+                    <a:lnB w="9525" cap="flat" cmpd="sng" algn="ctr">
+                      <a:solidFill>
+                        <a:srgbClr val="000000"/>
+                      </a:solidFill>
+                      <a:prstDash val="solid"/>
+                      <a:round/>
+                      <a:headEnd type="none" w="med" len="med"/>
+                      <a:tailEnd type="none" w="med" len="med"/>
+                    </a:lnB>
+                  </a:tcPr>
+                </a:tc>
+                <a:extLst>
+                  <a:ext uri="{0D108BD9-81ED-4DB2-BD59-A6C34878D82A}">
+                    <a16:rowId xmlns:a16="http://schemas.microsoft.com/office/drawing/2014/main" val="1198060372"/>
+                  </a:ext>
+                </a:extLst>
+              </a:tr>
+              <a:tr h="324326">
+                <a:tc>
+                  <a:txBody>
+                    <a:bodyPr/>
+                    <a:lstStyle/>
+                    <a:p>
+                      <a:r>
+                        <a:rPr lang="fr-FR" sz="1600" b="1">
                           <a:solidFill>
                             <a:srgbClr val="000000"/>
                           </a:solidFill>
@@ -8170,7 +8740,7 @@
                         </a:rPr>
                         <a:t>Theil index</a:t>
                       </a:r>
-                      <a:endParaRPr lang="fr-FR" sz="1200">
+                      <a:endParaRPr lang="fr-FR" sz="1600">
                         <a:effectLst/>
                       </a:endParaRPr>
                     </a:p>
@@ -8223,16 +8793,16 @@
                     <a:lstStyle/>
                     <a:p>
                       <a:r>
-                        <a:rPr lang="fr-FR" sz="1200">
+                        <a:rPr lang="fr-FR" sz="1600">
                           <a:solidFill>
                             <a:srgbClr val="000000"/>
                           </a:solidFill>
                           <a:effectLst/>
                           <a:latin typeface="Helvetica Neue" panose="02000503000000020004" pitchFamily="2" charset="0"/>
                         </a:rPr>
-                        <a:t>0.035</a:t>
+                        <a:t>0.128</a:t>
                       </a:r>
-                      <a:endParaRPr lang="fr-FR" sz="1200">
+                      <a:endParaRPr lang="fr-FR" sz="1600">
                         <a:effectLst/>
                       </a:endParaRPr>
                     </a:p>
@@ -8282,16 +8852,16 @@
                     <a:lstStyle/>
                     <a:p>
                       <a:r>
-                        <a:rPr lang="fr-FR" sz="1200">
+                        <a:rPr lang="fr-FR" sz="1600">
                           <a:solidFill>
                             <a:srgbClr val="000000"/>
                           </a:solidFill>
                           <a:effectLst/>
                           <a:latin typeface="Helvetica Neue" panose="02000503000000020004" pitchFamily="2" charset="0"/>
                         </a:rPr>
-                        <a:t>0.012</a:t>
+                        <a:t>0.005</a:t>
                       </a:r>
-                      <a:endParaRPr lang="fr-FR" sz="1200">
+                      <a:endParaRPr lang="fr-FR" sz="1600">
                         <a:effectLst/>
                       </a:endParaRPr>
                     </a:p>
@@ -8341,7 +8911,7 @@
                     <a:lstStyle/>
                     <a:p>
                       <a:r>
-                        <a:rPr lang="fr-FR" sz="1200">
+                        <a:rPr lang="fr-FR" sz="1600">
                           <a:solidFill>
                             <a:srgbClr val="000000"/>
                           </a:solidFill>
@@ -8350,7 +8920,7 @@
                         </a:rPr>
                         <a:t>0.000</a:t>
                       </a:r>
-                      <a:endParaRPr lang="fr-FR" sz="1200">
+                      <a:endParaRPr lang="fr-FR" sz="1600">
                         <a:effectLst/>
                       </a:endParaRPr>
                     </a:p>
@@ -8400,16 +8970,16 @@
                     <a:lstStyle/>
                     <a:p>
                       <a:r>
-                        <a:rPr lang="fr-FR" sz="1200" dirty="0">
+                        <a:rPr lang="fr-FR" sz="1600">
                           <a:solidFill>
                             <a:srgbClr val="000000"/>
                           </a:solidFill>
                           <a:effectLst/>
                           <a:latin typeface="Helvetica Neue" panose="02000503000000020004" pitchFamily="2" charset="0"/>
                         </a:rPr>
-                        <a:t>0.040</a:t>
+                        <a:t>0.000</a:t>
                       </a:r>
-                      <a:endParaRPr lang="fr-FR" sz="1200" dirty="0">
+                      <a:endParaRPr lang="fr-FR" sz="1600">
                         <a:effectLst/>
                       </a:endParaRPr>
                     </a:p>
@@ -8453,9 +9023,68 @@
                     </a:lnB>
                   </a:tcPr>
                 </a:tc>
+                <a:tc>
+                  <a:txBody>
+                    <a:bodyPr/>
+                    <a:lstStyle/>
+                    <a:p>
+                      <a:r>
+                        <a:rPr lang="fr-FR" sz="1600" dirty="0">
+                          <a:solidFill>
+                            <a:srgbClr val="000000"/>
+                          </a:solidFill>
+                          <a:effectLst/>
+                          <a:latin typeface="Helvetica Neue" panose="02000503000000020004" pitchFamily="2" charset="0"/>
+                        </a:rPr>
+                        <a:t>0.044</a:t>
+                      </a:r>
+                      <a:endParaRPr lang="fr-FR" sz="1600" dirty="0">
+                        <a:effectLst/>
+                      </a:endParaRPr>
+                    </a:p>
+                  </a:txBody>
+                  <a:tcPr marL="24940" marR="24940" marT="24940" marB="24940">
+                    <a:lnL w="9525" cap="flat" cmpd="sng" algn="ctr">
+                      <a:solidFill>
+                        <a:srgbClr val="000000"/>
+                      </a:solidFill>
+                      <a:prstDash val="solid"/>
+                      <a:round/>
+                      <a:headEnd type="none" w="med" len="med"/>
+                      <a:tailEnd type="none" w="med" len="med"/>
+                    </a:lnL>
+                    <a:lnR w="9525" cap="flat" cmpd="sng" algn="ctr">
+                      <a:solidFill>
+                        <a:srgbClr val="000000"/>
+                      </a:solidFill>
+                      <a:prstDash val="solid"/>
+                      <a:round/>
+                      <a:headEnd type="none" w="med" len="med"/>
+                      <a:tailEnd type="none" w="med" len="med"/>
+                    </a:lnR>
+                    <a:lnT w="9525" cap="flat" cmpd="sng" algn="ctr">
+                      <a:solidFill>
+                        <a:srgbClr val="000000"/>
+                      </a:solidFill>
+                      <a:prstDash val="solid"/>
+                      <a:round/>
+                      <a:headEnd type="none" w="med" len="med"/>
+                      <a:tailEnd type="none" w="med" len="med"/>
+                    </a:lnT>
+                    <a:lnB w="9525" cap="flat" cmpd="sng" algn="ctr">
+                      <a:solidFill>
+                        <a:srgbClr val="000000"/>
+                      </a:solidFill>
+                      <a:prstDash val="solid"/>
+                      <a:round/>
+                      <a:headEnd type="none" w="med" len="med"/>
+                      <a:tailEnd type="none" w="med" len="med"/>
+                    </a:lnB>
+                  </a:tcPr>
+                </a:tc>
                 <a:extLst>
                   <a:ext uri="{0D108BD9-81ED-4DB2-BD59-A6C34878D82A}">
-                    <a16:rowId xmlns:a16="http://schemas.microsoft.com/office/drawing/2014/main" val="2536843206"/>
+                    <a16:rowId xmlns:a16="http://schemas.microsoft.com/office/drawing/2014/main" val="3721485317"/>
                   </a:ext>
                 </a:extLst>
               </a:tr>
@@ -8542,7 +9171,234 @@
           <a:bodyPr/>
           <a:lstStyle/>
           <a:p>
-            <a:endParaRPr lang="fr-FR"/>
+            <a:r>
+              <a:rPr lang="fr-FR" dirty="0"/>
+              <a:t>The best </a:t>
+            </a:r>
+            <a:r>
+              <a:rPr lang="fr-FR" dirty="0" err="1"/>
+              <a:t>classfier</a:t>
+            </a:r>
+            <a:r>
+              <a:rPr lang="fr-FR" dirty="0"/>
+              <a:t> </a:t>
+            </a:r>
+            <a:r>
+              <a:rPr lang="fr-FR" dirty="0" err="1"/>
+              <a:t>is</a:t>
+            </a:r>
+            <a:r>
+              <a:rPr lang="fr-FR" dirty="0"/>
+              <a:t> </a:t>
+            </a:r>
+            <a:r>
+              <a:rPr lang="fr-FR" dirty="0" err="1"/>
+              <a:t>reweight</a:t>
+            </a:r>
+            <a:r>
+              <a:rPr lang="fr-FR" dirty="0"/>
+              <a:t> + </a:t>
+            </a:r>
+            <a:r>
+              <a:rPr lang="fr-FR" dirty="0" err="1"/>
+              <a:t>random</a:t>
+            </a:r>
+            <a:r>
+              <a:rPr lang="fr-FR" dirty="0"/>
+              <a:t> </a:t>
+            </a:r>
+            <a:r>
+              <a:rPr lang="fr-FR" dirty="0" err="1"/>
+              <a:t>forest</a:t>
+            </a:r>
+            <a:r>
+              <a:rPr lang="fr-FR" dirty="0"/>
+              <a:t>. The </a:t>
+            </a:r>
+            <a:r>
+              <a:rPr lang="fr-FR" dirty="0" err="1"/>
+              <a:t>problem</a:t>
+            </a:r>
+            <a:r>
+              <a:rPr lang="fr-FR" dirty="0"/>
+              <a:t> </a:t>
+            </a:r>
+            <a:r>
+              <a:rPr lang="fr-FR" dirty="0" err="1"/>
+              <a:t>is</a:t>
+            </a:r>
+            <a:r>
+              <a:rPr lang="fr-FR" dirty="0"/>
+              <a:t> the </a:t>
+            </a:r>
+            <a:r>
+              <a:rPr lang="fr-FR" dirty="0" err="1"/>
+              <a:t>lack</a:t>
+            </a:r>
+            <a:r>
+              <a:rPr lang="fr-FR" dirty="0"/>
+              <a:t> of </a:t>
+            </a:r>
+            <a:r>
+              <a:rPr lang="fr-FR" dirty="0" err="1"/>
+              <a:t>transparency</a:t>
+            </a:r>
+            <a:r>
+              <a:rPr lang="fr-FR" dirty="0"/>
+              <a:t> in </a:t>
+            </a:r>
+            <a:r>
+              <a:rPr lang="fr-FR" dirty="0" err="1"/>
+              <a:t>this</a:t>
+            </a:r>
+            <a:r>
+              <a:rPr lang="fr-FR" dirty="0"/>
+              <a:t> </a:t>
+            </a:r>
+            <a:r>
+              <a:rPr lang="fr-FR" dirty="0" err="1"/>
+              <a:t>method</a:t>
+            </a:r>
+            <a:r>
+              <a:rPr lang="fr-FR" dirty="0"/>
+              <a:t>.</a:t>
+            </a:r>
+          </a:p>
+          <a:p>
+            <a:r>
+              <a:rPr lang="fr-FR" dirty="0"/>
+              <a:t>Meta </a:t>
+            </a:r>
+            <a:r>
+              <a:rPr lang="fr-FR" dirty="0" err="1"/>
+              <a:t>fair</a:t>
+            </a:r>
+            <a:r>
+              <a:rPr lang="fr-FR" dirty="0"/>
+              <a:t> classifier </a:t>
+            </a:r>
+            <a:r>
+              <a:rPr lang="fr-FR" dirty="0" err="1"/>
+              <a:t>is</a:t>
+            </a:r>
+            <a:r>
+              <a:rPr lang="fr-FR" dirty="0"/>
+              <a:t> the best one in in </a:t>
+            </a:r>
+            <a:r>
+              <a:rPr lang="fr-FR" dirty="0" err="1"/>
+              <a:t>processing</a:t>
+            </a:r>
+            <a:r>
+              <a:rPr lang="fr-FR" dirty="0"/>
+              <a:t> techniques but the  </a:t>
+            </a:r>
+            <a:r>
+              <a:rPr lang="fr-FR" dirty="0" err="1"/>
+              <a:t>balanced</a:t>
+            </a:r>
+            <a:r>
+              <a:rPr lang="fr-FR" dirty="0"/>
+              <a:t> </a:t>
+            </a:r>
+            <a:r>
+              <a:rPr lang="fr-FR" dirty="0" err="1"/>
+              <a:t>accuracy</a:t>
+            </a:r>
+            <a:r>
+              <a:rPr lang="fr-FR" dirty="0"/>
+              <a:t> </a:t>
+            </a:r>
+            <a:r>
+              <a:rPr lang="fr-FR" dirty="0" err="1"/>
+              <a:t>decrease</a:t>
+            </a:r>
+            <a:endParaRPr lang="fr-FR" dirty="0"/>
+          </a:p>
+          <a:p>
+            <a:r>
+              <a:rPr lang="fr-FR" dirty="0" err="1"/>
+              <a:t>Grid</a:t>
+            </a:r>
+            <a:r>
+              <a:rPr lang="fr-FR" dirty="0"/>
+              <a:t> </a:t>
+            </a:r>
+            <a:r>
+              <a:rPr lang="fr-FR" dirty="0" err="1"/>
+              <a:t>search</a:t>
+            </a:r>
+            <a:r>
+              <a:rPr lang="fr-FR" dirty="0"/>
+              <a:t> </a:t>
+            </a:r>
+            <a:r>
+              <a:rPr lang="fr-FR" dirty="0" err="1"/>
+              <a:t>reduction</a:t>
+            </a:r>
+            <a:r>
+              <a:rPr lang="fr-FR" dirty="0"/>
+              <a:t> maximise </a:t>
+            </a:r>
+            <a:r>
+              <a:rPr lang="fr-FR" dirty="0" err="1"/>
+              <a:t>accuracy</a:t>
+            </a:r>
+            <a:r>
+              <a:rPr lang="fr-FR" dirty="0"/>
+              <a:t> and </a:t>
+            </a:r>
+            <a:r>
+              <a:rPr lang="fr-FR" dirty="0" err="1"/>
+              <a:t>minimize</a:t>
+            </a:r>
+            <a:r>
+              <a:rPr lang="fr-FR" dirty="0"/>
+              <a:t> </a:t>
+            </a:r>
+            <a:r>
+              <a:rPr lang="fr-FR" dirty="0" err="1"/>
+              <a:t>average</a:t>
+            </a:r>
+            <a:r>
+              <a:rPr lang="fr-FR" dirty="0"/>
+              <a:t> </a:t>
+            </a:r>
+            <a:r>
+              <a:rPr lang="fr-FR" dirty="0" err="1"/>
+              <a:t>odds</a:t>
+            </a:r>
+            <a:r>
+              <a:rPr lang="fr-FR" dirty="0"/>
+              <a:t> </a:t>
+            </a:r>
+            <a:r>
+              <a:rPr lang="fr-FR" dirty="0" err="1"/>
+              <a:t>difference</a:t>
+            </a:r>
+            <a:r>
+              <a:rPr lang="fr-FR" dirty="0"/>
+              <a:t> but not the </a:t>
+            </a:r>
+            <a:r>
+              <a:rPr lang="fr-FR" dirty="0" err="1"/>
+              <a:t>others</a:t>
+            </a:r>
+            <a:r>
+              <a:rPr lang="fr-FR" dirty="0"/>
+              <a:t> </a:t>
+            </a:r>
+            <a:r>
+              <a:rPr lang="fr-FR" dirty="0" err="1"/>
+              <a:t>metrics</a:t>
+            </a:r>
+            <a:r>
+              <a:rPr lang="fr-FR" dirty="0"/>
+              <a:t>.</a:t>
+            </a:r>
+          </a:p>
+          <a:p>
+            <a:endParaRPr lang="fr-FR" dirty="0"/>
           </a:p>
         </p:txBody>
       </p:sp>
